--- a/plotly.pptx
+++ b/plotly.pptx
@@ -17,11 +17,12 @@
     <p:sldId id="264" r:id="rId11"/>
     <p:sldId id="271" r:id="rId12"/>
     <p:sldId id="272" r:id="rId13"/>
-    <p:sldId id="265" r:id="rId14"/>
-    <p:sldId id="266" r:id="rId15"/>
-    <p:sldId id="267" r:id="rId16"/>
-    <p:sldId id="268" r:id="rId17"/>
-    <p:sldId id="270" r:id="rId18"/>
+    <p:sldId id="273" r:id="rId14"/>
+    <p:sldId id="265" r:id="rId15"/>
+    <p:sldId id="266" r:id="rId16"/>
+    <p:sldId id="267" r:id="rId17"/>
+    <p:sldId id="268" r:id="rId18"/>
+    <p:sldId id="270" r:id="rId19"/>
   </p:sldIdLst>
   <p:sldSz cx="12192000" cy="6858000"/>
   <p:notesSz cx="6858000" cy="9144000"/>
@@ -120,6 +121,11 @@
       </a:defRPr>
     </a:lvl9pPr>
   </p:defaultTextStyle>
+  <p:extLst>
+    <p:ext uri="{EFAFB233-063F-42B5-8137-9DF3F51BA10A}">
+      <p15:sldGuideLst xmlns:p15="http://schemas.microsoft.com/office/powerpoint/2012/main"/>
+    </p:ext>
+  </p:extLst>
 </p:presentation>
 </file>
 
@@ -8030,7 +8036,7 @@
           <a:p>
             <a:r>
               <a:rPr lang="en-US" dirty="0" smtClean="0"/>
-              <a:t>layout colors</a:t>
+              <a:t>max min example</a:t>
             </a:r>
             <a:endParaRPr lang="en-US" dirty="0"/>
           </a:p>
@@ -8054,577 +8060,2835 @@
           <a:lstStyle/>
           <a:p>
             <a:pPr marL="0" indent="0">
-              <a:spcBef>
-                <a:spcPts val="0"/>
-              </a:spcBef>
+              <a:lnSpc>
+                <a:spcPct val="107000"/>
+              </a:lnSpc>
               <a:buNone/>
+              <a:tabLst>
+                <a:tab pos="581660" algn="l"/>
+                <a:tab pos="1163320" algn="l"/>
+                <a:tab pos="1744980" algn="l"/>
+                <a:tab pos="2326640" algn="l"/>
+                <a:tab pos="2908300" algn="l"/>
+                <a:tab pos="3489960" algn="l"/>
+                <a:tab pos="4071620" algn="l"/>
+                <a:tab pos="4653280" algn="l"/>
+                <a:tab pos="5234940" algn="l"/>
+                <a:tab pos="5816600" algn="l"/>
+                <a:tab pos="6398260" algn="l"/>
+                <a:tab pos="6979920" algn="l"/>
+                <a:tab pos="7561580" algn="l"/>
+                <a:tab pos="8143240" algn="l"/>
+                <a:tab pos="8724900" algn="l"/>
+                <a:tab pos="9306560" algn="l"/>
+              </a:tabLst>
             </a:pPr>
             <a:r>
-              <a:rPr lang="en-US" sz="1600" dirty="0" smtClean="0">
-                <a:solidFill>
-                  <a:srgbClr val="000000"/>
-                </a:solidFill>
-                <a:effectLst/>
-                <a:latin typeface="Calibri" panose="020F0502020204030204" pitchFamily="34" charset="0"/>
-              </a:rPr>
-              <a:t>print(</a:t>
-            </a:r>
-            <a:r>
-              <a:rPr lang="en-US" sz="1600" dirty="0" err="1" smtClean="0">
-                <a:solidFill>
-                  <a:srgbClr val="000000"/>
-                </a:solidFill>
-                <a:effectLst/>
-                <a:latin typeface="Calibri" panose="020F0502020204030204" pitchFamily="34" charset="0"/>
+              <a:rPr lang="en-US" sz="1200" b="1" dirty="0">
+                <a:solidFill>
+                  <a:srgbClr val="000080"/>
+                </a:solidFill>
+                <a:latin typeface="Courier New" panose="02070309020205020404" pitchFamily="49" charset="0"/>
+                <a:ea typeface="Times New Roman" panose="02020603050405020304" pitchFamily="18" charset="0"/>
+                <a:cs typeface="Arial" panose="020B0604020202020204" pitchFamily="34" charset="0"/>
+              </a:rPr>
+              <a:t>import </a:t>
+            </a:r>
+            <a:r>
+              <a:rPr lang="en-US" sz="1200" dirty="0" err="1">
+                <a:solidFill>
+                  <a:srgbClr val="000000"/>
+                </a:solidFill>
+                <a:latin typeface="Courier New" panose="02070309020205020404" pitchFamily="49" charset="0"/>
+                <a:ea typeface="Times New Roman" panose="02020603050405020304" pitchFamily="18" charset="0"/>
+                <a:cs typeface="Arial" panose="020B0604020202020204" pitchFamily="34" charset="0"/>
+              </a:rPr>
+              <a:t>plotly</a:t>
+            </a:r>
+            <a:r>
+              <a:rPr lang="en-US" sz="1200" dirty="0">
+                <a:solidFill>
+                  <a:srgbClr val="000000"/>
+                </a:solidFill>
+                <a:latin typeface="Courier New" panose="02070309020205020404" pitchFamily="49" charset="0"/>
+                <a:ea typeface="Times New Roman" panose="02020603050405020304" pitchFamily="18" charset="0"/>
+                <a:cs typeface="Arial" panose="020B0604020202020204" pitchFamily="34" charset="0"/>
+              </a:rPr>
+              <a:t> </a:t>
+            </a:r>
+            <a:r>
+              <a:rPr lang="en-US" sz="1200" b="1" dirty="0">
+                <a:solidFill>
+                  <a:srgbClr val="000080"/>
+                </a:solidFill>
+                <a:latin typeface="Courier New" panose="02070309020205020404" pitchFamily="49" charset="0"/>
+                <a:ea typeface="Times New Roman" panose="02020603050405020304" pitchFamily="18" charset="0"/>
+                <a:cs typeface="Arial" panose="020B0604020202020204" pitchFamily="34" charset="0"/>
+              </a:rPr>
+              <a:t>as </a:t>
+            </a:r>
+            <a:r>
+              <a:rPr lang="en-US" sz="1200" dirty="0" err="1">
+                <a:solidFill>
+                  <a:srgbClr val="000000"/>
+                </a:solidFill>
+                <a:latin typeface="Courier New" panose="02070309020205020404" pitchFamily="49" charset="0"/>
+                <a:ea typeface="Times New Roman" panose="02020603050405020304" pitchFamily="18" charset="0"/>
+                <a:cs typeface="Arial" panose="020B0604020202020204" pitchFamily="34" charset="0"/>
+              </a:rPr>
+              <a:t>py</a:t>
+            </a:r>
+            <a:r>
+              <a:rPr lang="en-US" sz="1200" dirty="0">
+                <a:solidFill>
+                  <a:srgbClr val="000000"/>
+                </a:solidFill>
+                <a:latin typeface="Courier New" panose="02070309020205020404" pitchFamily="49" charset="0"/>
+                <a:ea typeface="Times New Roman" panose="02020603050405020304" pitchFamily="18" charset="0"/>
+                <a:cs typeface="Arial" panose="020B0604020202020204" pitchFamily="34" charset="0"/>
+              </a:rPr>
+              <a:t/>
+            </a:r>
+            <a:br>
+              <a:rPr lang="en-US" sz="1200" dirty="0">
+                <a:solidFill>
+                  <a:srgbClr val="000000"/>
+                </a:solidFill>
+                <a:latin typeface="Courier New" panose="02070309020205020404" pitchFamily="49" charset="0"/>
+                <a:ea typeface="Times New Roman" panose="02020603050405020304" pitchFamily="18" charset="0"/>
+                <a:cs typeface="Arial" panose="020B0604020202020204" pitchFamily="34" charset="0"/>
+              </a:rPr>
+            </a:br>
+            <a:r>
+              <a:rPr lang="en-US" sz="1200" b="1" dirty="0">
+                <a:solidFill>
+                  <a:srgbClr val="000080"/>
+                </a:solidFill>
+                <a:latin typeface="Courier New" panose="02070309020205020404" pitchFamily="49" charset="0"/>
+                <a:ea typeface="Times New Roman" panose="02020603050405020304" pitchFamily="18" charset="0"/>
+                <a:cs typeface="Arial" panose="020B0604020202020204" pitchFamily="34" charset="0"/>
+              </a:rPr>
+              <a:t>import </a:t>
+            </a:r>
+            <a:r>
+              <a:rPr lang="en-US" sz="1200" dirty="0">
+                <a:solidFill>
+                  <a:srgbClr val="000000"/>
+                </a:solidFill>
+                <a:latin typeface="Courier New" panose="02070309020205020404" pitchFamily="49" charset="0"/>
+                <a:ea typeface="Times New Roman" panose="02020603050405020304" pitchFamily="18" charset="0"/>
+                <a:cs typeface="Arial" panose="020B0604020202020204" pitchFamily="34" charset="0"/>
+              </a:rPr>
+              <a:t>numpy </a:t>
+            </a:r>
+            <a:r>
+              <a:rPr lang="en-US" sz="1200" b="1" dirty="0">
+                <a:solidFill>
+                  <a:srgbClr val="000080"/>
+                </a:solidFill>
+                <a:latin typeface="Courier New" panose="02070309020205020404" pitchFamily="49" charset="0"/>
+                <a:ea typeface="Times New Roman" panose="02020603050405020304" pitchFamily="18" charset="0"/>
+                <a:cs typeface="Arial" panose="020B0604020202020204" pitchFamily="34" charset="0"/>
+              </a:rPr>
+              <a:t>as </a:t>
+            </a:r>
+            <a:r>
+              <a:rPr lang="en-US" sz="1200" dirty="0">
+                <a:solidFill>
+                  <a:srgbClr val="000000"/>
+                </a:solidFill>
+                <a:latin typeface="Courier New" panose="02070309020205020404" pitchFamily="49" charset="0"/>
+                <a:ea typeface="Times New Roman" panose="02020603050405020304" pitchFamily="18" charset="0"/>
+                <a:cs typeface="Arial" panose="020B0604020202020204" pitchFamily="34" charset="0"/>
+              </a:rPr>
+              <a:t>np</a:t>
+            </a:r>
+            <a:br>
+              <a:rPr lang="en-US" sz="1200" dirty="0">
+                <a:solidFill>
+                  <a:srgbClr val="000000"/>
+                </a:solidFill>
+                <a:latin typeface="Courier New" panose="02070309020205020404" pitchFamily="49" charset="0"/>
+                <a:ea typeface="Times New Roman" panose="02020603050405020304" pitchFamily="18" charset="0"/>
+                <a:cs typeface="Arial" panose="020B0604020202020204" pitchFamily="34" charset="0"/>
+              </a:rPr>
+            </a:br>
+            <a:r>
+              <a:rPr lang="en-US" sz="1200" b="1" dirty="0">
+                <a:solidFill>
+                  <a:srgbClr val="000080"/>
+                </a:solidFill>
+                <a:latin typeface="Courier New" panose="02070309020205020404" pitchFamily="49" charset="0"/>
+                <a:ea typeface="Times New Roman" panose="02020603050405020304" pitchFamily="18" charset="0"/>
+                <a:cs typeface="Arial" panose="020B0604020202020204" pitchFamily="34" charset="0"/>
+              </a:rPr>
+              <a:t>import </a:t>
+            </a:r>
+            <a:r>
+              <a:rPr lang="en-US" sz="1200" dirty="0">
+                <a:solidFill>
+                  <a:srgbClr val="000000"/>
+                </a:solidFill>
+                <a:latin typeface="Courier New" panose="02070309020205020404" pitchFamily="49" charset="0"/>
+                <a:ea typeface="Times New Roman" panose="02020603050405020304" pitchFamily="18" charset="0"/>
+                <a:cs typeface="Arial" panose="020B0604020202020204" pitchFamily="34" charset="0"/>
+              </a:rPr>
+              <a:t>cufflinks</a:t>
+            </a:r>
+            <a:br>
+              <a:rPr lang="en-US" sz="1200" dirty="0">
+                <a:solidFill>
+                  <a:srgbClr val="000000"/>
+                </a:solidFill>
+                <a:latin typeface="Courier New" panose="02070309020205020404" pitchFamily="49" charset="0"/>
+                <a:ea typeface="Times New Roman" panose="02020603050405020304" pitchFamily="18" charset="0"/>
+                <a:cs typeface="Arial" panose="020B0604020202020204" pitchFamily="34" charset="0"/>
+              </a:rPr>
+            </a:br>
+            <a:r>
+              <a:rPr lang="en-US" sz="1200" dirty="0">
+                <a:solidFill>
+                  <a:srgbClr val="000000"/>
+                </a:solidFill>
+                <a:latin typeface="Courier New" panose="02070309020205020404" pitchFamily="49" charset="0"/>
+                <a:ea typeface="Times New Roman" panose="02020603050405020304" pitchFamily="18" charset="0"/>
+                <a:cs typeface="Arial" panose="020B0604020202020204" pitchFamily="34" charset="0"/>
+              </a:rPr>
+              <a:t/>
+            </a:r>
+            <a:br>
+              <a:rPr lang="en-US" sz="1200" dirty="0">
+                <a:solidFill>
+                  <a:srgbClr val="000000"/>
+                </a:solidFill>
+                <a:latin typeface="Courier New" panose="02070309020205020404" pitchFamily="49" charset="0"/>
+                <a:ea typeface="Times New Roman" panose="02020603050405020304" pitchFamily="18" charset="0"/>
+                <a:cs typeface="Arial" panose="020B0604020202020204" pitchFamily="34" charset="0"/>
+              </a:rPr>
+            </a:br>
+            <a:r>
+              <a:rPr lang="en-US" sz="1200" dirty="0">
+                <a:solidFill>
+                  <a:srgbClr val="000000"/>
+                </a:solidFill>
+                <a:latin typeface="Courier New" panose="02070309020205020404" pitchFamily="49" charset="0"/>
+                <a:ea typeface="Times New Roman" panose="02020603050405020304" pitchFamily="18" charset="0"/>
+                <a:cs typeface="Arial" panose="020B0604020202020204" pitchFamily="34" charset="0"/>
+              </a:rPr>
+              <a:t>x=[</a:t>
+            </a:r>
+            <a:r>
+              <a:rPr lang="en-US" sz="1200" b="1" dirty="0">
+                <a:solidFill>
+                  <a:srgbClr val="008080"/>
+                </a:solidFill>
+                <a:latin typeface="Courier New" panose="02070309020205020404" pitchFamily="49" charset="0"/>
+                <a:ea typeface="Times New Roman" panose="02020603050405020304" pitchFamily="18" charset="0"/>
+                <a:cs typeface="Arial" panose="020B0604020202020204" pitchFamily="34" charset="0"/>
+              </a:rPr>
+              <a:t>'first'</a:t>
+            </a:r>
+            <a:r>
+              <a:rPr lang="en-US" sz="1200" dirty="0">
+                <a:solidFill>
+                  <a:srgbClr val="000000"/>
+                </a:solidFill>
+                <a:latin typeface="Courier New" panose="02070309020205020404" pitchFamily="49" charset="0"/>
+                <a:ea typeface="Times New Roman" panose="02020603050405020304" pitchFamily="18" charset="0"/>
+                <a:cs typeface="Arial" panose="020B0604020202020204" pitchFamily="34" charset="0"/>
+              </a:rPr>
+              <a:t>,</a:t>
+            </a:r>
+            <a:r>
+              <a:rPr lang="en-US" sz="1200" b="1" dirty="0">
+                <a:solidFill>
+                  <a:srgbClr val="008080"/>
+                </a:solidFill>
+                <a:latin typeface="Courier New" panose="02070309020205020404" pitchFamily="49" charset="0"/>
+                <a:ea typeface="Times New Roman" panose="02020603050405020304" pitchFamily="18" charset="0"/>
+                <a:cs typeface="Arial" panose="020B0604020202020204" pitchFamily="34" charset="0"/>
+              </a:rPr>
+              <a:t>'</a:t>
+            </a:r>
+            <a:r>
+              <a:rPr lang="en-US" sz="1200" b="1" dirty="0" err="1">
+                <a:solidFill>
+                  <a:srgbClr val="008080"/>
+                </a:solidFill>
+                <a:latin typeface="Courier New" panose="02070309020205020404" pitchFamily="49" charset="0"/>
+                <a:ea typeface="Times New Roman" panose="02020603050405020304" pitchFamily="18" charset="0"/>
+                <a:cs typeface="Arial" panose="020B0604020202020204" pitchFamily="34" charset="0"/>
+              </a:rPr>
+              <a:t>sedonc</a:t>
+            </a:r>
+            <a:r>
+              <a:rPr lang="en-US" sz="1200" b="1" dirty="0">
+                <a:solidFill>
+                  <a:srgbClr val="008080"/>
+                </a:solidFill>
+                <a:latin typeface="Courier New" panose="02070309020205020404" pitchFamily="49" charset="0"/>
+                <a:ea typeface="Times New Roman" panose="02020603050405020304" pitchFamily="18" charset="0"/>
+                <a:cs typeface="Arial" panose="020B0604020202020204" pitchFamily="34" charset="0"/>
+              </a:rPr>
+              <a:t>'</a:t>
+            </a:r>
+            <a:r>
+              <a:rPr lang="en-US" sz="1200" dirty="0">
+                <a:solidFill>
+                  <a:srgbClr val="000000"/>
+                </a:solidFill>
+                <a:latin typeface="Courier New" panose="02070309020205020404" pitchFamily="49" charset="0"/>
+                <a:ea typeface="Times New Roman" panose="02020603050405020304" pitchFamily="18" charset="0"/>
+                <a:cs typeface="Arial" panose="020B0604020202020204" pitchFamily="34" charset="0"/>
+              </a:rPr>
+              <a:t>,</a:t>
+            </a:r>
+            <a:r>
+              <a:rPr lang="en-US" sz="1200" b="1" dirty="0">
+                <a:solidFill>
+                  <a:srgbClr val="008080"/>
+                </a:solidFill>
+                <a:latin typeface="Courier New" panose="02070309020205020404" pitchFamily="49" charset="0"/>
+                <a:ea typeface="Times New Roman" panose="02020603050405020304" pitchFamily="18" charset="0"/>
+                <a:cs typeface="Arial" panose="020B0604020202020204" pitchFamily="34" charset="0"/>
+              </a:rPr>
+              <a:t>'end'</a:t>
+            </a:r>
+            <a:r>
+              <a:rPr lang="en-US" sz="1200" dirty="0">
+                <a:solidFill>
+                  <a:srgbClr val="000000"/>
+                </a:solidFill>
+                <a:latin typeface="Courier New" panose="02070309020205020404" pitchFamily="49" charset="0"/>
+                <a:ea typeface="Times New Roman" panose="02020603050405020304" pitchFamily="18" charset="0"/>
+                <a:cs typeface="Arial" panose="020B0604020202020204" pitchFamily="34" charset="0"/>
+              </a:rPr>
+              <a:t>]</a:t>
+            </a:r>
+            <a:br>
+              <a:rPr lang="en-US" sz="1200" dirty="0">
+                <a:solidFill>
+                  <a:srgbClr val="000000"/>
+                </a:solidFill>
+                <a:latin typeface="Courier New" panose="02070309020205020404" pitchFamily="49" charset="0"/>
+                <a:ea typeface="Times New Roman" panose="02020603050405020304" pitchFamily="18" charset="0"/>
+                <a:cs typeface="Arial" panose="020B0604020202020204" pitchFamily="34" charset="0"/>
+              </a:rPr>
+            </a:br>
+            <a:r>
+              <a:rPr lang="en-US" sz="1200" dirty="0">
+                <a:solidFill>
+                  <a:srgbClr val="000000"/>
+                </a:solidFill>
+                <a:latin typeface="Courier New" panose="02070309020205020404" pitchFamily="49" charset="0"/>
+                <a:ea typeface="Times New Roman" panose="02020603050405020304" pitchFamily="18" charset="0"/>
+                <a:cs typeface="Arial" panose="020B0604020202020204" pitchFamily="34" charset="0"/>
+              </a:rPr>
+              <a:t>y1=[</a:t>
+            </a:r>
+            <a:r>
+              <a:rPr lang="en-US" sz="1200" dirty="0">
+                <a:solidFill>
+                  <a:srgbClr val="0000FF"/>
+                </a:solidFill>
+                <a:latin typeface="Courier New" panose="02070309020205020404" pitchFamily="49" charset="0"/>
+                <a:ea typeface="Times New Roman" panose="02020603050405020304" pitchFamily="18" charset="0"/>
+                <a:cs typeface="Arial" panose="020B0604020202020204" pitchFamily="34" charset="0"/>
+              </a:rPr>
+              <a:t>4</a:t>
+            </a:r>
+            <a:r>
+              <a:rPr lang="en-US" sz="1200" dirty="0">
+                <a:solidFill>
+                  <a:srgbClr val="000000"/>
+                </a:solidFill>
+                <a:latin typeface="Courier New" panose="02070309020205020404" pitchFamily="49" charset="0"/>
+                <a:ea typeface="Times New Roman" panose="02020603050405020304" pitchFamily="18" charset="0"/>
+                <a:cs typeface="Arial" panose="020B0604020202020204" pitchFamily="34" charset="0"/>
+              </a:rPr>
+              <a:t>,</a:t>
+            </a:r>
+            <a:r>
+              <a:rPr lang="en-US" sz="1200" dirty="0">
+                <a:solidFill>
+                  <a:srgbClr val="0000FF"/>
+                </a:solidFill>
+                <a:latin typeface="Courier New" panose="02070309020205020404" pitchFamily="49" charset="0"/>
+                <a:ea typeface="Times New Roman" panose="02020603050405020304" pitchFamily="18" charset="0"/>
+                <a:cs typeface="Arial" panose="020B0604020202020204" pitchFamily="34" charset="0"/>
+              </a:rPr>
+              <a:t>3</a:t>
+            </a:r>
+            <a:r>
+              <a:rPr lang="en-US" sz="1200" dirty="0">
+                <a:solidFill>
+                  <a:srgbClr val="000000"/>
+                </a:solidFill>
+                <a:latin typeface="Courier New" panose="02070309020205020404" pitchFamily="49" charset="0"/>
+                <a:ea typeface="Times New Roman" panose="02020603050405020304" pitchFamily="18" charset="0"/>
+                <a:cs typeface="Arial" panose="020B0604020202020204" pitchFamily="34" charset="0"/>
+              </a:rPr>
+              <a:t>,</a:t>
+            </a:r>
+            <a:r>
+              <a:rPr lang="en-US" sz="1200" dirty="0">
+                <a:solidFill>
+                  <a:srgbClr val="0000FF"/>
+                </a:solidFill>
+                <a:latin typeface="Courier New" panose="02070309020205020404" pitchFamily="49" charset="0"/>
+                <a:ea typeface="Times New Roman" panose="02020603050405020304" pitchFamily="18" charset="0"/>
+                <a:cs typeface="Arial" panose="020B0604020202020204" pitchFamily="34" charset="0"/>
+              </a:rPr>
+              <a:t>5</a:t>
+            </a:r>
+            <a:r>
+              <a:rPr lang="en-US" sz="1200" dirty="0">
+                <a:solidFill>
+                  <a:srgbClr val="000000"/>
+                </a:solidFill>
+                <a:latin typeface="Courier New" panose="02070309020205020404" pitchFamily="49" charset="0"/>
+                <a:ea typeface="Times New Roman" panose="02020603050405020304" pitchFamily="18" charset="0"/>
+                <a:cs typeface="Arial" panose="020B0604020202020204" pitchFamily="34" charset="0"/>
+              </a:rPr>
+              <a:t>]</a:t>
+            </a:r>
+            <a:br>
+              <a:rPr lang="en-US" sz="1200" dirty="0">
+                <a:solidFill>
+                  <a:srgbClr val="000000"/>
+                </a:solidFill>
+                <a:latin typeface="Courier New" panose="02070309020205020404" pitchFamily="49" charset="0"/>
+                <a:ea typeface="Times New Roman" panose="02020603050405020304" pitchFamily="18" charset="0"/>
+                <a:cs typeface="Arial" panose="020B0604020202020204" pitchFamily="34" charset="0"/>
+              </a:rPr>
+            </a:br>
+            <a:r>
+              <a:rPr lang="en-US" sz="1200" dirty="0">
+                <a:solidFill>
+                  <a:srgbClr val="000000"/>
+                </a:solidFill>
+                <a:latin typeface="Courier New" panose="02070309020205020404" pitchFamily="49" charset="0"/>
+                <a:ea typeface="Times New Roman" panose="02020603050405020304" pitchFamily="18" charset="0"/>
+                <a:cs typeface="Arial" panose="020B0604020202020204" pitchFamily="34" charset="0"/>
+              </a:rPr>
+              <a:t>y2=[</a:t>
+            </a:r>
+            <a:r>
+              <a:rPr lang="en-US" sz="1200" dirty="0">
+                <a:solidFill>
+                  <a:srgbClr val="0000FF"/>
+                </a:solidFill>
+                <a:latin typeface="Courier New" panose="02070309020205020404" pitchFamily="49" charset="0"/>
+                <a:ea typeface="Times New Roman" panose="02020603050405020304" pitchFamily="18" charset="0"/>
+                <a:cs typeface="Arial" panose="020B0604020202020204" pitchFamily="34" charset="0"/>
+              </a:rPr>
+              <a:t>4.5</a:t>
+            </a:r>
+            <a:r>
+              <a:rPr lang="en-US" sz="1200" dirty="0">
+                <a:solidFill>
+                  <a:srgbClr val="000000"/>
+                </a:solidFill>
+                <a:latin typeface="Courier New" panose="02070309020205020404" pitchFamily="49" charset="0"/>
+                <a:ea typeface="Times New Roman" panose="02020603050405020304" pitchFamily="18" charset="0"/>
+                <a:cs typeface="Arial" panose="020B0604020202020204" pitchFamily="34" charset="0"/>
+              </a:rPr>
+              <a:t>,</a:t>
+            </a:r>
+            <a:r>
+              <a:rPr lang="en-US" sz="1200" dirty="0">
+                <a:solidFill>
+                  <a:srgbClr val="0000FF"/>
+                </a:solidFill>
+                <a:latin typeface="Courier New" panose="02070309020205020404" pitchFamily="49" charset="0"/>
+                <a:ea typeface="Times New Roman" panose="02020603050405020304" pitchFamily="18" charset="0"/>
+                <a:cs typeface="Arial" panose="020B0604020202020204" pitchFamily="34" charset="0"/>
+              </a:rPr>
+              <a:t>3.5</a:t>
+            </a:r>
+            <a:r>
+              <a:rPr lang="en-US" sz="1200" dirty="0">
+                <a:solidFill>
+                  <a:srgbClr val="000000"/>
+                </a:solidFill>
+                <a:latin typeface="Courier New" panose="02070309020205020404" pitchFamily="49" charset="0"/>
+                <a:ea typeface="Times New Roman" panose="02020603050405020304" pitchFamily="18" charset="0"/>
+                <a:cs typeface="Arial" panose="020B0604020202020204" pitchFamily="34" charset="0"/>
+              </a:rPr>
+              <a:t>,</a:t>
+            </a:r>
+            <a:r>
+              <a:rPr lang="en-US" sz="1200" dirty="0">
+                <a:solidFill>
+                  <a:srgbClr val="0000FF"/>
+                </a:solidFill>
+                <a:latin typeface="Courier New" panose="02070309020205020404" pitchFamily="49" charset="0"/>
+                <a:ea typeface="Times New Roman" panose="02020603050405020304" pitchFamily="18" charset="0"/>
+                <a:cs typeface="Arial" panose="020B0604020202020204" pitchFamily="34" charset="0"/>
+              </a:rPr>
+              <a:t>4</a:t>
+            </a:r>
+            <a:r>
+              <a:rPr lang="en-US" sz="1200" dirty="0">
+                <a:solidFill>
+                  <a:srgbClr val="000000"/>
+                </a:solidFill>
+                <a:latin typeface="Courier New" panose="02070309020205020404" pitchFamily="49" charset="0"/>
+                <a:ea typeface="Times New Roman" panose="02020603050405020304" pitchFamily="18" charset="0"/>
+                <a:cs typeface="Arial" panose="020B0604020202020204" pitchFamily="34" charset="0"/>
+              </a:rPr>
+              <a:t>]</a:t>
+            </a:r>
+            <a:br>
+              <a:rPr lang="en-US" sz="1200" dirty="0">
+                <a:solidFill>
+                  <a:srgbClr val="000000"/>
+                </a:solidFill>
+                <a:latin typeface="Courier New" panose="02070309020205020404" pitchFamily="49" charset="0"/>
+                <a:ea typeface="Times New Roman" panose="02020603050405020304" pitchFamily="18" charset="0"/>
+                <a:cs typeface="Arial" panose="020B0604020202020204" pitchFamily="34" charset="0"/>
+              </a:rPr>
+            </a:br>
+            <a:r>
+              <a:rPr lang="en-US" sz="1200" dirty="0" err="1">
+                <a:solidFill>
+                  <a:srgbClr val="000000"/>
+                </a:solidFill>
+                <a:latin typeface="Courier New" panose="02070309020205020404" pitchFamily="49" charset="0"/>
+                <a:ea typeface="Times New Roman" panose="02020603050405020304" pitchFamily="18" charset="0"/>
+                <a:cs typeface="Arial" panose="020B0604020202020204" pitchFamily="34" charset="0"/>
+              </a:rPr>
+              <a:t>bar_max</a:t>
+            </a:r>
+            <a:r>
+              <a:rPr lang="en-US" sz="1200" dirty="0">
+                <a:solidFill>
+                  <a:srgbClr val="000000"/>
+                </a:solidFill>
+                <a:latin typeface="Courier New" panose="02070309020205020404" pitchFamily="49" charset="0"/>
+                <a:ea typeface="Times New Roman" panose="02020603050405020304" pitchFamily="18" charset="0"/>
+                <a:cs typeface="Arial" panose="020B0604020202020204" pitchFamily="34" charset="0"/>
+              </a:rPr>
+              <a:t>=[</a:t>
+            </a:r>
+            <a:r>
+              <a:rPr lang="en-US" sz="1200" dirty="0">
+                <a:solidFill>
+                  <a:srgbClr val="0000FF"/>
+                </a:solidFill>
+                <a:latin typeface="Courier New" panose="02070309020205020404" pitchFamily="49" charset="0"/>
+                <a:ea typeface="Times New Roman" panose="02020603050405020304" pitchFamily="18" charset="0"/>
+                <a:cs typeface="Arial" panose="020B0604020202020204" pitchFamily="34" charset="0"/>
+              </a:rPr>
+              <a:t>6</a:t>
+            </a:r>
+            <a:r>
+              <a:rPr lang="en-US" sz="1200" dirty="0">
+                <a:solidFill>
+                  <a:srgbClr val="000000"/>
+                </a:solidFill>
+                <a:latin typeface="Courier New" panose="02070309020205020404" pitchFamily="49" charset="0"/>
+                <a:ea typeface="Times New Roman" panose="02020603050405020304" pitchFamily="18" charset="0"/>
+                <a:cs typeface="Arial" panose="020B0604020202020204" pitchFamily="34" charset="0"/>
+              </a:rPr>
+              <a:t>,</a:t>
+            </a:r>
+            <a:r>
+              <a:rPr lang="en-US" sz="1200" dirty="0">
+                <a:solidFill>
+                  <a:srgbClr val="0000FF"/>
+                </a:solidFill>
+                <a:latin typeface="Courier New" panose="02070309020205020404" pitchFamily="49" charset="0"/>
+                <a:ea typeface="Times New Roman" panose="02020603050405020304" pitchFamily="18" charset="0"/>
+                <a:cs typeface="Arial" panose="020B0604020202020204" pitchFamily="34" charset="0"/>
+              </a:rPr>
+              <a:t>7</a:t>
+            </a:r>
+            <a:r>
+              <a:rPr lang="en-US" sz="1200" dirty="0">
+                <a:solidFill>
+                  <a:srgbClr val="000000"/>
+                </a:solidFill>
+                <a:latin typeface="Courier New" panose="02070309020205020404" pitchFamily="49" charset="0"/>
+                <a:ea typeface="Times New Roman" panose="02020603050405020304" pitchFamily="18" charset="0"/>
+                <a:cs typeface="Arial" panose="020B0604020202020204" pitchFamily="34" charset="0"/>
+              </a:rPr>
+              <a:t>,</a:t>
+            </a:r>
+            <a:r>
+              <a:rPr lang="en-US" sz="1200" dirty="0">
+                <a:solidFill>
+                  <a:srgbClr val="0000FF"/>
+                </a:solidFill>
+                <a:latin typeface="Courier New" panose="02070309020205020404" pitchFamily="49" charset="0"/>
+                <a:ea typeface="Times New Roman" panose="02020603050405020304" pitchFamily="18" charset="0"/>
+                <a:cs typeface="Arial" panose="020B0604020202020204" pitchFamily="34" charset="0"/>
+              </a:rPr>
+              <a:t>6</a:t>
+            </a:r>
+            <a:r>
+              <a:rPr lang="en-US" sz="1200" dirty="0">
+                <a:solidFill>
+                  <a:srgbClr val="000000"/>
+                </a:solidFill>
+                <a:latin typeface="Courier New" panose="02070309020205020404" pitchFamily="49" charset="0"/>
+                <a:ea typeface="Times New Roman" panose="02020603050405020304" pitchFamily="18" charset="0"/>
+                <a:cs typeface="Arial" panose="020B0604020202020204" pitchFamily="34" charset="0"/>
+              </a:rPr>
+              <a:t>]</a:t>
+            </a:r>
+            <a:br>
+              <a:rPr lang="en-US" sz="1200" dirty="0">
+                <a:solidFill>
+                  <a:srgbClr val="000000"/>
+                </a:solidFill>
+                <a:latin typeface="Courier New" panose="02070309020205020404" pitchFamily="49" charset="0"/>
+                <a:ea typeface="Times New Roman" panose="02020603050405020304" pitchFamily="18" charset="0"/>
+                <a:cs typeface="Arial" panose="020B0604020202020204" pitchFamily="34" charset="0"/>
+              </a:rPr>
+            </a:br>
+            <a:r>
+              <a:rPr lang="en-US" sz="1200" dirty="0" err="1">
+                <a:solidFill>
+                  <a:srgbClr val="000000"/>
+                </a:solidFill>
+                <a:latin typeface="Courier New" panose="02070309020205020404" pitchFamily="49" charset="0"/>
+                <a:ea typeface="Times New Roman" panose="02020603050405020304" pitchFamily="18" charset="0"/>
+                <a:cs typeface="Arial" panose="020B0604020202020204" pitchFamily="34" charset="0"/>
+              </a:rPr>
+              <a:t>bar_min</a:t>
+            </a:r>
+            <a:r>
+              <a:rPr lang="en-US" sz="1200" dirty="0">
+                <a:solidFill>
+                  <a:srgbClr val="000000"/>
+                </a:solidFill>
+                <a:latin typeface="Courier New" panose="02070309020205020404" pitchFamily="49" charset="0"/>
+                <a:ea typeface="Times New Roman" panose="02020603050405020304" pitchFamily="18" charset="0"/>
+                <a:cs typeface="Arial" panose="020B0604020202020204" pitchFamily="34" charset="0"/>
+              </a:rPr>
+              <a:t>=[</a:t>
+            </a:r>
+            <a:r>
+              <a:rPr lang="en-US" sz="1200" dirty="0">
+                <a:solidFill>
+                  <a:srgbClr val="0000FF"/>
+                </a:solidFill>
+                <a:latin typeface="Courier New" panose="02070309020205020404" pitchFamily="49" charset="0"/>
+                <a:ea typeface="Times New Roman" panose="02020603050405020304" pitchFamily="18" charset="0"/>
+                <a:cs typeface="Arial" panose="020B0604020202020204" pitchFamily="34" charset="0"/>
+              </a:rPr>
+              <a:t>1</a:t>
+            </a:r>
+            <a:r>
+              <a:rPr lang="en-US" sz="1200" dirty="0">
+                <a:solidFill>
+                  <a:srgbClr val="000000"/>
+                </a:solidFill>
+                <a:latin typeface="Courier New" panose="02070309020205020404" pitchFamily="49" charset="0"/>
+                <a:ea typeface="Times New Roman" panose="02020603050405020304" pitchFamily="18" charset="0"/>
+                <a:cs typeface="Arial" panose="020B0604020202020204" pitchFamily="34" charset="0"/>
+              </a:rPr>
+              <a:t>,</a:t>
+            </a:r>
+            <a:r>
+              <a:rPr lang="en-US" sz="1200" dirty="0">
+                <a:solidFill>
+                  <a:srgbClr val="0000FF"/>
+                </a:solidFill>
+                <a:latin typeface="Courier New" panose="02070309020205020404" pitchFamily="49" charset="0"/>
+                <a:ea typeface="Times New Roman" panose="02020603050405020304" pitchFamily="18" charset="0"/>
+                <a:cs typeface="Arial" panose="020B0604020202020204" pitchFamily="34" charset="0"/>
+              </a:rPr>
+              <a:t>1</a:t>
+            </a:r>
+            <a:r>
+              <a:rPr lang="en-US" sz="1200" dirty="0">
+                <a:solidFill>
+                  <a:srgbClr val="000000"/>
+                </a:solidFill>
+                <a:latin typeface="Courier New" panose="02070309020205020404" pitchFamily="49" charset="0"/>
+                <a:ea typeface="Times New Roman" panose="02020603050405020304" pitchFamily="18" charset="0"/>
+                <a:cs typeface="Arial" panose="020B0604020202020204" pitchFamily="34" charset="0"/>
+              </a:rPr>
+              <a:t>,</a:t>
+            </a:r>
+            <a:r>
+              <a:rPr lang="en-US" sz="1200" dirty="0">
+                <a:solidFill>
+                  <a:srgbClr val="0000FF"/>
+                </a:solidFill>
+                <a:latin typeface="Courier New" panose="02070309020205020404" pitchFamily="49" charset="0"/>
+                <a:ea typeface="Times New Roman" panose="02020603050405020304" pitchFamily="18" charset="0"/>
+                <a:cs typeface="Arial" panose="020B0604020202020204" pitchFamily="34" charset="0"/>
+              </a:rPr>
+              <a:t>2</a:t>
+            </a:r>
+            <a:r>
+              <a:rPr lang="en-US" sz="1200" dirty="0">
+                <a:solidFill>
+                  <a:srgbClr val="000000"/>
+                </a:solidFill>
+                <a:latin typeface="Courier New" panose="02070309020205020404" pitchFamily="49" charset="0"/>
+                <a:ea typeface="Times New Roman" panose="02020603050405020304" pitchFamily="18" charset="0"/>
+                <a:cs typeface="Arial" panose="020B0604020202020204" pitchFamily="34" charset="0"/>
+              </a:rPr>
+              <a:t>]</a:t>
+            </a:r>
+            <a:br>
+              <a:rPr lang="en-US" sz="1200" dirty="0">
+                <a:solidFill>
+                  <a:srgbClr val="000000"/>
+                </a:solidFill>
+                <a:latin typeface="Courier New" panose="02070309020205020404" pitchFamily="49" charset="0"/>
+                <a:ea typeface="Times New Roman" panose="02020603050405020304" pitchFamily="18" charset="0"/>
+                <a:cs typeface="Arial" panose="020B0604020202020204" pitchFamily="34" charset="0"/>
+              </a:rPr>
+            </a:br>
+            <a:r>
+              <a:rPr lang="en-US" sz="1200" dirty="0">
+                <a:solidFill>
+                  <a:srgbClr val="000000"/>
+                </a:solidFill>
+                <a:latin typeface="Courier New" panose="02070309020205020404" pitchFamily="49" charset="0"/>
+                <a:ea typeface="Times New Roman" panose="02020603050405020304" pitchFamily="18" charset="0"/>
+                <a:cs typeface="Arial" panose="020B0604020202020204" pitchFamily="34" charset="0"/>
+              </a:rPr>
+              <a:t/>
+            </a:r>
+            <a:br>
+              <a:rPr lang="en-US" sz="1200" dirty="0">
+                <a:solidFill>
+                  <a:srgbClr val="000000"/>
+                </a:solidFill>
+                <a:latin typeface="Courier New" panose="02070309020205020404" pitchFamily="49" charset="0"/>
+                <a:ea typeface="Times New Roman" panose="02020603050405020304" pitchFamily="18" charset="0"/>
+                <a:cs typeface="Arial" panose="020B0604020202020204" pitchFamily="34" charset="0"/>
+              </a:rPr>
+            </a:br>
+            <a:r>
+              <a:rPr lang="en-US" sz="1200" i="1" dirty="0">
+                <a:solidFill>
+                  <a:srgbClr val="808080"/>
+                </a:solidFill>
+                <a:latin typeface="Courier New" panose="02070309020205020404" pitchFamily="49" charset="0"/>
+                <a:ea typeface="Times New Roman" panose="02020603050405020304" pitchFamily="18" charset="0"/>
+                <a:cs typeface="Arial" panose="020B0604020202020204" pitchFamily="34" charset="0"/>
+              </a:rPr>
+              <a:t># data = [</a:t>
+            </a:r>
+            <a:r>
+              <a:rPr lang="en-US" sz="1200" i="1" dirty="0" err="1">
+                <a:solidFill>
+                  <a:srgbClr val="808080"/>
+                </a:solidFill>
+                <a:latin typeface="Courier New" panose="02070309020205020404" pitchFamily="49" charset="0"/>
+                <a:ea typeface="Times New Roman" panose="02020603050405020304" pitchFamily="18" charset="0"/>
+                <a:cs typeface="Arial" panose="020B0604020202020204" pitchFamily="34" charset="0"/>
+              </a:rPr>
+              <a:t>dict</a:t>
+            </a:r>
+            <a:r>
+              <a:rPr lang="en-US" sz="1200" i="1" dirty="0">
+                <a:solidFill>
+                  <a:srgbClr val="808080"/>
+                </a:solidFill>
+                <a:latin typeface="Courier New" panose="02070309020205020404" pitchFamily="49" charset="0"/>
+                <a:ea typeface="Times New Roman" panose="02020603050405020304" pitchFamily="18" charset="0"/>
+                <a:cs typeface="Arial" panose="020B0604020202020204" pitchFamily="34" charset="0"/>
+              </a:rPr>
+              <a:t>(x=x, y=y[</a:t>
+            </a:r>
+            <a:r>
+              <a:rPr lang="en-US" sz="1200" i="1" dirty="0" err="1">
+                <a:solidFill>
+                  <a:srgbClr val="808080"/>
+                </a:solidFill>
+                <a:latin typeface="Courier New" panose="02070309020205020404" pitchFamily="49" charset="0"/>
+                <a:ea typeface="Times New Roman" panose="02020603050405020304" pitchFamily="18" charset="0"/>
+                <a:cs typeface="Arial" panose="020B0604020202020204" pitchFamily="34" charset="0"/>
+              </a:rPr>
+              <a:t>i</a:t>
+            </a:r>
+            <a:r>
+              <a:rPr lang="en-US" sz="1200" i="1" dirty="0">
+                <a:solidFill>
+                  <a:srgbClr val="808080"/>
+                </a:solidFill>
+                <a:latin typeface="Courier New" panose="02070309020205020404" pitchFamily="49" charset="0"/>
+                <a:ea typeface="Times New Roman" panose="02020603050405020304" pitchFamily="18" charset="0"/>
+                <a:cs typeface="Arial" panose="020B0604020202020204" pitchFamily="34" charset="0"/>
+              </a:rPr>
+              <a:t>], name='sine %d'%</a:t>
+            </a:r>
+            <a:r>
+              <a:rPr lang="en-US" sz="1200" i="1" dirty="0" err="1">
+                <a:solidFill>
+                  <a:srgbClr val="808080"/>
+                </a:solidFill>
+                <a:latin typeface="Courier New" panose="02070309020205020404" pitchFamily="49" charset="0"/>
+                <a:ea typeface="Times New Roman" panose="02020603050405020304" pitchFamily="18" charset="0"/>
+                <a:cs typeface="Arial" panose="020B0604020202020204" pitchFamily="34" charset="0"/>
+              </a:rPr>
+              <a:t>i</a:t>
+            </a:r>
+            <a:r>
+              <a:rPr lang="en-US" sz="1200" i="1" dirty="0">
+                <a:solidFill>
+                  <a:srgbClr val="808080"/>
+                </a:solidFill>
+                <a:latin typeface="Courier New" panose="02070309020205020404" pitchFamily="49" charset="0"/>
+                <a:ea typeface="Times New Roman" panose="02020603050405020304" pitchFamily="18" charset="0"/>
+                <a:cs typeface="Arial" panose="020B0604020202020204" pitchFamily="34" charset="0"/>
+              </a:rPr>
+              <a:t>, type='</a:t>
+            </a:r>
+            <a:r>
+              <a:rPr lang="en-US" sz="1200" i="1" dirty="0" err="1">
+                <a:solidFill>
+                  <a:srgbClr val="808080"/>
+                </a:solidFill>
+                <a:latin typeface="Courier New" panose="02070309020205020404" pitchFamily="49" charset="0"/>
+                <a:ea typeface="Times New Roman" panose="02020603050405020304" pitchFamily="18" charset="0"/>
+                <a:cs typeface="Arial" panose="020B0604020202020204" pitchFamily="34" charset="0"/>
+              </a:rPr>
+              <a:t>scatter',mode</a:t>
+            </a:r>
+            <a:r>
+              <a:rPr lang="en-US" sz="1200" i="1" dirty="0">
+                <a:solidFill>
+                  <a:srgbClr val="808080"/>
+                </a:solidFill>
+                <a:latin typeface="Courier New" panose="02070309020205020404" pitchFamily="49" charset="0"/>
+                <a:ea typeface="Times New Roman" panose="02020603050405020304" pitchFamily="18" charset="0"/>
+                <a:cs typeface="Arial" panose="020B0604020202020204" pitchFamily="34" charset="0"/>
+              </a:rPr>
+              <a:t>='lines') for </a:t>
+            </a:r>
+            <a:r>
+              <a:rPr lang="en-US" sz="1200" i="1" dirty="0" err="1">
+                <a:solidFill>
+                  <a:srgbClr val="808080"/>
+                </a:solidFill>
+                <a:latin typeface="Courier New" panose="02070309020205020404" pitchFamily="49" charset="0"/>
+                <a:ea typeface="Times New Roman" panose="02020603050405020304" pitchFamily="18" charset="0"/>
+                <a:cs typeface="Arial" panose="020B0604020202020204" pitchFamily="34" charset="0"/>
+              </a:rPr>
+              <a:t>i</a:t>
+            </a:r>
+            <a:r>
+              <a:rPr lang="en-US" sz="1200" i="1" dirty="0">
+                <a:solidFill>
+                  <a:srgbClr val="808080"/>
+                </a:solidFill>
+                <a:latin typeface="Courier New" panose="02070309020205020404" pitchFamily="49" charset="0"/>
+                <a:ea typeface="Times New Roman" panose="02020603050405020304" pitchFamily="18" charset="0"/>
+                <a:cs typeface="Arial" panose="020B0604020202020204" pitchFamily="34" charset="0"/>
+              </a:rPr>
+              <a:t> in range(</a:t>
+            </a:r>
+            <a:r>
+              <a:rPr lang="en-US" sz="1200" i="1" dirty="0" err="1">
+                <a:solidFill>
+                  <a:srgbClr val="808080"/>
+                </a:solidFill>
+                <a:latin typeface="Courier New" panose="02070309020205020404" pitchFamily="49" charset="0"/>
+                <a:ea typeface="Times New Roman" panose="02020603050405020304" pitchFamily="18" charset="0"/>
+                <a:cs typeface="Arial" panose="020B0604020202020204" pitchFamily="34" charset="0"/>
+              </a:rPr>
+              <a:t>sines</a:t>
+            </a:r>
+            <a:r>
+              <a:rPr lang="en-US" sz="1200" i="1" dirty="0">
+                <a:solidFill>
+                  <a:srgbClr val="808080"/>
+                </a:solidFill>
+                <a:latin typeface="Courier New" panose="02070309020205020404" pitchFamily="49" charset="0"/>
+                <a:ea typeface="Times New Roman" panose="02020603050405020304" pitchFamily="18" charset="0"/>
+                <a:cs typeface="Arial" panose="020B0604020202020204" pitchFamily="34" charset="0"/>
+              </a:rPr>
+              <a:t>)]</a:t>
+            </a:r>
+            <a:br>
+              <a:rPr lang="en-US" sz="1200" i="1" dirty="0">
+                <a:solidFill>
+                  <a:srgbClr val="808080"/>
+                </a:solidFill>
+                <a:latin typeface="Courier New" panose="02070309020205020404" pitchFamily="49" charset="0"/>
+                <a:ea typeface="Times New Roman" panose="02020603050405020304" pitchFamily="18" charset="0"/>
+                <a:cs typeface="Arial" panose="020B0604020202020204" pitchFamily="34" charset="0"/>
+              </a:rPr>
+            </a:br>
+            <a:r>
+              <a:rPr lang="en-US" sz="1200" dirty="0">
+                <a:solidFill>
+                  <a:srgbClr val="000000"/>
+                </a:solidFill>
+                <a:latin typeface="Courier New" panose="02070309020205020404" pitchFamily="49" charset="0"/>
+                <a:ea typeface="Times New Roman" panose="02020603050405020304" pitchFamily="18" charset="0"/>
+                <a:cs typeface="Arial" panose="020B0604020202020204" pitchFamily="34" charset="0"/>
+              </a:rPr>
+              <a:t>data=[</a:t>
+            </a:r>
+            <a:r>
+              <a:rPr lang="en-US" sz="1200" dirty="0" err="1">
+                <a:solidFill>
+                  <a:srgbClr val="000080"/>
+                </a:solidFill>
+                <a:latin typeface="Courier New" panose="02070309020205020404" pitchFamily="49" charset="0"/>
+                <a:ea typeface="Times New Roman" panose="02020603050405020304" pitchFamily="18" charset="0"/>
+                <a:cs typeface="Arial" panose="020B0604020202020204" pitchFamily="34" charset="0"/>
+              </a:rPr>
+              <a:t>dict</a:t>
+            </a:r>
+            <a:r>
+              <a:rPr lang="en-US" sz="1200" dirty="0">
+                <a:solidFill>
+                  <a:srgbClr val="000000"/>
+                </a:solidFill>
+                <a:latin typeface="Courier New" panose="02070309020205020404" pitchFamily="49" charset="0"/>
+                <a:ea typeface="Times New Roman" panose="02020603050405020304" pitchFamily="18" charset="0"/>
+                <a:cs typeface="Arial" panose="020B0604020202020204" pitchFamily="34" charset="0"/>
+              </a:rPr>
+              <a:t>(</a:t>
+            </a:r>
+            <a:r>
+              <a:rPr lang="en-US" sz="1200" dirty="0">
+                <a:solidFill>
+                  <a:srgbClr val="660099"/>
+                </a:solidFill>
+                <a:latin typeface="Courier New" panose="02070309020205020404" pitchFamily="49" charset="0"/>
+                <a:ea typeface="Times New Roman" panose="02020603050405020304" pitchFamily="18" charset="0"/>
+                <a:cs typeface="Arial" panose="020B0604020202020204" pitchFamily="34" charset="0"/>
+              </a:rPr>
+              <a:t>x</a:t>
+            </a:r>
+            <a:r>
+              <a:rPr lang="en-US" sz="1200" dirty="0">
+                <a:solidFill>
+                  <a:srgbClr val="000000"/>
+                </a:solidFill>
+                <a:latin typeface="Courier New" panose="02070309020205020404" pitchFamily="49" charset="0"/>
+                <a:ea typeface="Times New Roman" panose="02020603050405020304" pitchFamily="18" charset="0"/>
+                <a:cs typeface="Arial" panose="020B0604020202020204" pitchFamily="34" charset="0"/>
+              </a:rPr>
+              <a:t>=</a:t>
+            </a:r>
+            <a:r>
+              <a:rPr lang="en-US" sz="1200" dirty="0" err="1">
+                <a:solidFill>
+                  <a:srgbClr val="000000"/>
+                </a:solidFill>
+                <a:latin typeface="Courier New" panose="02070309020205020404" pitchFamily="49" charset="0"/>
+                <a:ea typeface="Times New Roman" panose="02020603050405020304" pitchFamily="18" charset="0"/>
+                <a:cs typeface="Arial" panose="020B0604020202020204" pitchFamily="34" charset="0"/>
+              </a:rPr>
+              <a:t>x,</a:t>
+            </a:r>
+            <a:r>
+              <a:rPr lang="en-US" sz="1200" dirty="0" err="1">
+                <a:solidFill>
+                  <a:srgbClr val="660099"/>
+                </a:solidFill>
+                <a:latin typeface="Courier New" panose="02070309020205020404" pitchFamily="49" charset="0"/>
+                <a:ea typeface="Times New Roman" panose="02020603050405020304" pitchFamily="18" charset="0"/>
+                <a:cs typeface="Arial" panose="020B0604020202020204" pitchFamily="34" charset="0"/>
+              </a:rPr>
+              <a:t>y</a:t>
+            </a:r>
+            <a:r>
+              <a:rPr lang="en-US" sz="1200" dirty="0">
+                <a:solidFill>
+                  <a:srgbClr val="000000"/>
+                </a:solidFill>
+                <a:latin typeface="Courier New" panose="02070309020205020404" pitchFamily="49" charset="0"/>
+                <a:ea typeface="Times New Roman" panose="02020603050405020304" pitchFamily="18" charset="0"/>
+                <a:cs typeface="Arial" panose="020B0604020202020204" pitchFamily="34" charset="0"/>
+              </a:rPr>
+              <a:t>=y1,</a:t>
+            </a:r>
+            <a:r>
+              <a:rPr lang="en-US" sz="1200" dirty="0">
+                <a:solidFill>
+                  <a:srgbClr val="660099"/>
+                </a:solidFill>
+                <a:latin typeface="Courier New" panose="02070309020205020404" pitchFamily="49" charset="0"/>
+                <a:ea typeface="Times New Roman" panose="02020603050405020304" pitchFamily="18" charset="0"/>
+                <a:cs typeface="Arial" panose="020B0604020202020204" pitchFamily="34" charset="0"/>
+              </a:rPr>
+              <a:t>name</a:t>
+            </a:r>
+            <a:r>
+              <a:rPr lang="en-US" sz="1200" dirty="0">
+                <a:solidFill>
+                  <a:srgbClr val="000000"/>
+                </a:solidFill>
+                <a:latin typeface="Courier New" panose="02070309020205020404" pitchFamily="49" charset="0"/>
+                <a:ea typeface="Times New Roman" panose="02020603050405020304" pitchFamily="18" charset="0"/>
+                <a:cs typeface="Arial" panose="020B0604020202020204" pitchFamily="34" charset="0"/>
+              </a:rPr>
+              <a:t>=</a:t>
+            </a:r>
+            <a:r>
+              <a:rPr lang="en-US" sz="1200" b="1" dirty="0">
+                <a:solidFill>
+                  <a:srgbClr val="008080"/>
+                </a:solidFill>
+                <a:latin typeface="Courier New" panose="02070309020205020404" pitchFamily="49" charset="0"/>
+                <a:ea typeface="Times New Roman" panose="02020603050405020304" pitchFamily="18" charset="0"/>
+                <a:cs typeface="Arial" panose="020B0604020202020204" pitchFamily="34" charset="0"/>
+              </a:rPr>
+              <a:t>'data1'</a:t>
+            </a:r>
+            <a:r>
+              <a:rPr lang="en-US" sz="1200" dirty="0">
+                <a:solidFill>
+                  <a:srgbClr val="000000"/>
+                </a:solidFill>
+                <a:latin typeface="Courier New" panose="02070309020205020404" pitchFamily="49" charset="0"/>
+                <a:ea typeface="Times New Roman" panose="02020603050405020304" pitchFamily="18" charset="0"/>
+                <a:cs typeface="Arial" panose="020B0604020202020204" pitchFamily="34" charset="0"/>
+              </a:rPr>
+              <a:t>,</a:t>
+            </a:r>
+            <a:r>
+              <a:rPr lang="en-US" sz="1200" dirty="0">
+                <a:solidFill>
+                  <a:srgbClr val="660099"/>
+                </a:solidFill>
+                <a:latin typeface="Courier New" panose="02070309020205020404" pitchFamily="49" charset="0"/>
+                <a:ea typeface="Times New Roman" panose="02020603050405020304" pitchFamily="18" charset="0"/>
+                <a:cs typeface="Arial" panose="020B0604020202020204" pitchFamily="34" charset="0"/>
+              </a:rPr>
+              <a:t>type</a:t>
+            </a:r>
+            <a:r>
+              <a:rPr lang="en-US" sz="1200" dirty="0">
+                <a:solidFill>
+                  <a:srgbClr val="000000"/>
+                </a:solidFill>
+                <a:latin typeface="Courier New" panose="02070309020205020404" pitchFamily="49" charset="0"/>
+                <a:ea typeface="Times New Roman" panose="02020603050405020304" pitchFamily="18" charset="0"/>
+                <a:cs typeface="Arial" panose="020B0604020202020204" pitchFamily="34" charset="0"/>
+              </a:rPr>
+              <a:t>=</a:t>
+            </a:r>
+            <a:r>
+              <a:rPr lang="en-US" sz="1200" b="1" dirty="0">
+                <a:solidFill>
+                  <a:srgbClr val="008080"/>
+                </a:solidFill>
+                <a:latin typeface="Courier New" panose="02070309020205020404" pitchFamily="49" charset="0"/>
+                <a:ea typeface="Times New Roman" panose="02020603050405020304" pitchFamily="18" charset="0"/>
+                <a:cs typeface="Arial" panose="020B0604020202020204" pitchFamily="34" charset="0"/>
+              </a:rPr>
+              <a:t>'</a:t>
+            </a:r>
+            <a:r>
+              <a:rPr lang="en-US" sz="1200" b="1" dirty="0" err="1">
+                <a:solidFill>
+                  <a:srgbClr val="008080"/>
+                </a:solidFill>
+                <a:latin typeface="Courier New" panose="02070309020205020404" pitchFamily="49" charset="0"/>
+                <a:ea typeface="Times New Roman" panose="02020603050405020304" pitchFamily="18" charset="0"/>
+                <a:cs typeface="Arial" panose="020B0604020202020204" pitchFamily="34" charset="0"/>
+              </a:rPr>
+              <a:t>scatter'</a:t>
+            </a:r>
+            <a:r>
+              <a:rPr lang="en-US" sz="1200" dirty="0" err="1">
+                <a:solidFill>
+                  <a:srgbClr val="000000"/>
+                </a:solidFill>
+                <a:latin typeface="Courier New" panose="02070309020205020404" pitchFamily="49" charset="0"/>
+                <a:ea typeface="Times New Roman" panose="02020603050405020304" pitchFamily="18" charset="0"/>
+                <a:cs typeface="Arial" panose="020B0604020202020204" pitchFamily="34" charset="0"/>
+              </a:rPr>
+              <a:t>,</a:t>
+            </a:r>
+            <a:r>
+              <a:rPr lang="en-US" sz="1200" dirty="0" err="1">
+                <a:solidFill>
+                  <a:srgbClr val="660099"/>
+                </a:solidFill>
+                <a:latin typeface="Courier New" panose="02070309020205020404" pitchFamily="49" charset="0"/>
+                <a:ea typeface="Times New Roman" panose="02020603050405020304" pitchFamily="18" charset="0"/>
+                <a:cs typeface="Arial" panose="020B0604020202020204" pitchFamily="34" charset="0"/>
+              </a:rPr>
+              <a:t>mode</a:t>
+            </a:r>
+            <a:r>
+              <a:rPr lang="en-US" sz="1200" dirty="0">
+                <a:solidFill>
+                  <a:srgbClr val="000000"/>
+                </a:solidFill>
+                <a:latin typeface="Courier New" panose="02070309020205020404" pitchFamily="49" charset="0"/>
+                <a:ea typeface="Times New Roman" panose="02020603050405020304" pitchFamily="18" charset="0"/>
+                <a:cs typeface="Arial" panose="020B0604020202020204" pitchFamily="34" charset="0"/>
+              </a:rPr>
+              <a:t>=</a:t>
+            </a:r>
+            <a:r>
+              <a:rPr lang="en-US" sz="1200" b="1" dirty="0">
+                <a:solidFill>
+                  <a:srgbClr val="008080"/>
+                </a:solidFill>
+                <a:latin typeface="Courier New" panose="02070309020205020404" pitchFamily="49" charset="0"/>
+                <a:ea typeface="Times New Roman" panose="02020603050405020304" pitchFamily="18" charset="0"/>
+                <a:cs typeface="Arial" panose="020B0604020202020204" pitchFamily="34" charset="0"/>
+              </a:rPr>
+              <a:t>'markers'</a:t>
+            </a:r>
+            <a:r>
+              <a:rPr lang="en-US" sz="1200" dirty="0">
+                <a:solidFill>
+                  <a:srgbClr val="000000"/>
+                </a:solidFill>
+                <a:latin typeface="Courier New" panose="02070309020205020404" pitchFamily="49" charset="0"/>
+                <a:ea typeface="Times New Roman" panose="02020603050405020304" pitchFamily="18" charset="0"/>
+                <a:cs typeface="Arial" panose="020B0604020202020204" pitchFamily="34" charset="0"/>
+              </a:rPr>
+              <a:t>)]</a:t>
+            </a:r>
+            <a:br>
+              <a:rPr lang="en-US" sz="1200" dirty="0">
+                <a:solidFill>
+                  <a:srgbClr val="000000"/>
+                </a:solidFill>
+                <a:latin typeface="Courier New" panose="02070309020205020404" pitchFamily="49" charset="0"/>
+                <a:ea typeface="Times New Roman" panose="02020603050405020304" pitchFamily="18" charset="0"/>
+                <a:cs typeface="Arial" panose="020B0604020202020204" pitchFamily="34" charset="0"/>
+              </a:rPr>
+            </a:br>
+            <a:r>
+              <a:rPr lang="en-US" sz="1200" dirty="0">
+                <a:solidFill>
+                  <a:srgbClr val="000000"/>
+                </a:solidFill>
+                <a:latin typeface="Courier New" panose="02070309020205020404" pitchFamily="49" charset="0"/>
+                <a:ea typeface="Times New Roman" panose="02020603050405020304" pitchFamily="18" charset="0"/>
+                <a:cs typeface="Arial" panose="020B0604020202020204" pitchFamily="34" charset="0"/>
+              </a:rPr>
+              <a:t>data+=[</a:t>
+            </a:r>
+            <a:r>
+              <a:rPr lang="en-US" sz="1200" dirty="0" err="1">
+                <a:solidFill>
+                  <a:srgbClr val="000080"/>
+                </a:solidFill>
+                <a:latin typeface="Courier New" panose="02070309020205020404" pitchFamily="49" charset="0"/>
+                <a:ea typeface="Times New Roman" panose="02020603050405020304" pitchFamily="18" charset="0"/>
+                <a:cs typeface="Arial" panose="020B0604020202020204" pitchFamily="34" charset="0"/>
+              </a:rPr>
+              <a:t>dict</a:t>
+            </a:r>
+            <a:r>
+              <a:rPr lang="en-US" sz="1200" dirty="0">
+                <a:solidFill>
+                  <a:srgbClr val="000000"/>
+                </a:solidFill>
+                <a:latin typeface="Courier New" panose="02070309020205020404" pitchFamily="49" charset="0"/>
+                <a:ea typeface="Times New Roman" panose="02020603050405020304" pitchFamily="18" charset="0"/>
+                <a:cs typeface="Arial" panose="020B0604020202020204" pitchFamily="34" charset="0"/>
+              </a:rPr>
+              <a:t>(</a:t>
+            </a:r>
+            <a:r>
+              <a:rPr lang="en-US" sz="1200" dirty="0">
+                <a:solidFill>
+                  <a:srgbClr val="660099"/>
+                </a:solidFill>
+                <a:latin typeface="Courier New" panose="02070309020205020404" pitchFamily="49" charset="0"/>
+                <a:ea typeface="Times New Roman" panose="02020603050405020304" pitchFamily="18" charset="0"/>
+                <a:cs typeface="Arial" panose="020B0604020202020204" pitchFamily="34" charset="0"/>
+              </a:rPr>
+              <a:t>x</a:t>
+            </a:r>
+            <a:r>
+              <a:rPr lang="en-US" sz="1200" dirty="0">
+                <a:solidFill>
+                  <a:srgbClr val="000000"/>
+                </a:solidFill>
+                <a:latin typeface="Courier New" panose="02070309020205020404" pitchFamily="49" charset="0"/>
+                <a:ea typeface="Times New Roman" panose="02020603050405020304" pitchFamily="18" charset="0"/>
+                <a:cs typeface="Arial" panose="020B0604020202020204" pitchFamily="34" charset="0"/>
+              </a:rPr>
+              <a:t>=</a:t>
+            </a:r>
+            <a:r>
+              <a:rPr lang="en-US" sz="1200" dirty="0" err="1">
+                <a:solidFill>
+                  <a:srgbClr val="000000"/>
+                </a:solidFill>
+                <a:latin typeface="Courier New" panose="02070309020205020404" pitchFamily="49" charset="0"/>
+                <a:ea typeface="Times New Roman" panose="02020603050405020304" pitchFamily="18" charset="0"/>
+                <a:cs typeface="Arial" panose="020B0604020202020204" pitchFamily="34" charset="0"/>
+              </a:rPr>
+              <a:t>x,</a:t>
+            </a:r>
+            <a:r>
+              <a:rPr lang="en-US" sz="1200" dirty="0" err="1">
+                <a:solidFill>
+                  <a:srgbClr val="660099"/>
+                </a:solidFill>
+                <a:latin typeface="Courier New" panose="02070309020205020404" pitchFamily="49" charset="0"/>
+                <a:ea typeface="Times New Roman" panose="02020603050405020304" pitchFamily="18" charset="0"/>
+                <a:cs typeface="Arial" panose="020B0604020202020204" pitchFamily="34" charset="0"/>
+              </a:rPr>
+              <a:t>y</a:t>
+            </a:r>
+            <a:r>
+              <a:rPr lang="en-US" sz="1200" dirty="0">
+                <a:solidFill>
+                  <a:srgbClr val="000000"/>
+                </a:solidFill>
+                <a:latin typeface="Courier New" panose="02070309020205020404" pitchFamily="49" charset="0"/>
+                <a:ea typeface="Times New Roman" panose="02020603050405020304" pitchFamily="18" charset="0"/>
+                <a:cs typeface="Arial" panose="020B0604020202020204" pitchFamily="34" charset="0"/>
+              </a:rPr>
+              <a:t>=y2,</a:t>
+            </a:r>
+            <a:r>
+              <a:rPr lang="en-US" sz="1200" dirty="0">
+                <a:solidFill>
+                  <a:srgbClr val="660099"/>
+                </a:solidFill>
+                <a:latin typeface="Courier New" panose="02070309020205020404" pitchFamily="49" charset="0"/>
+                <a:ea typeface="Times New Roman" panose="02020603050405020304" pitchFamily="18" charset="0"/>
+                <a:cs typeface="Arial" panose="020B0604020202020204" pitchFamily="34" charset="0"/>
+              </a:rPr>
+              <a:t>name</a:t>
+            </a:r>
+            <a:r>
+              <a:rPr lang="en-US" sz="1200" dirty="0">
+                <a:solidFill>
+                  <a:srgbClr val="000000"/>
+                </a:solidFill>
+                <a:latin typeface="Courier New" panose="02070309020205020404" pitchFamily="49" charset="0"/>
+                <a:ea typeface="Times New Roman" panose="02020603050405020304" pitchFamily="18" charset="0"/>
+                <a:cs typeface="Arial" panose="020B0604020202020204" pitchFamily="34" charset="0"/>
+              </a:rPr>
+              <a:t>=</a:t>
+            </a:r>
+            <a:r>
+              <a:rPr lang="en-US" sz="1200" b="1" dirty="0">
+                <a:solidFill>
+                  <a:srgbClr val="008080"/>
+                </a:solidFill>
+                <a:latin typeface="Courier New" panose="02070309020205020404" pitchFamily="49" charset="0"/>
+                <a:ea typeface="Times New Roman" panose="02020603050405020304" pitchFamily="18" charset="0"/>
+                <a:cs typeface="Arial" panose="020B0604020202020204" pitchFamily="34" charset="0"/>
+              </a:rPr>
+              <a:t>'data1'</a:t>
+            </a:r>
+            <a:r>
+              <a:rPr lang="en-US" sz="1200" dirty="0">
+                <a:solidFill>
+                  <a:srgbClr val="000000"/>
+                </a:solidFill>
+                <a:latin typeface="Courier New" panose="02070309020205020404" pitchFamily="49" charset="0"/>
+                <a:ea typeface="Times New Roman" panose="02020603050405020304" pitchFamily="18" charset="0"/>
+                <a:cs typeface="Arial" panose="020B0604020202020204" pitchFamily="34" charset="0"/>
+              </a:rPr>
+              <a:t>,</a:t>
+            </a:r>
+            <a:r>
+              <a:rPr lang="en-US" sz="1200" dirty="0">
+                <a:solidFill>
+                  <a:srgbClr val="660099"/>
+                </a:solidFill>
+                <a:latin typeface="Courier New" panose="02070309020205020404" pitchFamily="49" charset="0"/>
+                <a:ea typeface="Times New Roman" panose="02020603050405020304" pitchFamily="18" charset="0"/>
+                <a:cs typeface="Arial" panose="020B0604020202020204" pitchFamily="34" charset="0"/>
+              </a:rPr>
+              <a:t>type</a:t>
+            </a:r>
+            <a:r>
+              <a:rPr lang="en-US" sz="1200" dirty="0">
+                <a:solidFill>
+                  <a:srgbClr val="000000"/>
+                </a:solidFill>
+                <a:latin typeface="Courier New" panose="02070309020205020404" pitchFamily="49" charset="0"/>
+                <a:ea typeface="Times New Roman" panose="02020603050405020304" pitchFamily="18" charset="0"/>
+                <a:cs typeface="Arial" panose="020B0604020202020204" pitchFamily="34" charset="0"/>
+              </a:rPr>
+              <a:t>=</a:t>
+            </a:r>
+            <a:r>
+              <a:rPr lang="en-US" sz="1200" b="1" dirty="0">
+                <a:solidFill>
+                  <a:srgbClr val="008080"/>
+                </a:solidFill>
+                <a:latin typeface="Courier New" panose="02070309020205020404" pitchFamily="49" charset="0"/>
+                <a:ea typeface="Times New Roman" panose="02020603050405020304" pitchFamily="18" charset="0"/>
+                <a:cs typeface="Arial" panose="020B0604020202020204" pitchFamily="34" charset="0"/>
+              </a:rPr>
+              <a:t>'</a:t>
+            </a:r>
+            <a:r>
+              <a:rPr lang="en-US" sz="1200" b="1" dirty="0" err="1">
+                <a:solidFill>
+                  <a:srgbClr val="008080"/>
+                </a:solidFill>
+                <a:latin typeface="Courier New" panose="02070309020205020404" pitchFamily="49" charset="0"/>
+                <a:ea typeface="Times New Roman" panose="02020603050405020304" pitchFamily="18" charset="0"/>
+                <a:cs typeface="Arial" panose="020B0604020202020204" pitchFamily="34" charset="0"/>
+              </a:rPr>
+              <a:t>scatter'</a:t>
+            </a:r>
+            <a:r>
+              <a:rPr lang="en-US" sz="1200" dirty="0" err="1">
+                <a:solidFill>
+                  <a:srgbClr val="000000"/>
+                </a:solidFill>
+                <a:latin typeface="Courier New" panose="02070309020205020404" pitchFamily="49" charset="0"/>
+                <a:ea typeface="Times New Roman" panose="02020603050405020304" pitchFamily="18" charset="0"/>
+                <a:cs typeface="Arial" panose="020B0604020202020204" pitchFamily="34" charset="0"/>
+              </a:rPr>
+              <a:t>,</a:t>
+            </a:r>
+            <a:r>
+              <a:rPr lang="en-US" sz="1200" dirty="0" err="1">
+                <a:solidFill>
+                  <a:srgbClr val="660099"/>
+                </a:solidFill>
+                <a:latin typeface="Courier New" panose="02070309020205020404" pitchFamily="49" charset="0"/>
+                <a:ea typeface="Times New Roman" panose="02020603050405020304" pitchFamily="18" charset="0"/>
+                <a:cs typeface="Arial" panose="020B0604020202020204" pitchFamily="34" charset="0"/>
+              </a:rPr>
+              <a:t>mode</a:t>
+            </a:r>
+            <a:r>
+              <a:rPr lang="en-US" sz="1200" dirty="0">
+                <a:solidFill>
+                  <a:srgbClr val="000000"/>
+                </a:solidFill>
+                <a:latin typeface="Courier New" panose="02070309020205020404" pitchFamily="49" charset="0"/>
+                <a:ea typeface="Times New Roman" panose="02020603050405020304" pitchFamily="18" charset="0"/>
+                <a:cs typeface="Arial" panose="020B0604020202020204" pitchFamily="34" charset="0"/>
+              </a:rPr>
+              <a:t>=</a:t>
+            </a:r>
+            <a:r>
+              <a:rPr lang="en-US" sz="1200" b="1" dirty="0">
+                <a:solidFill>
+                  <a:srgbClr val="008080"/>
+                </a:solidFill>
+                <a:latin typeface="Courier New" panose="02070309020205020404" pitchFamily="49" charset="0"/>
+                <a:ea typeface="Times New Roman" panose="02020603050405020304" pitchFamily="18" charset="0"/>
+                <a:cs typeface="Arial" panose="020B0604020202020204" pitchFamily="34" charset="0"/>
+              </a:rPr>
+              <a:t>'markers'</a:t>
+            </a:r>
+            <a:r>
+              <a:rPr lang="en-US" sz="1200" dirty="0">
+                <a:solidFill>
+                  <a:srgbClr val="000000"/>
+                </a:solidFill>
+                <a:latin typeface="Courier New" panose="02070309020205020404" pitchFamily="49" charset="0"/>
+                <a:ea typeface="Times New Roman" panose="02020603050405020304" pitchFamily="18" charset="0"/>
+                <a:cs typeface="Arial" panose="020B0604020202020204" pitchFamily="34" charset="0"/>
+              </a:rPr>
+              <a:t>)]</a:t>
+            </a:r>
+            <a:br>
+              <a:rPr lang="en-US" sz="1200" dirty="0">
+                <a:solidFill>
+                  <a:srgbClr val="000000"/>
+                </a:solidFill>
+                <a:latin typeface="Courier New" panose="02070309020205020404" pitchFamily="49" charset="0"/>
+                <a:ea typeface="Times New Roman" panose="02020603050405020304" pitchFamily="18" charset="0"/>
+                <a:cs typeface="Arial" panose="020B0604020202020204" pitchFamily="34" charset="0"/>
+              </a:rPr>
+            </a:br>
+            <a:r>
+              <a:rPr lang="en-US" sz="1200" dirty="0">
+                <a:solidFill>
+                  <a:srgbClr val="000000"/>
+                </a:solidFill>
+                <a:latin typeface="Courier New" panose="02070309020205020404" pitchFamily="49" charset="0"/>
+                <a:ea typeface="Times New Roman" panose="02020603050405020304" pitchFamily="18" charset="0"/>
+                <a:cs typeface="Arial" panose="020B0604020202020204" pitchFamily="34" charset="0"/>
+              </a:rPr>
+              <a:t>data+=[</a:t>
+            </a:r>
+            <a:r>
+              <a:rPr lang="en-US" sz="1200" dirty="0" err="1">
+                <a:solidFill>
+                  <a:srgbClr val="000080"/>
+                </a:solidFill>
+                <a:latin typeface="Courier New" panose="02070309020205020404" pitchFamily="49" charset="0"/>
+                <a:ea typeface="Times New Roman" panose="02020603050405020304" pitchFamily="18" charset="0"/>
+                <a:cs typeface="Arial" panose="020B0604020202020204" pitchFamily="34" charset="0"/>
+              </a:rPr>
+              <a:t>dict</a:t>
+            </a:r>
+            <a:r>
+              <a:rPr lang="en-US" sz="1200" dirty="0">
+                <a:solidFill>
+                  <a:srgbClr val="000000"/>
+                </a:solidFill>
+                <a:latin typeface="Courier New" panose="02070309020205020404" pitchFamily="49" charset="0"/>
+                <a:ea typeface="Times New Roman" panose="02020603050405020304" pitchFamily="18" charset="0"/>
+                <a:cs typeface="Arial" panose="020B0604020202020204" pitchFamily="34" charset="0"/>
+              </a:rPr>
+              <a:t>(</a:t>
+            </a:r>
+            <a:r>
+              <a:rPr lang="en-US" sz="1200" dirty="0">
+                <a:solidFill>
+                  <a:srgbClr val="660099"/>
+                </a:solidFill>
+                <a:latin typeface="Courier New" panose="02070309020205020404" pitchFamily="49" charset="0"/>
+                <a:ea typeface="Times New Roman" panose="02020603050405020304" pitchFamily="18" charset="0"/>
+                <a:cs typeface="Arial" panose="020B0604020202020204" pitchFamily="34" charset="0"/>
+              </a:rPr>
+              <a:t>x</a:t>
+            </a:r>
+            <a:r>
+              <a:rPr lang="en-US" sz="1200" dirty="0">
+                <a:solidFill>
+                  <a:srgbClr val="000000"/>
+                </a:solidFill>
+                <a:latin typeface="Courier New" panose="02070309020205020404" pitchFamily="49" charset="0"/>
+                <a:ea typeface="Times New Roman" panose="02020603050405020304" pitchFamily="18" charset="0"/>
+                <a:cs typeface="Arial" panose="020B0604020202020204" pitchFamily="34" charset="0"/>
+              </a:rPr>
+              <a:t>=</a:t>
+            </a:r>
+            <a:r>
+              <a:rPr lang="en-US" sz="1200" dirty="0" err="1">
+                <a:solidFill>
+                  <a:srgbClr val="000000"/>
+                </a:solidFill>
+                <a:latin typeface="Courier New" panose="02070309020205020404" pitchFamily="49" charset="0"/>
+                <a:ea typeface="Times New Roman" panose="02020603050405020304" pitchFamily="18" charset="0"/>
+                <a:cs typeface="Arial" panose="020B0604020202020204" pitchFamily="34" charset="0"/>
+              </a:rPr>
+              <a:t>x,</a:t>
+            </a:r>
+            <a:r>
+              <a:rPr lang="en-US" sz="1200" dirty="0" err="1">
+                <a:solidFill>
+                  <a:srgbClr val="660099"/>
+                </a:solidFill>
+                <a:latin typeface="Courier New" panose="02070309020205020404" pitchFamily="49" charset="0"/>
+                <a:ea typeface="Times New Roman" panose="02020603050405020304" pitchFamily="18" charset="0"/>
+                <a:cs typeface="Arial" panose="020B0604020202020204" pitchFamily="34" charset="0"/>
+              </a:rPr>
+              <a:t>y</a:t>
+            </a:r>
+            <a:r>
+              <a:rPr lang="en-US" sz="1200" dirty="0">
+                <a:solidFill>
+                  <a:srgbClr val="000000"/>
+                </a:solidFill>
+                <a:latin typeface="Courier New" panose="02070309020205020404" pitchFamily="49" charset="0"/>
+                <a:ea typeface="Times New Roman" panose="02020603050405020304" pitchFamily="18" charset="0"/>
+                <a:cs typeface="Arial" panose="020B0604020202020204" pitchFamily="34" charset="0"/>
+              </a:rPr>
+              <a:t>=</a:t>
+            </a:r>
+            <a:r>
+              <a:rPr lang="en-US" sz="1200" dirty="0" err="1">
+                <a:solidFill>
+                  <a:srgbClr val="000000"/>
+                </a:solidFill>
+                <a:latin typeface="Courier New" panose="02070309020205020404" pitchFamily="49" charset="0"/>
+                <a:ea typeface="Times New Roman" panose="02020603050405020304" pitchFamily="18" charset="0"/>
+                <a:cs typeface="Arial" panose="020B0604020202020204" pitchFamily="34" charset="0"/>
+              </a:rPr>
+              <a:t>bar_max,</a:t>
+            </a:r>
+            <a:r>
+              <a:rPr lang="en-US" sz="1200" dirty="0" err="1">
+                <a:solidFill>
+                  <a:srgbClr val="660099"/>
+                </a:solidFill>
+                <a:latin typeface="Courier New" panose="02070309020205020404" pitchFamily="49" charset="0"/>
+                <a:ea typeface="Times New Roman" panose="02020603050405020304" pitchFamily="18" charset="0"/>
+                <a:cs typeface="Arial" panose="020B0604020202020204" pitchFamily="34" charset="0"/>
+              </a:rPr>
+              <a:t>name</a:t>
+            </a:r>
+            <a:r>
+              <a:rPr lang="en-US" sz="1200" dirty="0">
+                <a:solidFill>
+                  <a:srgbClr val="000000"/>
+                </a:solidFill>
+                <a:latin typeface="Courier New" panose="02070309020205020404" pitchFamily="49" charset="0"/>
+                <a:ea typeface="Times New Roman" panose="02020603050405020304" pitchFamily="18" charset="0"/>
+                <a:cs typeface="Arial" panose="020B0604020202020204" pitchFamily="34" charset="0"/>
+              </a:rPr>
+              <a:t>=</a:t>
+            </a:r>
+            <a:r>
+              <a:rPr lang="en-US" sz="1200" b="1" dirty="0">
+                <a:solidFill>
+                  <a:srgbClr val="008080"/>
+                </a:solidFill>
+                <a:latin typeface="Courier New" panose="02070309020205020404" pitchFamily="49" charset="0"/>
+                <a:ea typeface="Times New Roman" panose="02020603050405020304" pitchFamily="18" charset="0"/>
+                <a:cs typeface="Arial" panose="020B0604020202020204" pitchFamily="34" charset="0"/>
+              </a:rPr>
+              <a:t>'</a:t>
+            </a:r>
+            <a:r>
+              <a:rPr lang="en-US" sz="1200" b="1" dirty="0" err="1">
+                <a:solidFill>
+                  <a:srgbClr val="008080"/>
+                </a:solidFill>
+                <a:latin typeface="Courier New" panose="02070309020205020404" pitchFamily="49" charset="0"/>
+                <a:ea typeface="Times New Roman" panose="02020603050405020304" pitchFamily="18" charset="0"/>
+                <a:cs typeface="Arial" panose="020B0604020202020204" pitchFamily="34" charset="0"/>
+              </a:rPr>
+              <a:t>max'</a:t>
+            </a:r>
+            <a:r>
+              <a:rPr lang="en-US" sz="1200" dirty="0" err="1">
+                <a:solidFill>
+                  <a:srgbClr val="000000"/>
+                </a:solidFill>
+                <a:latin typeface="Courier New" panose="02070309020205020404" pitchFamily="49" charset="0"/>
+                <a:ea typeface="Times New Roman" panose="02020603050405020304" pitchFamily="18" charset="0"/>
+                <a:cs typeface="Arial" panose="020B0604020202020204" pitchFamily="34" charset="0"/>
+              </a:rPr>
+              <a:t>,</a:t>
+            </a:r>
+            <a:r>
+              <a:rPr lang="en-US" sz="1200" dirty="0" err="1">
+                <a:solidFill>
+                  <a:srgbClr val="660099"/>
+                </a:solidFill>
+                <a:latin typeface="Courier New" panose="02070309020205020404" pitchFamily="49" charset="0"/>
+                <a:ea typeface="Times New Roman" panose="02020603050405020304" pitchFamily="18" charset="0"/>
+                <a:cs typeface="Arial" panose="020B0604020202020204" pitchFamily="34" charset="0"/>
+              </a:rPr>
+              <a:t>type</a:t>
+            </a:r>
+            <a:r>
+              <a:rPr lang="en-US" sz="1200" dirty="0">
+                <a:solidFill>
+                  <a:srgbClr val="000000"/>
+                </a:solidFill>
+                <a:latin typeface="Courier New" panose="02070309020205020404" pitchFamily="49" charset="0"/>
+                <a:ea typeface="Times New Roman" panose="02020603050405020304" pitchFamily="18" charset="0"/>
+                <a:cs typeface="Arial" panose="020B0604020202020204" pitchFamily="34" charset="0"/>
+              </a:rPr>
+              <a:t>=</a:t>
+            </a:r>
+            <a:r>
+              <a:rPr lang="en-US" sz="1200" b="1" dirty="0">
+                <a:solidFill>
+                  <a:srgbClr val="008080"/>
+                </a:solidFill>
+                <a:latin typeface="Courier New" panose="02070309020205020404" pitchFamily="49" charset="0"/>
+                <a:ea typeface="Times New Roman" panose="02020603050405020304" pitchFamily="18" charset="0"/>
+                <a:cs typeface="Arial" panose="020B0604020202020204" pitchFamily="34" charset="0"/>
+              </a:rPr>
+              <a:t>'</a:t>
+            </a:r>
+            <a:r>
+              <a:rPr lang="en-US" sz="1200" b="1" dirty="0" err="1">
+                <a:solidFill>
+                  <a:srgbClr val="008080"/>
+                </a:solidFill>
+                <a:latin typeface="Courier New" panose="02070309020205020404" pitchFamily="49" charset="0"/>
+                <a:ea typeface="Times New Roman" panose="02020603050405020304" pitchFamily="18" charset="0"/>
+                <a:cs typeface="Arial" panose="020B0604020202020204" pitchFamily="34" charset="0"/>
+              </a:rPr>
+              <a:t>scatter'</a:t>
+            </a:r>
+            <a:r>
+              <a:rPr lang="en-US" sz="1200" dirty="0" err="1">
+                <a:solidFill>
+                  <a:srgbClr val="000000"/>
+                </a:solidFill>
+                <a:latin typeface="Courier New" panose="02070309020205020404" pitchFamily="49" charset="0"/>
+                <a:ea typeface="Times New Roman" panose="02020603050405020304" pitchFamily="18" charset="0"/>
+                <a:cs typeface="Arial" panose="020B0604020202020204" pitchFamily="34" charset="0"/>
+              </a:rPr>
+              <a:t>,</a:t>
+            </a:r>
+            <a:r>
+              <a:rPr lang="en-US" sz="1200" dirty="0" err="1">
+                <a:solidFill>
+                  <a:srgbClr val="660099"/>
+                </a:solidFill>
+                <a:latin typeface="Courier New" panose="02070309020205020404" pitchFamily="49" charset="0"/>
+                <a:ea typeface="Times New Roman" panose="02020603050405020304" pitchFamily="18" charset="0"/>
+                <a:cs typeface="Arial" panose="020B0604020202020204" pitchFamily="34" charset="0"/>
+              </a:rPr>
+              <a:t>mode</a:t>
+            </a:r>
+            <a:r>
+              <a:rPr lang="en-US" sz="1200" dirty="0">
+                <a:solidFill>
+                  <a:srgbClr val="000000"/>
+                </a:solidFill>
+                <a:latin typeface="Courier New" panose="02070309020205020404" pitchFamily="49" charset="0"/>
+                <a:ea typeface="Times New Roman" panose="02020603050405020304" pitchFamily="18" charset="0"/>
+                <a:cs typeface="Arial" panose="020B0604020202020204" pitchFamily="34" charset="0"/>
+              </a:rPr>
+              <a:t>=</a:t>
+            </a:r>
+            <a:r>
+              <a:rPr lang="en-US" sz="1200" b="1" dirty="0">
+                <a:solidFill>
+                  <a:srgbClr val="008080"/>
+                </a:solidFill>
+                <a:latin typeface="Courier New" panose="02070309020205020404" pitchFamily="49" charset="0"/>
+                <a:ea typeface="Times New Roman" panose="02020603050405020304" pitchFamily="18" charset="0"/>
+                <a:cs typeface="Arial" panose="020B0604020202020204" pitchFamily="34" charset="0"/>
+              </a:rPr>
+              <a:t>'</a:t>
+            </a:r>
+            <a:r>
+              <a:rPr lang="en-US" sz="1200" b="1" dirty="0" err="1">
+                <a:solidFill>
+                  <a:srgbClr val="008080"/>
+                </a:solidFill>
+                <a:latin typeface="Courier New" panose="02070309020205020404" pitchFamily="49" charset="0"/>
+                <a:ea typeface="Times New Roman" panose="02020603050405020304" pitchFamily="18" charset="0"/>
+                <a:cs typeface="Arial" panose="020B0604020202020204" pitchFamily="34" charset="0"/>
+              </a:rPr>
+              <a:t>markers'</a:t>
+            </a:r>
+            <a:r>
+              <a:rPr lang="en-US" sz="1200" dirty="0" err="1">
+                <a:solidFill>
+                  <a:srgbClr val="000000"/>
+                </a:solidFill>
+                <a:latin typeface="Courier New" panose="02070309020205020404" pitchFamily="49" charset="0"/>
+                <a:ea typeface="Times New Roman" panose="02020603050405020304" pitchFamily="18" charset="0"/>
+                <a:cs typeface="Arial" panose="020B0604020202020204" pitchFamily="34" charset="0"/>
+              </a:rPr>
+              <a:t>,</a:t>
+            </a:r>
+            <a:r>
+              <a:rPr lang="en-US" sz="1200" dirty="0" err="1">
+                <a:solidFill>
+                  <a:srgbClr val="660099"/>
+                </a:solidFill>
+                <a:latin typeface="Courier New" panose="02070309020205020404" pitchFamily="49" charset="0"/>
+                <a:ea typeface="Times New Roman" panose="02020603050405020304" pitchFamily="18" charset="0"/>
+                <a:cs typeface="Arial" panose="020B0604020202020204" pitchFamily="34" charset="0"/>
+              </a:rPr>
+              <a:t>marker</a:t>
+            </a:r>
+            <a:r>
+              <a:rPr lang="en-US" sz="1200" dirty="0">
+                <a:solidFill>
+                  <a:srgbClr val="000000"/>
+                </a:solidFill>
+                <a:latin typeface="Courier New" panose="02070309020205020404" pitchFamily="49" charset="0"/>
+                <a:ea typeface="Times New Roman" panose="02020603050405020304" pitchFamily="18" charset="0"/>
+                <a:cs typeface="Arial" panose="020B0604020202020204" pitchFamily="34" charset="0"/>
+              </a:rPr>
+              <a:t>=</a:t>
+            </a:r>
+            <a:r>
+              <a:rPr lang="en-US" sz="1200" dirty="0" err="1">
+                <a:solidFill>
+                  <a:srgbClr val="000080"/>
+                </a:solidFill>
+                <a:latin typeface="Courier New" panose="02070309020205020404" pitchFamily="49" charset="0"/>
+                <a:ea typeface="Times New Roman" panose="02020603050405020304" pitchFamily="18" charset="0"/>
+                <a:cs typeface="Arial" panose="020B0604020202020204" pitchFamily="34" charset="0"/>
+              </a:rPr>
+              <a:t>dict</a:t>
+            </a:r>
+            <a:r>
+              <a:rPr lang="en-US" sz="1200" dirty="0">
+                <a:solidFill>
+                  <a:srgbClr val="000000"/>
+                </a:solidFill>
+                <a:latin typeface="Courier New" panose="02070309020205020404" pitchFamily="49" charset="0"/>
+                <a:ea typeface="Times New Roman" panose="02020603050405020304" pitchFamily="18" charset="0"/>
+                <a:cs typeface="Arial" panose="020B0604020202020204" pitchFamily="34" charset="0"/>
+              </a:rPr>
+              <a:t>(</a:t>
+            </a:r>
+            <a:r>
+              <a:rPr lang="en-US" sz="1200" dirty="0">
+                <a:solidFill>
+                  <a:srgbClr val="660099"/>
+                </a:solidFill>
+                <a:latin typeface="Courier New" panose="02070309020205020404" pitchFamily="49" charset="0"/>
+                <a:ea typeface="Times New Roman" panose="02020603050405020304" pitchFamily="18" charset="0"/>
+                <a:cs typeface="Arial" panose="020B0604020202020204" pitchFamily="34" charset="0"/>
+              </a:rPr>
+              <a:t>symbol</a:t>
+            </a:r>
+            <a:r>
+              <a:rPr lang="en-US" sz="1200" dirty="0">
+                <a:solidFill>
+                  <a:srgbClr val="000000"/>
+                </a:solidFill>
+                <a:latin typeface="Courier New" panose="02070309020205020404" pitchFamily="49" charset="0"/>
+                <a:ea typeface="Times New Roman" panose="02020603050405020304" pitchFamily="18" charset="0"/>
+                <a:cs typeface="Arial" panose="020B0604020202020204" pitchFamily="34" charset="0"/>
+              </a:rPr>
+              <a:t>=</a:t>
+            </a:r>
+            <a:r>
+              <a:rPr lang="en-US" sz="1200" b="1" dirty="0">
+                <a:solidFill>
+                  <a:srgbClr val="008080"/>
+                </a:solidFill>
+                <a:latin typeface="Courier New" panose="02070309020205020404" pitchFamily="49" charset="0"/>
+                <a:ea typeface="Times New Roman" panose="02020603050405020304" pitchFamily="18" charset="0"/>
+                <a:cs typeface="Arial" panose="020B0604020202020204" pitchFamily="34" charset="0"/>
+              </a:rPr>
+              <a:t>'line-</a:t>
+            </a:r>
+            <a:r>
+              <a:rPr lang="en-US" sz="1200" b="1" dirty="0" err="1">
+                <a:solidFill>
+                  <a:srgbClr val="008080"/>
+                </a:solidFill>
+                <a:latin typeface="Courier New" panose="02070309020205020404" pitchFamily="49" charset="0"/>
+                <a:ea typeface="Times New Roman" panose="02020603050405020304" pitchFamily="18" charset="0"/>
+                <a:cs typeface="Arial" panose="020B0604020202020204" pitchFamily="34" charset="0"/>
+              </a:rPr>
+              <a:t>ew</a:t>
+            </a:r>
+            <a:r>
+              <a:rPr lang="en-US" sz="1200" b="1" dirty="0">
+                <a:solidFill>
+                  <a:srgbClr val="008080"/>
+                </a:solidFill>
+                <a:latin typeface="Courier New" panose="02070309020205020404" pitchFamily="49" charset="0"/>
+                <a:ea typeface="Times New Roman" panose="02020603050405020304" pitchFamily="18" charset="0"/>
+                <a:cs typeface="Arial" panose="020B0604020202020204" pitchFamily="34" charset="0"/>
+              </a:rPr>
+              <a:t>-</a:t>
+            </a:r>
+            <a:r>
+              <a:rPr lang="en-US" sz="1200" b="1" dirty="0" err="1">
+                <a:solidFill>
+                  <a:srgbClr val="008080"/>
+                </a:solidFill>
+                <a:latin typeface="Courier New" panose="02070309020205020404" pitchFamily="49" charset="0"/>
+                <a:ea typeface="Times New Roman" panose="02020603050405020304" pitchFamily="18" charset="0"/>
+                <a:cs typeface="Arial" panose="020B0604020202020204" pitchFamily="34" charset="0"/>
+              </a:rPr>
+              <a:t>open'</a:t>
+            </a:r>
+            <a:r>
+              <a:rPr lang="en-US" sz="1200" dirty="0" err="1">
+                <a:solidFill>
+                  <a:srgbClr val="000000"/>
+                </a:solidFill>
+                <a:latin typeface="Courier New" panose="02070309020205020404" pitchFamily="49" charset="0"/>
+                <a:ea typeface="Times New Roman" panose="02020603050405020304" pitchFamily="18" charset="0"/>
+                <a:cs typeface="Arial" panose="020B0604020202020204" pitchFamily="34" charset="0"/>
+              </a:rPr>
+              <a:t>,</a:t>
+            </a:r>
+            <a:r>
+              <a:rPr lang="en-US" sz="1200" dirty="0" err="1">
+                <a:solidFill>
+                  <a:srgbClr val="660099"/>
+                </a:solidFill>
+                <a:latin typeface="Courier New" panose="02070309020205020404" pitchFamily="49" charset="0"/>
+                <a:ea typeface="Times New Roman" panose="02020603050405020304" pitchFamily="18" charset="0"/>
+                <a:cs typeface="Arial" panose="020B0604020202020204" pitchFamily="34" charset="0"/>
+              </a:rPr>
+              <a:t>color</a:t>
+            </a:r>
+            <a:r>
+              <a:rPr lang="en-US" sz="1200" dirty="0">
+                <a:solidFill>
+                  <a:srgbClr val="000000"/>
+                </a:solidFill>
+                <a:latin typeface="Courier New" panose="02070309020205020404" pitchFamily="49" charset="0"/>
+                <a:ea typeface="Times New Roman" panose="02020603050405020304" pitchFamily="18" charset="0"/>
+                <a:cs typeface="Arial" panose="020B0604020202020204" pitchFamily="34" charset="0"/>
+              </a:rPr>
+              <a:t>=</a:t>
+            </a:r>
+            <a:r>
+              <a:rPr lang="en-US" sz="1200" b="1" dirty="0">
+                <a:solidFill>
+                  <a:srgbClr val="008080"/>
+                </a:solidFill>
+                <a:latin typeface="Courier New" panose="02070309020205020404" pitchFamily="49" charset="0"/>
+                <a:ea typeface="Times New Roman" panose="02020603050405020304" pitchFamily="18" charset="0"/>
+                <a:cs typeface="Arial" panose="020B0604020202020204" pitchFamily="34" charset="0"/>
+              </a:rPr>
+              <a:t>'</a:t>
+            </a:r>
+            <a:r>
+              <a:rPr lang="en-US" sz="1200" b="1" dirty="0" err="1">
+                <a:solidFill>
+                  <a:srgbClr val="008080"/>
+                </a:solidFill>
+                <a:latin typeface="Courier New" panose="02070309020205020404" pitchFamily="49" charset="0"/>
+                <a:ea typeface="Times New Roman" panose="02020603050405020304" pitchFamily="18" charset="0"/>
+                <a:cs typeface="Arial" panose="020B0604020202020204" pitchFamily="34" charset="0"/>
+              </a:rPr>
+              <a:t>red'</a:t>
+            </a:r>
+            <a:r>
+              <a:rPr lang="en-US" sz="1200" dirty="0" err="1">
+                <a:solidFill>
+                  <a:srgbClr val="000000"/>
+                </a:solidFill>
+                <a:latin typeface="Courier New" panose="02070309020205020404" pitchFamily="49" charset="0"/>
+                <a:ea typeface="Times New Roman" panose="02020603050405020304" pitchFamily="18" charset="0"/>
+                <a:cs typeface="Arial" panose="020B0604020202020204" pitchFamily="34" charset="0"/>
+              </a:rPr>
+              <a:t>,</a:t>
+            </a:r>
+            <a:r>
+              <a:rPr lang="en-US" sz="1200" dirty="0" err="1">
+                <a:solidFill>
+                  <a:srgbClr val="660099"/>
+                </a:solidFill>
+                <a:latin typeface="Courier New" panose="02070309020205020404" pitchFamily="49" charset="0"/>
+                <a:ea typeface="Times New Roman" panose="02020603050405020304" pitchFamily="18" charset="0"/>
+                <a:cs typeface="Arial" panose="020B0604020202020204" pitchFamily="34" charset="0"/>
+              </a:rPr>
+              <a:t>size</a:t>
+            </a:r>
+            <a:r>
+              <a:rPr lang="en-US" sz="1200" dirty="0">
+                <a:solidFill>
+                  <a:srgbClr val="000000"/>
+                </a:solidFill>
+                <a:latin typeface="Courier New" panose="02070309020205020404" pitchFamily="49" charset="0"/>
+                <a:ea typeface="Times New Roman" panose="02020603050405020304" pitchFamily="18" charset="0"/>
+                <a:cs typeface="Arial" panose="020B0604020202020204" pitchFamily="34" charset="0"/>
+              </a:rPr>
+              <a:t>=</a:t>
+            </a:r>
+            <a:r>
+              <a:rPr lang="en-US" sz="1200" dirty="0">
+                <a:solidFill>
+                  <a:srgbClr val="0000FF"/>
+                </a:solidFill>
+                <a:latin typeface="Courier New" panose="02070309020205020404" pitchFamily="49" charset="0"/>
+                <a:ea typeface="Times New Roman" panose="02020603050405020304" pitchFamily="18" charset="0"/>
+                <a:cs typeface="Arial" panose="020B0604020202020204" pitchFamily="34" charset="0"/>
+              </a:rPr>
+              <a:t>20</a:t>
+            </a:r>
+            <a:r>
+              <a:rPr lang="en-US" sz="1200" dirty="0">
+                <a:solidFill>
+                  <a:srgbClr val="000000"/>
+                </a:solidFill>
+                <a:latin typeface="Courier New" panose="02070309020205020404" pitchFamily="49" charset="0"/>
+                <a:ea typeface="Times New Roman" panose="02020603050405020304" pitchFamily="18" charset="0"/>
+                <a:cs typeface="Arial" panose="020B0604020202020204" pitchFamily="34" charset="0"/>
+              </a:rPr>
+              <a:t>))]</a:t>
+            </a:r>
+            <a:br>
+              <a:rPr lang="en-US" sz="1200" dirty="0">
+                <a:solidFill>
+                  <a:srgbClr val="000000"/>
+                </a:solidFill>
+                <a:latin typeface="Courier New" panose="02070309020205020404" pitchFamily="49" charset="0"/>
+                <a:ea typeface="Times New Roman" panose="02020603050405020304" pitchFamily="18" charset="0"/>
+                <a:cs typeface="Arial" panose="020B0604020202020204" pitchFamily="34" charset="0"/>
+              </a:rPr>
+            </a:br>
+            <a:r>
+              <a:rPr lang="en-US" sz="1200" dirty="0">
+                <a:solidFill>
+                  <a:srgbClr val="000000"/>
+                </a:solidFill>
+                <a:latin typeface="Courier New" panose="02070309020205020404" pitchFamily="49" charset="0"/>
+                <a:ea typeface="Times New Roman" panose="02020603050405020304" pitchFamily="18" charset="0"/>
+                <a:cs typeface="Arial" panose="020B0604020202020204" pitchFamily="34" charset="0"/>
+              </a:rPr>
+              <a:t>data+=[</a:t>
+            </a:r>
+            <a:r>
+              <a:rPr lang="en-US" sz="1200" dirty="0" err="1">
+                <a:solidFill>
+                  <a:srgbClr val="000080"/>
+                </a:solidFill>
+                <a:latin typeface="Courier New" panose="02070309020205020404" pitchFamily="49" charset="0"/>
+                <a:ea typeface="Times New Roman" panose="02020603050405020304" pitchFamily="18" charset="0"/>
+                <a:cs typeface="Arial" panose="020B0604020202020204" pitchFamily="34" charset="0"/>
+              </a:rPr>
+              <a:t>dict</a:t>
+            </a:r>
+            <a:r>
+              <a:rPr lang="en-US" sz="1200" dirty="0">
+                <a:solidFill>
+                  <a:srgbClr val="000000"/>
+                </a:solidFill>
+                <a:latin typeface="Courier New" panose="02070309020205020404" pitchFamily="49" charset="0"/>
+                <a:ea typeface="Times New Roman" panose="02020603050405020304" pitchFamily="18" charset="0"/>
+                <a:cs typeface="Arial" panose="020B0604020202020204" pitchFamily="34" charset="0"/>
+              </a:rPr>
+              <a:t>(</a:t>
+            </a:r>
+            <a:r>
+              <a:rPr lang="en-US" sz="1200" dirty="0">
+                <a:solidFill>
+                  <a:srgbClr val="660099"/>
+                </a:solidFill>
+                <a:latin typeface="Courier New" panose="02070309020205020404" pitchFamily="49" charset="0"/>
+                <a:ea typeface="Times New Roman" panose="02020603050405020304" pitchFamily="18" charset="0"/>
+                <a:cs typeface="Arial" panose="020B0604020202020204" pitchFamily="34" charset="0"/>
+              </a:rPr>
+              <a:t>x</a:t>
+            </a:r>
+            <a:r>
+              <a:rPr lang="en-US" sz="1200" dirty="0">
+                <a:solidFill>
+                  <a:srgbClr val="000000"/>
+                </a:solidFill>
+                <a:latin typeface="Courier New" panose="02070309020205020404" pitchFamily="49" charset="0"/>
+                <a:ea typeface="Times New Roman" panose="02020603050405020304" pitchFamily="18" charset="0"/>
+                <a:cs typeface="Arial" panose="020B0604020202020204" pitchFamily="34" charset="0"/>
+              </a:rPr>
+              <a:t>=</a:t>
+            </a:r>
+            <a:r>
+              <a:rPr lang="en-US" sz="1200" dirty="0" err="1">
+                <a:solidFill>
+                  <a:srgbClr val="000000"/>
+                </a:solidFill>
+                <a:latin typeface="Courier New" panose="02070309020205020404" pitchFamily="49" charset="0"/>
+                <a:ea typeface="Times New Roman" panose="02020603050405020304" pitchFamily="18" charset="0"/>
+                <a:cs typeface="Arial" panose="020B0604020202020204" pitchFamily="34" charset="0"/>
+              </a:rPr>
+              <a:t>x,</a:t>
+            </a:r>
+            <a:r>
+              <a:rPr lang="en-US" sz="1200" dirty="0" err="1">
+                <a:solidFill>
+                  <a:srgbClr val="660099"/>
+                </a:solidFill>
+                <a:latin typeface="Courier New" panose="02070309020205020404" pitchFamily="49" charset="0"/>
+                <a:ea typeface="Times New Roman" panose="02020603050405020304" pitchFamily="18" charset="0"/>
+                <a:cs typeface="Arial" panose="020B0604020202020204" pitchFamily="34" charset="0"/>
+              </a:rPr>
+              <a:t>y</a:t>
+            </a:r>
+            <a:r>
+              <a:rPr lang="en-US" sz="1200" dirty="0">
+                <a:solidFill>
+                  <a:srgbClr val="000000"/>
+                </a:solidFill>
+                <a:latin typeface="Courier New" panose="02070309020205020404" pitchFamily="49" charset="0"/>
+                <a:ea typeface="Times New Roman" panose="02020603050405020304" pitchFamily="18" charset="0"/>
+                <a:cs typeface="Arial" panose="020B0604020202020204" pitchFamily="34" charset="0"/>
+              </a:rPr>
+              <a:t>=</a:t>
+            </a:r>
+            <a:r>
+              <a:rPr lang="en-US" sz="1200" dirty="0" err="1">
+                <a:solidFill>
+                  <a:srgbClr val="000000"/>
+                </a:solidFill>
+                <a:latin typeface="Courier New" panose="02070309020205020404" pitchFamily="49" charset="0"/>
+                <a:ea typeface="Times New Roman" panose="02020603050405020304" pitchFamily="18" charset="0"/>
+                <a:cs typeface="Arial" panose="020B0604020202020204" pitchFamily="34" charset="0"/>
+              </a:rPr>
+              <a:t>bar_min,</a:t>
+            </a:r>
+            <a:r>
+              <a:rPr lang="en-US" sz="1200" dirty="0" err="1">
+                <a:solidFill>
+                  <a:srgbClr val="660099"/>
+                </a:solidFill>
+                <a:latin typeface="Courier New" panose="02070309020205020404" pitchFamily="49" charset="0"/>
+                <a:ea typeface="Times New Roman" panose="02020603050405020304" pitchFamily="18" charset="0"/>
+                <a:cs typeface="Arial" panose="020B0604020202020204" pitchFamily="34" charset="0"/>
+              </a:rPr>
+              <a:t>name</a:t>
+            </a:r>
+            <a:r>
+              <a:rPr lang="en-US" sz="1200" dirty="0">
+                <a:solidFill>
+                  <a:srgbClr val="000000"/>
+                </a:solidFill>
+                <a:latin typeface="Courier New" panose="02070309020205020404" pitchFamily="49" charset="0"/>
+                <a:ea typeface="Times New Roman" panose="02020603050405020304" pitchFamily="18" charset="0"/>
+                <a:cs typeface="Arial" panose="020B0604020202020204" pitchFamily="34" charset="0"/>
+              </a:rPr>
+              <a:t>=</a:t>
+            </a:r>
+            <a:r>
+              <a:rPr lang="en-US" sz="1200" b="1" dirty="0">
+                <a:solidFill>
+                  <a:srgbClr val="008080"/>
+                </a:solidFill>
+                <a:latin typeface="Courier New" panose="02070309020205020404" pitchFamily="49" charset="0"/>
+                <a:ea typeface="Times New Roman" panose="02020603050405020304" pitchFamily="18" charset="0"/>
+                <a:cs typeface="Arial" panose="020B0604020202020204" pitchFamily="34" charset="0"/>
+              </a:rPr>
+              <a:t>'</a:t>
+            </a:r>
+            <a:r>
+              <a:rPr lang="en-US" sz="1200" b="1" dirty="0" err="1">
+                <a:solidFill>
+                  <a:srgbClr val="008080"/>
+                </a:solidFill>
+                <a:latin typeface="Courier New" panose="02070309020205020404" pitchFamily="49" charset="0"/>
+                <a:ea typeface="Times New Roman" panose="02020603050405020304" pitchFamily="18" charset="0"/>
+                <a:cs typeface="Arial" panose="020B0604020202020204" pitchFamily="34" charset="0"/>
+              </a:rPr>
+              <a:t>min'</a:t>
+            </a:r>
+            <a:r>
+              <a:rPr lang="en-US" sz="1200" dirty="0" err="1">
+                <a:solidFill>
+                  <a:srgbClr val="000000"/>
+                </a:solidFill>
+                <a:latin typeface="Courier New" panose="02070309020205020404" pitchFamily="49" charset="0"/>
+                <a:ea typeface="Times New Roman" panose="02020603050405020304" pitchFamily="18" charset="0"/>
+                <a:cs typeface="Arial" panose="020B0604020202020204" pitchFamily="34" charset="0"/>
+              </a:rPr>
+              <a:t>,</a:t>
+            </a:r>
+            <a:r>
+              <a:rPr lang="en-US" sz="1200" dirty="0" err="1">
+                <a:solidFill>
+                  <a:srgbClr val="660099"/>
+                </a:solidFill>
+                <a:latin typeface="Courier New" panose="02070309020205020404" pitchFamily="49" charset="0"/>
+                <a:ea typeface="Times New Roman" panose="02020603050405020304" pitchFamily="18" charset="0"/>
+                <a:cs typeface="Arial" panose="020B0604020202020204" pitchFamily="34" charset="0"/>
+              </a:rPr>
+              <a:t>type</a:t>
+            </a:r>
+            <a:r>
+              <a:rPr lang="en-US" sz="1200" dirty="0">
+                <a:solidFill>
+                  <a:srgbClr val="000000"/>
+                </a:solidFill>
+                <a:latin typeface="Courier New" panose="02070309020205020404" pitchFamily="49" charset="0"/>
+                <a:ea typeface="Times New Roman" panose="02020603050405020304" pitchFamily="18" charset="0"/>
+                <a:cs typeface="Arial" panose="020B0604020202020204" pitchFamily="34" charset="0"/>
+              </a:rPr>
+              <a:t>=</a:t>
+            </a:r>
+            <a:r>
+              <a:rPr lang="en-US" sz="1200" b="1" dirty="0">
+                <a:solidFill>
+                  <a:srgbClr val="008080"/>
+                </a:solidFill>
+                <a:latin typeface="Courier New" panose="02070309020205020404" pitchFamily="49" charset="0"/>
+                <a:ea typeface="Times New Roman" panose="02020603050405020304" pitchFamily="18" charset="0"/>
+                <a:cs typeface="Arial" panose="020B0604020202020204" pitchFamily="34" charset="0"/>
+              </a:rPr>
+              <a:t>'</a:t>
+            </a:r>
+            <a:r>
+              <a:rPr lang="en-US" sz="1200" b="1" dirty="0" err="1">
+                <a:solidFill>
+                  <a:srgbClr val="008080"/>
+                </a:solidFill>
+                <a:latin typeface="Courier New" panose="02070309020205020404" pitchFamily="49" charset="0"/>
+                <a:ea typeface="Times New Roman" panose="02020603050405020304" pitchFamily="18" charset="0"/>
+                <a:cs typeface="Arial" panose="020B0604020202020204" pitchFamily="34" charset="0"/>
+              </a:rPr>
+              <a:t>scatter'</a:t>
+            </a:r>
+            <a:r>
+              <a:rPr lang="en-US" sz="1200" dirty="0" err="1">
+                <a:solidFill>
+                  <a:srgbClr val="000000"/>
+                </a:solidFill>
+                <a:latin typeface="Courier New" panose="02070309020205020404" pitchFamily="49" charset="0"/>
+                <a:ea typeface="Times New Roman" panose="02020603050405020304" pitchFamily="18" charset="0"/>
+                <a:cs typeface="Arial" panose="020B0604020202020204" pitchFamily="34" charset="0"/>
+              </a:rPr>
+              <a:t>,</a:t>
+            </a:r>
+            <a:r>
+              <a:rPr lang="en-US" sz="1200" dirty="0" err="1">
+                <a:solidFill>
+                  <a:srgbClr val="660099"/>
+                </a:solidFill>
+                <a:latin typeface="Courier New" panose="02070309020205020404" pitchFamily="49" charset="0"/>
+                <a:ea typeface="Times New Roman" panose="02020603050405020304" pitchFamily="18" charset="0"/>
+                <a:cs typeface="Arial" panose="020B0604020202020204" pitchFamily="34" charset="0"/>
+              </a:rPr>
+              <a:t>mode</a:t>
+            </a:r>
+            <a:r>
+              <a:rPr lang="en-US" sz="1200" dirty="0">
+                <a:solidFill>
+                  <a:srgbClr val="000000"/>
+                </a:solidFill>
+                <a:latin typeface="Courier New" panose="02070309020205020404" pitchFamily="49" charset="0"/>
+                <a:ea typeface="Times New Roman" panose="02020603050405020304" pitchFamily="18" charset="0"/>
+                <a:cs typeface="Arial" panose="020B0604020202020204" pitchFamily="34" charset="0"/>
+              </a:rPr>
+              <a:t>=</a:t>
+            </a:r>
+            <a:r>
+              <a:rPr lang="en-US" sz="1200" b="1" dirty="0">
+                <a:solidFill>
+                  <a:srgbClr val="008080"/>
+                </a:solidFill>
+                <a:latin typeface="Courier New" panose="02070309020205020404" pitchFamily="49" charset="0"/>
+                <a:ea typeface="Times New Roman" panose="02020603050405020304" pitchFamily="18" charset="0"/>
+                <a:cs typeface="Arial" panose="020B0604020202020204" pitchFamily="34" charset="0"/>
+              </a:rPr>
+              <a:t>'</a:t>
+            </a:r>
+            <a:r>
+              <a:rPr lang="en-US" sz="1200" b="1" dirty="0" err="1">
+                <a:solidFill>
+                  <a:srgbClr val="008080"/>
+                </a:solidFill>
+                <a:latin typeface="Courier New" panose="02070309020205020404" pitchFamily="49" charset="0"/>
+                <a:ea typeface="Times New Roman" panose="02020603050405020304" pitchFamily="18" charset="0"/>
+                <a:cs typeface="Arial" panose="020B0604020202020204" pitchFamily="34" charset="0"/>
+              </a:rPr>
+              <a:t>markers'</a:t>
+            </a:r>
+            <a:r>
+              <a:rPr lang="en-US" sz="1200" dirty="0" err="1">
+                <a:solidFill>
+                  <a:srgbClr val="000000"/>
+                </a:solidFill>
+                <a:latin typeface="Courier New" panose="02070309020205020404" pitchFamily="49" charset="0"/>
+                <a:ea typeface="Times New Roman" panose="02020603050405020304" pitchFamily="18" charset="0"/>
+                <a:cs typeface="Arial" panose="020B0604020202020204" pitchFamily="34" charset="0"/>
+              </a:rPr>
+              <a:t>,</a:t>
+            </a:r>
+            <a:r>
+              <a:rPr lang="en-US" sz="1200" dirty="0" err="1">
+                <a:solidFill>
+                  <a:srgbClr val="660099"/>
+                </a:solidFill>
+                <a:latin typeface="Courier New" panose="02070309020205020404" pitchFamily="49" charset="0"/>
+                <a:ea typeface="Times New Roman" panose="02020603050405020304" pitchFamily="18" charset="0"/>
+                <a:cs typeface="Arial" panose="020B0604020202020204" pitchFamily="34" charset="0"/>
+              </a:rPr>
+              <a:t>marker</a:t>
+            </a:r>
+            <a:r>
+              <a:rPr lang="en-US" sz="1200" dirty="0">
+                <a:solidFill>
+                  <a:srgbClr val="000000"/>
+                </a:solidFill>
+                <a:latin typeface="Courier New" panose="02070309020205020404" pitchFamily="49" charset="0"/>
+                <a:ea typeface="Times New Roman" panose="02020603050405020304" pitchFamily="18" charset="0"/>
+                <a:cs typeface="Arial" panose="020B0604020202020204" pitchFamily="34" charset="0"/>
+              </a:rPr>
+              <a:t>=</a:t>
+            </a:r>
+            <a:r>
+              <a:rPr lang="en-US" sz="1200" dirty="0" err="1">
+                <a:solidFill>
+                  <a:srgbClr val="000080"/>
+                </a:solidFill>
+                <a:latin typeface="Courier New" panose="02070309020205020404" pitchFamily="49" charset="0"/>
+                <a:ea typeface="Times New Roman" panose="02020603050405020304" pitchFamily="18" charset="0"/>
+                <a:cs typeface="Arial" panose="020B0604020202020204" pitchFamily="34" charset="0"/>
+              </a:rPr>
+              <a:t>dict</a:t>
+            </a:r>
+            <a:r>
+              <a:rPr lang="en-US" sz="1200" dirty="0">
+                <a:solidFill>
+                  <a:srgbClr val="000000"/>
+                </a:solidFill>
+                <a:latin typeface="Courier New" panose="02070309020205020404" pitchFamily="49" charset="0"/>
+                <a:ea typeface="Times New Roman" panose="02020603050405020304" pitchFamily="18" charset="0"/>
+                <a:cs typeface="Arial" panose="020B0604020202020204" pitchFamily="34" charset="0"/>
+              </a:rPr>
+              <a:t>(</a:t>
+            </a:r>
+            <a:r>
+              <a:rPr lang="en-US" sz="1200" dirty="0">
+                <a:solidFill>
+                  <a:srgbClr val="660099"/>
+                </a:solidFill>
+                <a:latin typeface="Courier New" panose="02070309020205020404" pitchFamily="49" charset="0"/>
+                <a:ea typeface="Times New Roman" panose="02020603050405020304" pitchFamily="18" charset="0"/>
+                <a:cs typeface="Arial" panose="020B0604020202020204" pitchFamily="34" charset="0"/>
+              </a:rPr>
+              <a:t>symbol</a:t>
+            </a:r>
+            <a:r>
+              <a:rPr lang="en-US" sz="1200" dirty="0">
+                <a:solidFill>
+                  <a:srgbClr val="000000"/>
+                </a:solidFill>
+                <a:latin typeface="Courier New" panose="02070309020205020404" pitchFamily="49" charset="0"/>
+                <a:ea typeface="Times New Roman" panose="02020603050405020304" pitchFamily="18" charset="0"/>
+                <a:cs typeface="Arial" panose="020B0604020202020204" pitchFamily="34" charset="0"/>
+              </a:rPr>
+              <a:t>=</a:t>
+            </a:r>
+            <a:r>
+              <a:rPr lang="en-US" sz="1200" b="1" dirty="0">
+                <a:solidFill>
+                  <a:srgbClr val="008080"/>
+                </a:solidFill>
+                <a:latin typeface="Courier New" panose="02070309020205020404" pitchFamily="49" charset="0"/>
+                <a:ea typeface="Times New Roman" panose="02020603050405020304" pitchFamily="18" charset="0"/>
+                <a:cs typeface="Arial" panose="020B0604020202020204" pitchFamily="34" charset="0"/>
+              </a:rPr>
+              <a:t>'line-</a:t>
+            </a:r>
+            <a:r>
+              <a:rPr lang="en-US" sz="1200" b="1" dirty="0" err="1">
+                <a:solidFill>
+                  <a:srgbClr val="008080"/>
+                </a:solidFill>
+                <a:latin typeface="Courier New" panose="02070309020205020404" pitchFamily="49" charset="0"/>
+                <a:ea typeface="Times New Roman" panose="02020603050405020304" pitchFamily="18" charset="0"/>
+                <a:cs typeface="Arial" panose="020B0604020202020204" pitchFamily="34" charset="0"/>
+              </a:rPr>
+              <a:t>ew</a:t>
+            </a:r>
+            <a:r>
+              <a:rPr lang="en-US" sz="1200" b="1" dirty="0">
+                <a:solidFill>
+                  <a:srgbClr val="008080"/>
+                </a:solidFill>
+                <a:latin typeface="Courier New" panose="02070309020205020404" pitchFamily="49" charset="0"/>
+                <a:ea typeface="Times New Roman" panose="02020603050405020304" pitchFamily="18" charset="0"/>
+                <a:cs typeface="Arial" panose="020B0604020202020204" pitchFamily="34" charset="0"/>
+              </a:rPr>
+              <a:t>-</a:t>
+            </a:r>
+            <a:r>
+              <a:rPr lang="en-US" sz="1200" b="1" dirty="0" err="1">
+                <a:solidFill>
+                  <a:srgbClr val="008080"/>
+                </a:solidFill>
+                <a:latin typeface="Courier New" panose="02070309020205020404" pitchFamily="49" charset="0"/>
+                <a:ea typeface="Times New Roman" panose="02020603050405020304" pitchFamily="18" charset="0"/>
+                <a:cs typeface="Arial" panose="020B0604020202020204" pitchFamily="34" charset="0"/>
+              </a:rPr>
+              <a:t>open'</a:t>
+            </a:r>
+            <a:r>
+              <a:rPr lang="en-US" sz="1200" dirty="0" err="1">
+                <a:solidFill>
+                  <a:srgbClr val="000000"/>
+                </a:solidFill>
+                <a:latin typeface="Courier New" panose="02070309020205020404" pitchFamily="49" charset="0"/>
+                <a:ea typeface="Times New Roman" panose="02020603050405020304" pitchFamily="18" charset="0"/>
+                <a:cs typeface="Arial" panose="020B0604020202020204" pitchFamily="34" charset="0"/>
+              </a:rPr>
+              <a:t>,</a:t>
+            </a:r>
+            <a:r>
+              <a:rPr lang="en-US" sz="1200" dirty="0" err="1">
+                <a:solidFill>
+                  <a:srgbClr val="660099"/>
+                </a:solidFill>
+                <a:latin typeface="Courier New" panose="02070309020205020404" pitchFamily="49" charset="0"/>
+                <a:ea typeface="Times New Roman" panose="02020603050405020304" pitchFamily="18" charset="0"/>
+                <a:cs typeface="Arial" panose="020B0604020202020204" pitchFamily="34" charset="0"/>
+              </a:rPr>
+              <a:t>color</a:t>
+            </a:r>
+            <a:r>
+              <a:rPr lang="en-US" sz="1200" dirty="0">
+                <a:solidFill>
+                  <a:srgbClr val="000000"/>
+                </a:solidFill>
+                <a:latin typeface="Courier New" panose="02070309020205020404" pitchFamily="49" charset="0"/>
+                <a:ea typeface="Times New Roman" panose="02020603050405020304" pitchFamily="18" charset="0"/>
+                <a:cs typeface="Arial" panose="020B0604020202020204" pitchFamily="34" charset="0"/>
+              </a:rPr>
+              <a:t>=</a:t>
+            </a:r>
+            <a:r>
+              <a:rPr lang="en-US" sz="1200" b="1" dirty="0">
+                <a:solidFill>
+                  <a:srgbClr val="008080"/>
+                </a:solidFill>
+                <a:latin typeface="Courier New" panose="02070309020205020404" pitchFamily="49" charset="0"/>
+                <a:ea typeface="Times New Roman" panose="02020603050405020304" pitchFamily="18" charset="0"/>
+                <a:cs typeface="Arial" panose="020B0604020202020204" pitchFamily="34" charset="0"/>
+              </a:rPr>
+              <a:t>'</a:t>
+            </a:r>
+            <a:r>
+              <a:rPr lang="en-US" sz="1200" b="1" dirty="0" err="1">
+                <a:solidFill>
+                  <a:srgbClr val="008080"/>
+                </a:solidFill>
+                <a:latin typeface="Courier New" panose="02070309020205020404" pitchFamily="49" charset="0"/>
+                <a:ea typeface="Times New Roman" panose="02020603050405020304" pitchFamily="18" charset="0"/>
+                <a:cs typeface="Arial" panose="020B0604020202020204" pitchFamily="34" charset="0"/>
+              </a:rPr>
+              <a:t>green'</a:t>
+            </a:r>
+            <a:r>
+              <a:rPr lang="en-US" sz="1200" dirty="0" err="1">
+                <a:solidFill>
+                  <a:srgbClr val="000000"/>
+                </a:solidFill>
+                <a:latin typeface="Courier New" panose="02070309020205020404" pitchFamily="49" charset="0"/>
+                <a:ea typeface="Times New Roman" panose="02020603050405020304" pitchFamily="18" charset="0"/>
+                <a:cs typeface="Arial" panose="020B0604020202020204" pitchFamily="34" charset="0"/>
+              </a:rPr>
+              <a:t>,</a:t>
+            </a:r>
+            <a:r>
+              <a:rPr lang="en-US" sz="1200" dirty="0" err="1">
+                <a:solidFill>
+                  <a:srgbClr val="660099"/>
+                </a:solidFill>
+                <a:latin typeface="Courier New" panose="02070309020205020404" pitchFamily="49" charset="0"/>
+                <a:ea typeface="Times New Roman" panose="02020603050405020304" pitchFamily="18" charset="0"/>
+                <a:cs typeface="Arial" panose="020B0604020202020204" pitchFamily="34" charset="0"/>
+              </a:rPr>
+              <a:t>size</a:t>
+            </a:r>
+            <a:r>
+              <a:rPr lang="en-US" sz="1200" dirty="0">
+                <a:solidFill>
+                  <a:srgbClr val="000000"/>
+                </a:solidFill>
+                <a:latin typeface="Courier New" panose="02070309020205020404" pitchFamily="49" charset="0"/>
+                <a:ea typeface="Times New Roman" panose="02020603050405020304" pitchFamily="18" charset="0"/>
+                <a:cs typeface="Arial" panose="020B0604020202020204" pitchFamily="34" charset="0"/>
+              </a:rPr>
+              <a:t>=</a:t>
+            </a:r>
+            <a:r>
+              <a:rPr lang="en-US" sz="1200" dirty="0">
+                <a:solidFill>
+                  <a:srgbClr val="0000FF"/>
+                </a:solidFill>
+                <a:latin typeface="Courier New" panose="02070309020205020404" pitchFamily="49" charset="0"/>
+                <a:ea typeface="Times New Roman" panose="02020603050405020304" pitchFamily="18" charset="0"/>
+                <a:cs typeface="Arial" panose="020B0604020202020204" pitchFamily="34" charset="0"/>
+              </a:rPr>
+              <a:t>20</a:t>
+            </a:r>
+            <a:r>
+              <a:rPr lang="en-US" sz="1200" dirty="0">
+                <a:solidFill>
+                  <a:srgbClr val="000000"/>
+                </a:solidFill>
+                <a:latin typeface="Courier New" panose="02070309020205020404" pitchFamily="49" charset="0"/>
+                <a:ea typeface="Times New Roman" panose="02020603050405020304" pitchFamily="18" charset="0"/>
+                <a:cs typeface="Arial" panose="020B0604020202020204" pitchFamily="34" charset="0"/>
+              </a:rPr>
+              <a:t>))]</a:t>
+            </a:r>
+            <a:br>
+              <a:rPr lang="en-US" sz="1200" dirty="0">
+                <a:solidFill>
+                  <a:srgbClr val="000000"/>
+                </a:solidFill>
+                <a:latin typeface="Courier New" panose="02070309020205020404" pitchFamily="49" charset="0"/>
+                <a:ea typeface="Times New Roman" panose="02020603050405020304" pitchFamily="18" charset="0"/>
+                <a:cs typeface="Arial" panose="020B0604020202020204" pitchFamily="34" charset="0"/>
+              </a:rPr>
+            </a:br>
+            <a:r>
+              <a:rPr lang="en-US" sz="1200" i="1" dirty="0">
+                <a:solidFill>
+                  <a:srgbClr val="808080"/>
+                </a:solidFill>
+                <a:latin typeface="Courier New" panose="02070309020205020404" pitchFamily="49" charset="0"/>
+                <a:ea typeface="Times New Roman" panose="02020603050405020304" pitchFamily="18" charset="0"/>
+                <a:cs typeface="Arial" panose="020B0604020202020204" pitchFamily="34" charset="0"/>
+              </a:rPr>
+              <a:t># data = [</a:t>
+            </a:r>
+            <a:r>
+              <a:rPr lang="en-US" sz="1200" i="1" dirty="0" err="1">
+                <a:solidFill>
+                  <a:srgbClr val="808080"/>
+                </a:solidFill>
+                <a:latin typeface="Courier New" panose="02070309020205020404" pitchFamily="49" charset="0"/>
+                <a:ea typeface="Times New Roman" panose="02020603050405020304" pitchFamily="18" charset="0"/>
+                <a:cs typeface="Arial" panose="020B0604020202020204" pitchFamily="34" charset="0"/>
+              </a:rPr>
+              <a:t>dict</a:t>
+            </a:r>
+            <a:r>
+              <a:rPr lang="en-US" sz="1200" i="1" dirty="0">
+                <a:solidFill>
+                  <a:srgbClr val="808080"/>
+                </a:solidFill>
+                <a:latin typeface="Courier New" panose="02070309020205020404" pitchFamily="49" charset="0"/>
+                <a:ea typeface="Times New Roman" panose="02020603050405020304" pitchFamily="18" charset="0"/>
+                <a:cs typeface="Arial" panose="020B0604020202020204" pitchFamily="34" charset="0"/>
+              </a:rPr>
+              <a:t>(x=x, y=y[</a:t>
+            </a:r>
+            <a:r>
+              <a:rPr lang="en-US" sz="1200" i="1" dirty="0" err="1">
+                <a:solidFill>
+                  <a:srgbClr val="808080"/>
+                </a:solidFill>
+                <a:latin typeface="Courier New" panose="02070309020205020404" pitchFamily="49" charset="0"/>
+                <a:ea typeface="Times New Roman" panose="02020603050405020304" pitchFamily="18" charset="0"/>
+                <a:cs typeface="Arial" panose="020B0604020202020204" pitchFamily="34" charset="0"/>
+              </a:rPr>
+              <a:t>i</a:t>
+            </a:r>
+            <a:r>
+              <a:rPr lang="en-US" sz="1200" i="1" dirty="0">
+                <a:solidFill>
+                  <a:srgbClr val="808080"/>
+                </a:solidFill>
+                <a:latin typeface="Courier New" panose="02070309020205020404" pitchFamily="49" charset="0"/>
+                <a:ea typeface="Times New Roman" panose="02020603050405020304" pitchFamily="18" charset="0"/>
+                <a:cs typeface="Arial" panose="020B0604020202020204" pitchFamily="34" charset="0"/>
+              </a:rPr>
+              <a:t>], name='sine %d'%</a:t>
+            </a:r>
+            <a:r>
+              <a:rPr lang="en-US" sz="1200" i="1" dirty="0" err="1">
+                <a:solidFill>
+                  <a:srgbClr val="808080"/>
+                </a:solidFill>
+                <a:latin typeface="Courier New" panose="02070309020205020404" pitchFamily="49" charset="0"/>
+                <a:ea typeface="Times New Roman" panose="02020603050405020304" pitchFamily="18" charset="0"/>
+                <a:cs typeface="Arial" panose="020B0604020202020204" pitchFamily="34" charset="0"/>
+              </a:rPr>
+              <a:t>i</a:t>
+            </a:r>
+            <a:r>
+              <a:rPr lang="en-US" sz="1200" i="1" dirty="0">
+                <a:solidFill>
+                  <a:srgbClr val="808080"/>
+                </a:solidFill>
+                <a:latin typeface="Courier New" panose="02070309020205020404" pitchFamily="49" charset="0"/>
+                <a:ea typeface="Times New Roman" panose="02020603050405020304" pitchFamily="18" charset="0"/>
+                <a:cs typeface="Arial" panose="020B0604020202020204" pitchFamily="34" charset="0"/>
+              </a:rPr>
+              <a:t>, type='bar') for </a:t>
+            </a:r>
+            <a:r>
+              <a:rPr lang="en-US" sz="1200" i="1" dirty="0" err="1">
+                <a:solidFill>
+                  <a:srgbClr val="808080"/>
+                </a:solidFill>
+                <a:latin typeface="Courier New" panose="02070309020205020404" pitchFamily="49" charset="0"/>
+                <a:ea typeface="Times New Roman" panose="02020603050405020304" pitchFamily="18" charset="0"/>
+                <a:cs typeface="Arial" panose="020B0604020202020204" pitchFamily="34" charset="0"/>
+              </a:rPr>
+              <a:t>i</a:t>
+            </a:r>
+            <a:r>
+              <a:rPr lang="en-US" sz="1200" i="1" dirty="0">
+                <a:solidFill>
+                  <a:srgbClr val="808080"/>
+                </a:solidFill>
+                <a:latin typeface="Courier New" panose="02070309020205020404" pitchFamily="49" charset="0"/>
+                <a:ea typeface="Times New Roman" panose="02020603050405020304" pitchFamily="18" charset="0"/>
+                <a:cs typeface="Arial" panose="020B0604020202020204" pitchFamily="34" charset="0"/>
+              </a:rPr>
+              <a:t> in range(</a:t>
+            </a:r>
+            <a:r>
+              <a:rPr lang="en-US" sz="1200" i="1" dirty="0" err="1">
+                <a:solidFill>
+                  <a:srgbClr val="808080"/>
+                </a:solidFill>
+                <a:latin typeface="Courier New" panose="02070309020205020404" pitchFamily="49" charset="0"/>
+                <a:ea typeface="Times New Roman" panose="02020603050405020304" pitchFamily="18" charset="0"/>
+                <a:cs typeface="Arial" panose="020B0604020202020204" pitchFamily="34" charset="0"/>
+              </a:rPr>
+              <a:t>sines</a:t>
+            </a:r>
+            <a:r>
+              <a:rPr lang="en-US" sz="1200" i="1" dirty="0">
+                <a:solidFill>
+                  <a:srgbClr val="808080"/>
+                </a:solidFill>
+                <a:latin typeface="Courier New" panose="02070309020205020404" pitchFamily="49" charset="0"/>
+                <a:ea typeface="Times New Roman" panose="02020603050405020304" pitchFamily="18" charset="0"/>
+                <a:cs typeface="Arial" panose="020B0604020202020204" pitchFamily="34" charset="0"/>
+              </a:rPr>
+              <a:t>)]</a:t>
+            </a:r>
+            <a:br>
+              <a:rPr lang="en-US" sz="1200" i="1" dirty="0">
+                <a:solidFill>
+                  <a:srgbClr val="808080"/>
+                </a:solidFill>
+                <a:latin typeface="Courier New" panose="02070309020205020404" pitchFamily="49" charset="0"/>
+                <a:ea typeface="Times New Roman" panose="02020603050405020304" pitchFamily="18" charset="0"/>
+                <a:cs typeface="Arial" panose="020B0604020202020204" pitchFamily="34" charset="0"/>
+              </a:rPr>
+            </a:br>
+            <a:r>
+              <a:rPr lang="en-US" sz="1200" dirty="0">
+                <a:solidFill>
+                  <a:srgbClr val="000000"/>
+                </a:solidFill>
+                <a:latin typeface="Courier New" panose="02070309020205020404" pitchFamily="49" charset="0"/>
+                <a:ea typeface="Times New Roman" panose="02020603050405020304" pitchFamily="18" charset="0"/>
+                <a:cs typeface="Arial" panose="020B0604020202020204" pitchFamily="34" charset="0"/>
+              </a:rPr>
+              <a:t>layout=</a:t>
+            </a:r>
+            <a:r>
+              <a:rPr lang="en-US" sz="1200" dirty="0" err="1">
+                <a:solidFill>
+                  <a:srgbClr val="000000"/>
+                </a:solidFill>
+                <a:latin typeface="Courier New" panose="02070309020205020404" pitchFamily="49" charset="0"/>
+                <a:ea typeface="Times New Roman" panose="02020603050405020304" pitchFamily="18" charset="0"/>
+                <a:cs typeface="Arial" panose="020B0604020202020204" pitchFamily="34" charset="0"/>
               </a:rPr>
               <a:t>cufflinks.getLayout</a:t>
             </a:r>
             <a:r>
-              <a:rPr lang="en-US" sz="1600" dirty="0" smtClean="0">
-                <a:solidFill>
-                  <a:srgbClr val="000000"/>
-                </a:solidFill>
-                <a:effectLst/>
-                <a:latin typeface="Calibri" panose="020F0502020204030204" pitchFamily="34" charset="0"/>
-              </a:rPr>
-              <a:t>())</a:t>
-            </a:r>
-          </a:p>
-          <a:p>
-            <a:pPr marL="114300" indent="0">
-              <a:spcBef>
-                <a:spcPts val="0"/>
-              </a:spcBef>
-              <a:buNone/>
-            </a:pPr>
-            <a:r>
-              <a:rPr lang="en-US" sz="1600" dirty="0" smtClean="0">
-                <a:solidFill>
-                  <a:srgbClr val="000000"/>
-                </a:solidFill>
-                <a:effectLst/>
-                <a:latin typeface="Calibri" panose="020F0502020204030204" pitchFamily="34" charset="0"/>
-              </a:rPr>
-              <a:t>{'legend': {'</a:t>
-            </a:r>
-            <a:r>
-              <a:rPr lang="en-US" sz="1600" dirty="0" err="1" smtClean="0">
-                <a:solidFill>
-                  <a:srgbClr val="000000"/>
-                </a:solidFill>
-                <a:effectLst/>
-                <a:latin typeface="Calibri" panose="020F0502020204030204" pitchFamily="34" charset="0"/>
-              </a:rPr>
-              <a:t>bgcolor</a:t>
-            </a:r>
-            <a:r>
-              <a:rPr lang="en-US" sz="1600" dirty="0" smtClean="0">
-                <a:solidFill>
-                  <a:srgbClr val="000000"/>
-                </a:solidFill>
-                <a:effectLst/>
-                <a:latin typeface="Calibri" panose="020F0502020204030204" pitchFamily="34" charset="0"/>
-              </a:rPr>
-              <a:t>': '#F5F6F9', 'font': {'color': '#4D5663'}},</a:t>
-            </a:r>
-          </a:p>
-          <a:p>
-            <a:pPr marL="114300" indent="0">
-              <a:spcBef>
-                <a:spcPts val="0"/>
-              </a:spcBef>
-              <a:buNone/>
-            </a:pPr>
-            <a:r>
-              <a:rPr lang="en-US" sz="1600" dirty="0" smtClean="0">
-                <a:solidFill>
-                  <a:srgbClr val="000000"/>
-                </a:solidFill>
-                <a:effectLst/>
-                <a:latin typeface="Calibri" panose="020F0502020204030204" pitchFamily="34" charset="0"/>
-              </a:rPr>
-              <a:t> '</a:t>
-            </a:r>
-            <a:r>
-              <a:rPr lang="en-US" sz="1600" dirty="0" err="1" smtClean="0">
-                <a:solidFill>
-                  <a:srgbClr val="000000"/>
-                </a:solidFill>
-                <a:effectLst/>
-                <a:latin typeface="Calibri" panose="020F0502020204030204" pitchFamily="34" charset="0"/>
-              </a:rPr>
-              <a:t>paper_bgcolor</a:t>
-            </a:r>
-            <a:r>
-              <a:rPr lang="en-US" sz="1600" dirty="0" smtClean="0">
-                <a:solidFill>
-                  <a:srgbClr val="000000"/>
-                </a:solidFill>
-                <a:effectLst/>
-                <a:latin typeface="Calibri" panose="020F0502020204030204" pitchFamily="34" charset="0"/>
-              </a:rPr>
-              <a:t>': '#F5F6F9',</a:t>
-            </a:r>
-          </a:p>
-          <a:p>
-            <a:pPr marL="114300" indent="0">
-              <a:spcBef>
-                <a:spcPts val="0"/>
-              </a:spcBef>
-              <a:buNone/>
-            </a:pPr>
-            <a:r>
-              <a:rPr lang="en-US" sz="1600" dirty="0" smtClean="0">
-                <a:solidFill>
-                  <a:srgbClr val="000000"/>
-                </a:solidFill>
-                <a:effectLst/>
-                <a:latin typeface="Calibri" panose="020F0502020204030204" pitchFamily="34" charset="0"/>
-              </a:rPr>
-              <a:t> '</a:t>
-            </a:r>
-            <a:r>
-              <a:rPr lang="en-US" sz="1600" dirty="0" err="1" smtClean="0">
-                <a:solidFill>
-                  <a:srgbClr val="000000"/>
-                </a:solidFill>
-                <a:effectLst/>
-                <a:latin typeface="Calibri" panose="020F0502020204030204" pitchFamily="34" charset="0"/>
-              </a:rPr>
-              <a:t>plot_bgcolor</a:t>
-            </a:r>
-            <a:r>
-              <a:rPr lang="en-US" sz="1600" dirty="0" smtClean="0">
-                <a:solidFill>
-                  <a:srgbClr val="000000"/>
-                </a:solidFill>
-                <a:effectLst/>
-                <a:latin typeface="Calibri" panose="020F0502020204030204" pitchFamily="34" charset="0"/>
-              </a:rPr>
-              <a:t>': '#F5F6F9',</a:t>
-            </a:r>
-          </a:p>
-          <a:p>
-            <a:pPr marL="114300" indent="0">
-              <a:spcBef>
-                <a:spcPts val="0"/>
-              </a:spcBef>
-              <a:buNone/>
-            </a:pPr>
-            <a:r>
-              <a:rPr lang="en-US" sz="1600" dirty="0" smtClean="0">
-                <a:solidFill>
-                  <a:srgbClr val="000000"/>
-                </a:solidFill>
-                <a:effectLst/>
-                <a:latin typeface="Calibri" panose="020F0502020204030204" pitchFamily="34" charset="0"/>
-              </a:rPr>
-              <a:t> '</a:t>
-            </a:r>
-            <a:r>
-              <a:rPr lang="en-US" sz="1600" dirty="0" err="1" smtClean="0">
-                <a:solidFill>
-                  <a:srgbClr val="000000"/>
-                </a:solidFill>
-                <a:effectLst/>
-                <a:latin typeface="Calibri" panose="020F0502020204030204" pitchFamily="34" charset="0"/>
-              </a:rPr>
-              <a:t>titlefont</a:t>
-            </a:r>
-            <a:r>
-              <a:rPr lang="en-US" sz="1600" dirty="0" smtClean="0">
-                <a:solidFill>
-                  <a:srgbClr val="000000"/>
-                </a:solidFill>
-                <a:effectLst/>
-                <a:latin typeface="Calibri" panose="020F0502020204030204" pitchFamily="34" charset="0"/>
-              </a:rPr>
-              <a:t>': {'color': '#4D5663'},</a:t>
-            </a:r>
-          </a:p>
-          <a:p>
-            <a:pPr marL="114300" indent="0">
-              <a:spcBef>
-                <a:spcPts val="0"/>
-              </a:spcBef>
-              <a:buNone/>
-            </a:pPr>
-            <a:r>
-              <a:rPr lang="en-US" sz="1600" dirty="0" smtClean="0">
-                <a:solidFill>
-                  <a:srgbClr val="000000"/>
-                </a:solidFill>
-                <a:effectLst/>
-                <a:latin typeface="Calibri" panose="020F0502020204030204" pitchFamily="34" charset="0"/>
-              </a:rPr>
-              <a:t> 'xaxis1': {'</a:t>
-            </a:r>
-            <a:r>
-              <a:rPr lang="en-US" sz="1600" dirty="0" err="1" smtClean="0">
-                <a:solidFill>
-                  <a:srgbClr val="000000"/>
-                </a:solidFill>
-                <a:effectLst/>
-                <a:latin typeface="Calibri" panose="020F0502020204030204" pitchFamily="34" charset="0"/>
-              </a:rPr>
-              <a:t>gridcolor</a:t>
-            </a:r>
-            <a:r>
-              <a:rPr lang="en-US" sz="1600" dirty="0" smtClean="0">
-                <a:solidFill>
-                  <a:srgbClr val="000000"/>
-                </a:solidFill>
-                <a:effectLst/>
-                <a:latin typeface="Calibri" panose="020F0502020204030204" pitchFamily="34" charset="0"/>
-              </a:rPr>
-              <a:t>': '#E1E5ED',</a:t>
-            </a:r>
-          </a:p>
-          <a:p>
-            <a:pPr marL="114300" indent="0">
-              <a:spcBef>
-                <a:spcPts val="0"/>
-              </a:spcBef>
-              <a:buNone/>
-            </a:pPr>
-            <a:r>
-              <a:rPr lang="en-US" sz="1600" dirty="0" smtClean="0">
-                <a:solidFill>
-                  <a:srgbClr val="000000"/>
-                </a:solidFill>
-                <a:effectLst/>
-                <a:latin typeface="Calibri" panose="020F0502020204030204" pitchFamily="34" charset="0"/>
-              </a:rPr>
-              <a:t>  '</a:t>
-            </a:r>
-            <a:r>
-              <a:rPr lang="en-US" sz="1600" dirty="0" err="1" smtClean="0">
-                <a:solidFill>
-                  <a:srgbClr val="000000"/>
-                </a:solidFill>
-                <a:effectLst/>
-                <a:latin typeface="Calibri" panose="020F0502020204030204" pitchFamily="34" charset="0"/>
-              </a:rPr>
-              <a:t>showgrid</a:t>
-            </a:r>
-            <a:r>
-              <a:rPr lang="en-US" sz="1600" dirty="0" smtClean="0">
-                <a:solidFill>
-                  <a:srgbClr val="000000"/>
-                </a:solidFill>
-                <a:effectLst/>
-                <a:latin typeface="Calibri" panose="020F0502020204030204" pitchFamily="34" charset="0"/>
-              </a:rPr>
-              <a:t>': True,</a:t>
-            </a:r>
-          </a:p>
-          <a:p>
-            <a:pPr marL="114300" indent="0">
-              <a:spcBef>
-                <a:spcPts val="0"/>
-              </a:spcBef>
-              <a:buNone/>
-            </a:pPr>
-            <a:r>
-              <a:rPr lang="en-US" sz="1600" dirty="0" smtClean="0">
-                <a:solidFill>
-                  <a:srgbClr val="000000"/>
-                </a:solidFill>
-                <a:effectLst/>
-                <a:latin typeface="Calibri" panose="020F0502020204030204" pitchFamily="34" charset="0"/>
-              </a:rPr>
-              <a:t>  '</a:t>
-            </a:r>
-            <a:r>
-              <a:rPr lang="en-US" sz="1600" dirty="0" err="1" smtClean="0">
-                <a:solidFill>
-                  <a:srgbClr val="000000"/>
-                </a:solidFill>
-                <a:effectLst/>
-                <a:latin typeface="Calibri" panose="020F0502020204030204" pitchFamily="34" charset="0"/>
-              </a:rPr>
-              <a:t>tickfont</a:t>
-            </a:r>
-            <a:r>
-              <a:rPr lang="en-US" sz="1600" dirty="0" smtClean="0">
-                <a:solidFill>
-                  <a:srgbClr val="000000"/>
-                </a:solidFill>
-                <a:effectLst/>
-                <a:latin typeface="Calibri" panose="020F0502020204030204" pitchFamily="34" charset="0"/>
-              </a:rPr>
-              <a:t>': {'color': '#4D5663'},</a:t>
-            </a:r>
-          </a:p>
-          <a:p>
-            <a:pPr marL="114300" indent="0">
-              <a:spcBef>
-                <a:spcPts val="0"/>
-              </a:spcBef>
-              <a:buNone/>
-            </a:pPr>
-            <a:r>
-              <a:rPr lang="en-US" sz="1600" dirty="0" smtClean="0">
-                <a:solidFill>
-                  <a:srgbClr val="000000"/>
-                </a:solidFill>
-                <a:effectLst/>
-                <a:latin typeface="Calibri" panose="020F0502020204030204" pitchFamily="34" charset="0"/>
-              </a:rPr>
-              <a:t>  'title': '',</a:t>
-            </a:r>
-          </a:p>
-          <a:p>
-            <a:pPr marL="114300" indent="0">
-              <a:spcBef>
-                <a:spcPts val="0"/>
-              </a:spcBef>
-              <a:buNone/>
-            </a:pPr>
-            <a:r>
-              <a:rPr lang="en-US" sz="1600" dirty="0" smtClean="0">
-                <a:solidFill>
-                  <a:srgbClr val="000000"/>
-                </a:solidFill>
-                <a:effectLst/>
-                <a:latin typeface="Calibri" panose="020F0502020204030204" pitchFamily="34" charset="0"/>
-              </a:rPr>
-              <a:t>  '</a:t>
-            </a:r>
-            <a:r>
-              <a:rPr lang="en-US" sz="1600" dirty="0" err="1" smtClean="0">
-                <a:solidFill>
-                  <a:srgbClr val="000000"/>
-                </a:solidFill>
-                <a:effectLst/>
-                <a:latin typeface="Calibri" panose="020F0502020204030204" pitchFamily="34" charset="0"/>
-              </a:rPr>
-              <a:t>titlefont</a:t>
-            </a:r>
-            <a:r>
-              <a:rPr lang="en-US" sz="1600" dirty="0" smtClean="0">
-                <a:solidFill>
-                  <a:srgbClr val="000000"/>
-                </a:solidFill>
-                <a:effectLst/>
-                <a:latin typeface="Calibri" panose="020F0502020204030204" pitchFamily="34" charset="0"/>
-              </a:rPr>
-              <a:t>': {'color': '#4D5663'},</a:t>
-            </a:r>
-          </a:p>
-          <a:p>
-            <a:pPr marL="114300" indent="0">
-              <a:spcBef>
-                <a:spcPts val="0"/>
-              </a:spcBef>
-              <a:buNone/>
-            </a:pPr>
-            <a:r>
-              <a:rPr lang="en-US" sz="1600" dirty="0" smtClean="0">
-                <a:solidFill>
-                  <a:srgbClr val="000000"/>
-                </a:solidFill>
-                <a:effectLst/>
-                <a:latin typeface="Calibri" panose="020F0502020204030204" pitchFamily="34" charset="0"/>
-              </a:rPr>
-              <a:t>  '</a:t>
-            </a:r>
-            <a:r>
-              <a:rPr lang="en-US" sz="1600" dirty="0" err="1" smtClean="0">
-                <a:solidFill>
-                  <a:srgbClr val="000000"/>
-                </a:solidFill>
-                <a:effectLst/>
-                <a:latin typeface="Calibri" panose="020F0502020204030204" pitchFamily="34" charset="0"/>
-              </a:rPr>
-              <a:t>zerolinecolor</a:t>
-            </a:r>
-            <a:r>
-              <a:rPr lang="en-US" sz="1600" dirty="0" smtClean="0">
-                <a:solidFill>
-                  <a:srgbClr val="000000"/>
-                </a:solidFill>
-                <a:effectLst/>
-                <a:latin typeface="Calibri" panose="020F0502020204030204" pitchFamily="34" charset="0"/>
-              </a:rPr>
-              <a:t>': '#E1E5ED'},</a:t>
-            </a:r>
-          </a:p>
-          <a:p>
-            <a:pPr marL="114300" indent="0">
-              <a:spcBef>
-                <a:spcPts val="0"/>
-              </a:spcBef>
-              <a:buNone/>
-            </a:pPr>
-            <a:r>
-              <a:rPr lang="en-US" sz="1600" dirty="0" smtClean="0">
-                <a:solidFill>
-                  <a:srgbClr val="000000"/>
-                </a:solidFill>
-                <a:effectLst/>
-                <a:latin typeface="Calibri" panose="020F0502020204030204" pitchFamily="34" charset="0"/>
-              </a:rPr>
-              <a:t> 'yaxis1': {'</a:t>
-            </a:r>
-            <a:r>
-              <a:rPr lang="en-US" sz="1600" dirty="0" err="1" smtClean="0">
-                <a:solidFill>
-                  <a:srgbClr val="000000"/>
-                </a:solidFill>
-                <a:effectLst/>
-                <a:latin typeface="Calibri" panose="020F0502020204030204" pitchFamily="34" charset="0"/>
-              </a:rPr>
-              <a:t>gridcolor</a:t>
-            </a:r>
-            <a:r>
-              <a:rPr lang="en-US" sz="1600" dirty="0" smtClean="0">
-                <a:solidFill>
-                  <a:srgbClr val="000000"/>
-                </a:solidFill>
-                <a:effectLst/>
-                <a:latin typeface="Calibri" panose="020F0502020204030204" pitchFamily="34" charset="0"/>
-              </a:rPr>
-              <a:t>': '#E1E5ED',</a:t>
-            </a:r>
-          </a:p>
-          <a:p>
-            <a:pPr marL="114300" indent="0">
-              <a:spcBef>
-                <a:spcPts val="0"/>
-              </a:spcBef>
-              <a:buNone/>
-            </a:pPr>
-            <a:r>
-              <a:rPr lang="en-US" sz="1600" dirty="0" smtClean="0">
-                <a:solidFill>
-                  <a:srgbClr val="000000"/>
-                </a:solidFill>
-                <a:effectLst/>
-                <a:latin typeface="Calibri" panose="020F0502020204030204" pitchFamily="34" charset="0"/>
-              </a:rPr>
-              <a:t>  '</a:t>
-            </a:r>
-            <a:r>
-              <a:rPr lang="en-US" sz="1600" dirty="0" err="1" smtClean="0">
-                <a:solidFill>
-                  <a:srgbClr val="000000"/>
-                </a:solidFill>
-                <a:effectLst/>
-                <a:latin typeface="Calibri" panose="020F0502020204030204" pitchFamily="34" charset="0"/>
-              </a:rPr>
-              <a:t>showgrid</a:t>
-            </a:r>
-            <a:r>
-              <a:rPr lang="en-US" sz="1600" dirty="0" smtClean="0">
-                <a:solidFill>
-                  <a:srgbClr val="000000"/>
-                </a:solidFill>
-                <a:effectLst/>
-                <a:latin typeface="Calibri" panose="020F0502020204030204" pitchFamily="34" charset="0"/>
-              </a:rPr>
-              <a:t>': True,</a:t>
-            </a:r>
-          </a:p>
-          <a:p>
-            <a:pPr marL="114300" indent="0">
-              <a:spcBef>
-                <a:spcPts val="0"/>
-              </a:spcBef>
-              <a:buNone/>
-            </a:pPr>
-            <a:r>
-              <a:rPr lang="en-US" sz="1600" dirty="0" smtClean="0">
-                <a:solidFill>
-                  <a:srgbClr val="000000"/>
-                </a:solidFill>
-                <a:effectLst/>
-                <a:latin typeface="Calibri" panose="020F0502020204030204" pitchFamily="34" charset="0"/>
-              </a:rPr>
-              <a:t>  '</a:t>
-            </a:r>
-            <a:r>
-              <a:rPr lang="en-US" sz="1600" dirty="0" err="1" smtClean="0">
-                <a:solidFill>
-                  <a:srgbClr val="000000"/>
-                </a:solidFill>
-                <a:effectLst/>
-                <a:latin typeface="Calibri" panose="020F0502020204030204" pitchFamily="34" charset="0"/>
-              </a:rPr>
-              <a:t>tickfont</a:t>
-            </a:r>
-            <a:r>
-              <a:rPr lang="en-US" sz="1600" dirty="0" smtClean="0">
-                <a:solidFill>
-                  <a:srgbClr val="000000"/>
-                </a:solidFill>
-                <a:effectLst/>
-                <a:latin typeface="Calibri" panose="020F0502020204030204" pitchFamily="34" charset="0"/>
-              </a:rPr>
-              <a:t>': {'color': '#4D5663'},</a:t>
-            </a:r>
-          </a:p>
-          <a:p>
-            <a:pPr marL="114300" indent="0">
-              <a:spcBef>
-                <a:spcPts val="0"/>
-              </a:spcBef>
-              <a:buNone/>
-            </a:pPr>
-            <a:r>
-              <a:rPr lang="en-US" sz="1600" dirty="0" smtClean="0">
-                <a:solidFill>
-                  <a:srgbClr val="000000"/>
-                </a:solidFill>
-                <a:effectLst/>
-                <a:latin typeface="Calibri" panose="020F0502020204030204" pitchFamily="34" charset="0"/>
-              </a:rPr>
-              <a:t>  'title': '',</a:t>
-            </a:r>
-          </a:p>
-          <a:p>
-            <a:pPr marL="114300" indent="0">
-              <a:spcBef>
-                <a:spcPts val="0"/>
-              </a:spcBef>
-              <a:buNone/>
-            </a:pPr>
-            <a:r>
-              <a:rPr lang="en-US" sz="1600" dirty="0" smtClean="0">
-                <a:solidFill>
-                  <a:srgbClr val="000000"/>
-                </a:solidFill>
-                <a:effectLst/>
-                <a:latin typeface="Calibri" panose="020F0502020204030204" pitchFamily="34" charset="0"/>
-              </a:rPr>
-              <a:t> </a:t>
-            </a:r>
-          </a:p>
-          <a:p>
-            <a:pPr marL="0" indent="0">
-              <a:buNone/>
-            </a:pPr>
-            <a:endParaRPr lang="en-US" sz="1600" dirty="0"/>
+              <a:rPr lang="en-US" sz="1200" dirty="0">
+                <a:solidFill>
+                  <a:srgbClr val="000000"/>
+                </a:solidFill>
+                <a:latin typeface="Courier New" panose="02070309020205020404" pitchFamily="49" charset="0"/>
+                <a:ea typeface="Times New Roman" panose="02020603050405020304" pitchFamily="18" charset="0"/>
+                <a:cs typeface="Arial" panose="020B0604020202020204" pitchFamily="34" charset="0"/>
+              </a:rPr>
+              <a:t>(</a:t>
+            </a:r>
+            <a:r>
+              <a:rPr lang="en-US" sz="1200" dirty="0">
+                <a:solidFill>
+                  <a:srgbClr val="660099"/>
+                </a:solidFill>
+                <a:latin typeface="Courier New" panose="02070309020205020404" pitchFamily="49" charset="0"/>
+                <a:ea typeface="Times New Roman" panose="02020603050405020304" pitchFamily="18" charset="0"/>
+                <a:cs typeface="Arial" panose="020B0604020202020204" pitchFamily="34" charset="0"/>
+              </a:rPr>
+              <a:t>title</a:t>
+            </a:r>
+            <a:r>
+              <a:rPr lang="en-US" sz="1200" dirty="0">
+                <a:solidFill>
+                  <a:srgbClr val="000000"/>
+                </a:solidFill>
+                <a:latin typeface="Courier New" panose="02070309020205020404" pitchFamily="49" charset="0"/>
+                <a:ea typeface="Times New Roman" panose="02020603050405020304" pitchFamily="18" charset="0"/>
+                <a:cs typeface="Arial" panose="020B0604020202020204" pitchFamily="34" charset="0"/>
+              </a:rPr>
+              <a:t>=</a:t>
+            </a:r>
+            <a:r>
+              <a:rPr lang="en-US" sz="1200" b="1" dirty="0">
+                <a:solidFill>
+                  <a:srgbClr val="008080"/>
+                </a:solidFill>
+                <a:latin typeface="Courier New" panose="02070309020205020404" pitchFamily="49" charset="0"/>
+                <a:ea typeface="Times New Roman" panose="02020603050405020304" pitchFamily="18" charset="0"/>
+                <a:cs typeface="Arial" panose="020B0604020202020204" pitchFamily="34" charset="0"/>
+              </a:rPr>
+              <a:t>'hello world'</a:t>
+            </a:r>
+            <a:r>
+              <a:rPr lang="en-US" sz="1200" dirty="0">
+                <a:solidFill>
+                  <a:srgbClr val="000000"/>
+                </a:solidFill>
+                <a:latin typeface="Courier New" panose="02070309020205020404" pitchFamily="49" charset="0"/>
+                <a:ea typeface="Times New Roman" panose="02020603050405020304" pitchFamily="18" charset="0"/>
+                <a:cs typeface="Arial" panose="020B0604020202020204" pitchFamily="34" charset="0"/>
+              </a:rPr>
+              <a:t>,</a:t>
+            </a:r>
+            <a:r>
+              <a:rPr lang="en-US" sz="1200" dirty="0" err="1">
+                <a:solidFill>
+                  <a:srgbClr val="660099"/>
+                </a:solidFill>
+                <a:latin typeface="Courier New" panose="02070309020205020404" pitchFamily="49" charset="0"/>
+                <a:ea typeface="Times New Roman" panose="02020603050405020304" pitchFamily="18" charset="0"/>
+                <a:cs typeface="Arial" panose="020B0604020202020204" pitchFamily="34" charset="0"/>
+              </a:rPr>
+              <a:t>xTitle</a:t>
+            </a:r>
+            <a:r>
+              <a:rPr lang="en-US" sz="1200" dirty="0">
+                <a:solidFill>
+                  <a:srgbClr val="000000"/>
+                </a:solidFill>
+                <a:latin typeface="Courier New" panose="02070309020205020404" pitchFamily="49" charset="0"/>
+                <a:ea typeface="Times New Roman" panose="02020603050405020304" pitchFamily="18" charset="0"/>
+                <a:cs typeface="Arial" panose="020B0604020202020204" pitchFamily="34" charset="0"/>
+              </a:rPr>
+              <a:t>=</a:t>
+            </a:r>
+            <a:r>
+              <a:rPr lang="en-US" sz="1200" b="1" dirty="0">
+                <a:solidFill>
+                  <a:srgbClr val="008080"/>
+                </a:solidFill>
+                <a:latin typeface="Courier New" panose="02070309020205020404" pitchFamily="49" charset="0"/>
+                <a:ea typeface="Times New Roman" panose="02020603050405020304" pitchFamily="18" charset="0"/>
+                <a:cs typeface="Arial" panose="020B0604020202020204" pitchFamily="34" charset="0"/>
+              </a:rPr>
+              <a:t>"my x"</a:t>
+            </a:r>
+            <a:r>
+              <a:rPr lang="en-US" sz="1200" dirty="0">
+                <a:solidFill>
+                  <a:srgbClr val="000000"/>
+                </a:solidFill>
+                <a:latin typeface="Courier New" panose="02070309020205020404" pitchFamily="49" charset="0"/>
+                <a:ea typeface="Times New Roman" panose="02020603050405020304" pitchFamily="18" charset="0"/>
+                <a:cs typeface="Arial" panose="020B0604020202020204" pitchFamily="34" charset="0"/>
+              </a:rPr>
+              <a:t>,</a:t>
+            </a:r>
+            <a:r>
+              <a:rPr lang="en-US" sz="1200" dirty="0" err="1">
+                <a:solidFill>
+                  <a:srgbClr val="660099"/>
+                </a:solidFill>
+                <a:latin typeface="Courier New" panose="02070309020205020404" pitchFamily="49" charset="0"/>
+                <a:ea typeface="Times New Roman" panose="02020603050405020304" pitchFamily="18" charset="0"/>
+                <a:cs typeface="Arial" panose="020B0604020202020204" pitchFamily="34" charset="0"/>
+              </a:rPr>
+              <a:t>yTitle</a:t>
+            </a:r>
+            <a:r>
+              <a:rPr lang="en-US" sz="1200" dirty="0">
+                <a:solidFill>
+                  <a:srgbClr val="000000"/>
+                </a:solidFill>
+                <a:latin typeface="Courier New" panose="02070309020205020404" pitchFamily="49" charset="0"/>
+                <a:ea typeface="Times New Roman" panose="02020603050405020304" pitchFamily="18" charset="0"/>
+                <a:cs typeface="Arial" panose="020B0604020202020204" pitchFamily="34" charset="0"/>
+              </a:rPr>
+              <a:t>=</a:t>
+            </a:r>
+            <a:r>
+              <a:rPr lang="en-US" sz="1200" b="1" dirty="0">
+                <a:solidFill>
+                  <a:srgbClr val="008080"/>
+                </a:solidFill>
+                <a:latin typeface="Courier New" panose="02070309020205020404" pitchFamily="49" charset="0"/>
+                <a:ea typeface="Times New Roman" panose="02020603050405020304" pitchFamily="18" charset="0"/>
+                <a:cs typeface="Arial" panose="020B0604020202020204" pitchFamily="34" charset="0"/>
+              </a:rPr>
+              <a:t>'my y'</a:t>
+            </a:r>
+            <a:r>
+              <a:rPr lang="en-US" sz="1200" dirty="0">
+                <a:solidFill>
+                  <a:srgbClr val="000000"/>
+                </a:solidFill>
+                <a:latin typeface="Courier New" panose="02070309020205020404" pitchFamily="49" charset="0"/>
+                <a:ea typeface="Times New Roman" panose="02020603050405020304" pitchFamily="18" charset="0"/>
+                <a:cs typeface="Arial" panose="020B0604020202020204" pitchFamily="34" charset="0"/>
+              </a:rPr>
+              <a:t>)</a:t>
+            </a:r>
+            <a:br>
+              <a:rPr lang="en-US" sz="1200" dirty="0">
+                <a:solidFill>
+                  <a:srgbClr val="000000"/>
+                </a:solidFill>
+                <a:latin typeface="Courier New" panose="02070309020205020404" pitchFamily="49" charset="0"/>
+                <a:ea typeface="Times New Roman" panose="02020603050405020304" pitchFamily="18" charset="0"/>
+                <a:cs typeface="Arial" panose="020B0604020202020204" pitchFamily="34" charset="0"/>
+              </a:rPr>
+            </a:br>
+            <a:r>
+              <a:rPr lang="en-US" sz="1200" dirty="0" err="1">
+                <a:solidFill>
+                  <a:srgbClr val="000000"/>
+                </a:solidFill>
+                <a:latin typeface="Courier New" panose="02070309020205020404" pitchFamily="49" charset="0"/>
+                <a:ea typeface="Times New Roman" panose="02020603050405020304" pitchFamily="18" charset="0"/>
+                <a:cs typeface="Arial" panose="020B0604020202020204" pitchFamily="34" charset="0"/>
+              </a:rPr>
+              <a:t>py.offline.plot</a:t>
+            </a:r>
+            <a:r>
+              <a:rPr lang="en-US" sz="1200" dirty="0">
+                <a:solidFill>
+                  <a:srgbClr val="000000"/>
+                </a:solidFill>
+                <a:latin typeface="Courier New" panose="02070309020205020404" pitchFamily="49" charset="0"/>
+                <a:ea typeface="Times New Roman" panose="02020603050405020304" pitchFamily="18" charset="0"/>
+                <a:cs typeface="Arial" panose="020B0604020202020204" pitchFamily="34" charset="0"/>
+              </a:rPr>
+              <a:t>(</a:t>
+            </a:r>
+            <a:r>
+              <a:rPr lang="en-US" sz="1200" dirty="0" err="1">
+                <a:solidFill>
+                  <a:srgbClr val="000080"/>
+                </a:solidFill>
+                <a:latin typeface="Courier New" panose="02070309020205020404" pitchFamily="49" charset="0"/>
+                <a:ea typeface="Times New Roman" panose="02020603050405020304" pitchFamily="18" charset="0"/>
+                <a:cs typeface="Arial" panose="020B0604020202020204" pitchFamily="34" charset="0"/>
+              </a:rPr>
+              <a:t>dict</a:t>
+            </a:r>
+            <a:r>
+              <a:rPr lang="en-US" sz="1200" dirty="0">
+                <a:solidFill>
+                  <a:srgbClr val="000000"/>
+                </a:solidFill>
+                <a:latin typeface="Courier New" panose="02070309020205020404" pitchFamily="49" charset="0"/>
+                <a:ea typeface="Times New Roman" panose="02020603050405020304" pitchFamily="18" charset="0"/>
+                <a:cs typeface="Arial" panose="020B0604020202020204" pitchFamily="34" charset="0"/>
+              </a:rPr>
+              <a:t>(</a:t>
+            </a:r>
+            <a:r>
+              <a:rPr lang="en-US" sz="1200" dirty="0">
+                <a:solidFill>
+                  <a:srgbClr val="660099"/>
+                </a:solidFill>
+                <a:latin typeface="Courier New" panose="02070309020205020404" pitchFamily="49" charset="0"/>
+                <a:ea typeface="Times New Roman" panose="02020603050405020304" pitchFamily="18" charset="0"/>
+                <a:cs typeface="Arial" panose="020B0604020202020204" pitchFamily="34" charset="0"/>
+              </a:rPr>
+              <a:t>data</a:t>
+            </a:r>
+            <a:r>
+              <a:rPr lang="en-US" sz="1200" dirty="0">
+                <a:solidFill>
+                  <a:srgbClr val="000000"/>
+                </a:solidFill>
+                <a:latin typeface="Courier New" panose="02070309020205020404" pitchFamily="49" charset="0"/>
+                <a:ea typeface="Times New Roman" panose="02020603050405020304" pitchFamily="18" charset="0"/>
+                <a:cs typeface="Arial" panose="020B0604020202020204" pitchFamily="34" charset="0"/>
+              </a:rPr>
+              <a:t>=</a:t>
+            </a:r>
+            <a:r>
+              <a:rPr lang="en-US" sz="1200" dirty="0" err="1">
+                <a:solidFill>
+                  <a:srgbClr val="000000"/>
+                </a:solidFill>
+                <a:latin typeface="Courier New" panose="02070309020205020404" pitchFamily="49" charset="0"/>
+                <a:ea typeface="Times New Roman" panose="02020603050405020304" pitchFamily="18" charset="0"/>
+                <a:cs typeface="Arial" panose="020B0604020202020204" pitchFamily="34" charset="0"/>
+              </a:rPr>
+              <a:t>data,</a:t>
+            </a:r>
+            <a:r>
+              <a:rPr lang="en-US" sz="1200" dirty="0" err="1">
+                <a:solidFill>
+                  <a:srgbClr val="660099"/>
+                </a:solidFill>
+                <a:latin typeface="Courier New" panose="02070309020205020404" pitchFamily="49" charset="0"/>
+                <a:ea typeface="Times New Roman" panose="02020603050405020304" pitchFamily="18" charset="0"/>
+                <a:cs typeface="Arial" panose="020B0604020202020204" pitchFamily="34" charset="0"/>
+              </a:rPr>
+              <a:t>layout</a:t>
+            </a:r>
+            <a:r>
+              <a:rPr lang="en-US" sz="1200" dirty="0">
+                <a:solidFill>
+                  <a:srgbClr val="000000"/>
+                </a:solidFill>
+                <a:latin typeface="Courier New" panose="02070309020205020404" pitchFamily="49" charset="0"/>
+                <a:ea typeface="Times New Roman" panose="02020603050405020304" pitchFamily="18" charset="0"/>
+                <a:cs typeface="Arial" panose="020B0604020202020204" pitchFamily="34" charset="0"/>
+              </a:rPr>
+              <a:t>=layout),</a:t>
+            </a:r>
+            <a:r>
+              <a:rPr lang="en-US" sz="1200" dirty="0">
+                <a:solidFill>
+                  <a:srgbClr val="660099"/>
+                </a:solidFill>
+                <a:latin typeface="Courier New" panose="02070309020205020404" pitchFamily="49" charset="0"/>
+                <a:ea typeface="Times New Roman" panose="02020603050405020304" pitchFamily="18" charset="0"/>
+                <a:cs typeface="Arial" panose="020B0604020202020204" pitchFamily="34" charset="0"/>
+              </a:rPr>
+              <a:t>config</a:t>
+            </a:r>
+            <a:r>
+              <a:rPr lang="en-US" sz="1200" dirty="0">
+                <a:solidFill>
+                  <a:srgbClr val="000000"/>
+                </a:solidFill>
+                <a:latin typeface="Courier New" panose="02070309020205020404" pitchFamily="49" charset="0"/>
+                <a:ea typeface="Times New Roman" panose="02020603050405020304" pitchFamily="18" charset="0"/>
+                <a:cs typeface="Arial" panose="020B0604020202020204" pitchFamily="34" charset="0"/>
+              </a:rPr>
+              <a:t>={</a:t>
+            </a:r>
+            <a:r>
+              <a:rPr lang="en-US" sz="1200" b="1" dirty="0">
+                <a:solidFill>
+                  <a:srgbClr val="008080"/>
+                </a:solidFill>
+                <a:latin typeface="Courier New" panose="02070309020205020404" pitchFamily="49" charset="0"/>
+                <a:ea typeface="Times New Roman" panose="02020603050405020304" pitchFamily="18" charset="0"/>
+                <a:cs typeface="Arial" panose="020B0604020202020204" pitchFamily="34" charset="0"/>
+              </a:rPr>
+              <a:t>'</a:t>
+            </a:r>
+            <a:r>
+              <a:rPr lang="en-US" sz="1200" b="1" dirty="0" err="1">
+                <a:solidFill>
+                  <a:srgbClr val="008080"/>
+                </a:solidFill>
+                <a:latin typeface="Courier New" panose="02070309020205020404" pitchFamily="49" charset="0"/>
+                <a:ea typeface="Times New Roman" panose="02020603050405020304" pitchFamily="18" charset="0"/>
+                <a:cs typeface="Arial" panose="020B0604020202020204" pitchFamily="34" charset="0"/>
+              </a:rPr>
+              <a:t>editable'</a:t>
+            </a:r>
+            <a:r>
+              <a:rPr lang="en-US" sz="1200" dirty="0" err="1">
+                <a:solidFill>
+                  <a:srgbClr val="000000"/>
+                </a:solidFill>
+                <a:latin typeface="Courier New" panose="02070309020205020404" pitchFamily="49" charset="0"/>
+                <a:ea typeface="Times New Roman" panose="02020603050405020304" pitchFamily="18" charset="0"/>
+                <a:cs typeface="Arial" panose="020B0604020202020204" pitchFamily="34" charset="0"/>
+              </a:rPr>
+              <a:t>:</a:t>
+            </a:r>
+            <a:r>
+              <a:rPr lang="en-US" sz="1200" b="1" dirty="0" err="1">
+                <a:solidFill>
+                  <a:srgbClr val="000080"/>
+                </a:solidFill>
+                <a:latin typeface="Courier New" panose="02070309020205020404" pitchFamily="49" charset="0"/>
+                <a:ea typeface="Times New Roman" panose="02020603050405020304" pitchFamily="18" charset="0"/>
+                <a:cs typeface="Arial" panose="020B0604020202020204" pitchFamily="34" charset="0"/>
+              </a:rPr>
+              <a:t>True</a:t>
+            </a:r>
+            <a:r>
+              <a:rPr lang="en-US" sz="1200" dirty="0" smtClean="0">
+                <a:solidFill>
+                  <a:srgbClr val="000000"/>
+                </a:solidFill>
+                <a:latin typeface="Courier New" panose="02070309020205020404" pitchFamily="49" charset="0"/>
+                <a:ea typeface="Times New Roman" panose="02020603050405020304" pitchFamily="18" charset="0"/>
+                <a:cs typeface="Arial" panose="020B0604020202020204" pitchFamily="34" charset="0"/>
+              </a:rPr>
+              <a:t>})</a:t>
+            </a:r>
+            <a:endParaRPr lang="en-US" sz="5400" dirty="0" smtClean="0">
+              <a:latin typeface="Calibri" panose="020F0502020204030204" pitchFamily="34" charset="0"/>
+              <a:ea typeface="Calibri" panose="020F0502020204030204" pitchFamily="34" charset="0"/>
+              <a:cs typeface="Arial" panose="020B0604020202020204" pitchFamily="34" charset="0"/>
+            </a:endParaRPr>
           </a:p>
         </p:txBody>
       </p:sp>
     </p:spTree>
     <p:extLst>
       <p:ext uri="{BB962C8B-B14F-4D97-AF65-F5344CB8AC3E}">
-        <p14:creationId xmlns:p14="http://schemas.microsoft.com/office/powerpoint/2010/main" val="4259510154"/>
+        <p14:creationId xmlns:p14="http://schemas.microsoft.com/office/powerpoint/2010/main" val="1894746647"/>
       </p:ext>
     </p:extLst>
   </p:cSld>
   <p:clrMapOvr>
     <a:masterClrMapping/>
   </p:clrMapOvr>
-  <p:timing>
-    <p:tnLst>
-      <p:par>
-        <p:cTn id="1" dur="indefinite" restart="never" nodeType="tmRoot"/>
-      </p:par>
-    </p:tnLst>
-  </p:timing>
 </p:sld>
 </file>
 
@@ -8662,6 +10926,638 @@
           <a:p>
             <a:r>
               <a:rPr lang="en-US" dirty="0" smtClean="0"/>
+              <a:t>layout colors</a:t>
+            </a:r>
+            <a:endParaRPr lang="en-US" dirty="0"/>
+          </a:p>
+        </p:txBody>
+      </p:sp>
+      <p:sp>
+        <p:nvSpPr>
+          <p:cNvPr id="3" name="Content Placeholder 2"/>
+          <p:cNvSpPr>
+            <a:spLocks noGrp="1"/>
+          </p:cNvSpPr>
+          <p:nvPr>
+            <p:ph idx="1"/>
+          </p:nvPr>
+        </p:nvSpPr>
+        <p:spPr/>
+        <p:txBody>
+          <a:bodyPr>
+            <a:noAutofit/>
+          </a:bodyPr>
+          <a:lstStyle/>
+          <a:p>
+            <a:pPr marL="0" indent="0">
+              <a:spcBef>
+                <a:spcPts val="0"/>
+              </a:spcBef>
+              <a:buNone/>
+            </a:pPr>
+            <a:r>
+              <a:rPr lang="en-US" sz="1600" dirty="0" smtClean="0">
+                <a:solidFill>
+                  <a:srgbClr val="000000"/>
+                </a:solidFill>
+                <a:effectLst/>
+                <a:latin typeface="Calibri" panose="020F0502020204030204" pitchFamily="34" charset="0"/>
+              </a:rPr>
+              <a:t>print(</a:t>
+            </a:r>
+            <a:r>
+              <a:rPr lang="en-US" sz="1600" dirty="0" err="1" smtClean="0">
+                <a:solidFill>
+                  <a:srgbClr val="000000"/>
+                </a:solidFill>
+                <a:effectLst/>
+                <a:latin typeface="Calibri" panose="020F0502020204030204" pitchFamily="34" charset="0"/>
+              </a:rPr>
+              <a:t>cufflinks.getLayout</a:t>
+            </a:r>
+            <a:r>
+              <a:rPr lang="en-US" sz="1600" dirty="0" smtClean="0">
+                <a:solidFill>
+                  <a:srgbClr val="000000"/>
+                </a:solidFill>
+                <a:effectLst/>
+                <a:latin typeface="Calibri" panose="020F0502020204030204" pitchFamily="34" charset="0"/>
+              </a:rPr>
+              <a:t>())</a:t>
+            </a:r>
+          </a:p>
+          <a:p>
+            <a:pPr marL="114300" indent="0">
+              <a:spcBef>
+                <a:spcPts val="0"/>
+              </a:spcBef>
+              <a:buNone/>
+            </a:pPr>
+            <a:r>
+              <a:rPr lang="en-US" sz="1600" dirty="0" smtClean="0">
+                <a:solidFill>
+                  <a:srgbClr val="000000"/>
+                </a:solidFill>
+                <a:effectLst/>
+                <a:latin typeface="Calibri" panose="020F0502020204030204" pitchFamily="34" charset="0"/>
+              </a:rPr>
+              <a:t>{'legend': {'</a:t>
+            </a:r>
+            <a:r>
+              <a:rPr lang="en-US" sz="1600" dirty="0" err="1" smtClean="0">
+                <a:solidFill>
+                  <a:srgbClr val="000000"/>
+                </a:solidFill>
+                <a:effectLst/>
+                <a:latin typeface="Calibri" panose="020F0502020204030204" pitchFamily="34" charset="0"/>
+              </a:rPr>
+              <a:t>bgcolor</a:t>
+            </a:r>
+            <a:r>
+              <a:rPr lang="en-US" sz="1600" dirty="0" smtClean="0">
+                <a:solidFill>
+                  <a:srgbClr val="000000"/>
+                </a:solidFill>
+                <a:effectLst/>
+                <a:latin typeface="Calibri" panose="020F0502020204030204" pitchFamily="34" charset="0"/>
+              </a:rPr>
+              <a:t>': '#F5F6F9', 'font': {'color': '#4D5663'}},</a:t>
+            </a:r>
+          </a:p>
+          <a:p>
+            <a:pPr marL="114300" indent="0">
+              <a:spcBef>
+                <a:spcPts val="0"/>
+              </a:spcBef>
+              <a:buNone/>
+            </a:pPr>
+            <a:r>
+              <a:rPr lang="en-US" sz="1600" dirty="0" smtClean="0">
+                <a:solidFill>
+                  <a:srgbClr val="000000"/>
+                </a:solidFill>
+                <a:effectLst/>
+                <a:latin typeface="Calibri" panose="020F0502020204030204" pitchFamily="34" charset="0"/>
+              </a:rPr>
+              <a:t> '</a:t>
+            </a:r>
+            <a:r>
+              <a:rPr lang="en-US" sz="1600" dirty="0" err="1" smtClean="0">
+                <a:solidFill>
+                  <a:srgbClr val="000000"/>
+                </a:solidFill>
+                <a:effectLst/>
+                <a:latin typeface="Calibri" panose="020F0502020204030204" pitchFamily="34" charset="0"/>
+              </a:rPr>
+              <a:t>paper_bgcolor</a:t>
+            </a:r>
+            <a:r>
+              <a:rPr lang="en-US" sz="1600" dirty="0" smtClean="0">
+                <a:solidFill>
+                  <a:srgbClr val="000000"/>
+                </a:solidFill>
+                <a:effectLst/>
+                <a:latin typeface="Calibri" panose="020F0502020204030204" pitchFamily="34" charset="0"/>
+              </a:rPr>
+              <a:t>': '#F5F6F9',</a:t>
+            </a:r>
+          </a:p>
+          <a:p>
+            <a:pPr marL="114300" indent="0">
+              <a:spcBef>
+                <a:spcPts val="0"/>
+              </a:spcBef>
+              <a:buNone/>
+            </a:pPr>
+            <a:r>
+              <a:rPr lang="en-US" sz="1600" dirty="0" smtClean="0">
+                <a:solidFill>
+                  <a:srgbClr val="000000"/>
+                </a:solidFill>
+                <a:effectLst/>
+                <a:latin typeface="Calibri" panose="020F0502020204030204" pitchFamily="34" charset="0"/>
+              </a:rPr>
+              <a:t> '</a:t>
+            </a:r>
+            <a:r>
+              <a:rPr lang="en-US" sz="1600" dirty="0" err="1" smtClean="0">
+                <a:solidFill>
+                  <a:srgbClr val="000000"/>
+                </a:solidFill>
+                <a:effectLst/>
+                <a:latin typeface="Calibri" panose="020F0502020204030204" pitchFamily="34" charset="0"/>
+              </a:rPr>
+              <a:t>plot_bgcolor</a:t>
+            </a:r>
+            <a:r>
+              <a:rPr lang="en-US" sz="1600" dirty="0" smtClean="0">
+                <a:solidFill>
+                  <a:srgbClr val="000000"/>
+                </a:solidFill>
+                <a:effectLst/>
+                <a:latin typeface="Calibri" panose="020F0502020204030204" pitchFamily="34" charset="0"/>
+              </a:rPr>
+              <a:t>': '#F5F6F9',</a:t>
+            </a:r>
+          </a:p>
+          <a:p>
+            <a:pPr marL="114300" indent="0">
+              <a:spcBef>
+                <a:spcPts val="0"/>
+              </a:spcBef>
+              <a:buNone/>
+            </a:pPr>
+            <a:r>
+              <a:rPr lang="en-US" sz="1600" dirty="0" smtClean="0">
+                <a:solidFill>
+                  <a:srgbClr val="000000"/>
+                </a:solidFill>
+                <a:effectLst/>
+                <a:latin typeface="Calibri" panose="020F0502020204030204" pitchFamily="34" charset="0"/>
+              </a:rPr>
+              <a:t> '</a:t>
+            </a:r>
+            <a:r>
+              <a:rPr lang="en-US" sz="1600" dirty="0" err="1" smtClean="0">
+                <a:solidFill>
+                  <a:srgbClr val="000000"/>
+                </a:solidFill>
+                <a:effectLst/>
+                <a:latin typeface="Calibri" panose="020F0502020204030204" pitchFamily="34" charset="0"/>
+              </a:rPr>
+              <a:t>titlefont</a:t>
+            </a:r>
+            <a:r>
+              <a:rPr lang="en-US" sz="1600" dirty="0" smtClean="0">
+                <a:solidFill>
+                  <a:srgbClr val="000000"/>
+                </a:solidFill>
+                <a:effectLst/>
+                <a:latin typeface="Calibri" panose="020F0502020204030204" pitchFamily="34" charset="0"/>
+              </a:rPr>
+              <a:t>': {'color': '#4D5663'},</a:t>
+            </a:r>
+          </a:p>
+          <a:p>
+            <a:pPr marL="114300" indent="0">
+              <a:spcBef>
+                <a:spcPts val="0"/>
+              </a:spcBef>
+              <a:buNone/>
+            </a:pPr>
+            <a:r>
+              <a:rPr lang="en-US" sz="1600" dirty="0" smtClean="0">
+                <a:solidFill>
+                  <a:srgbClr val="000000"/>
+                </a:solidFill>
+                <a:effectLst/>
+                <a:latin typeface="Calibri" panose="020F0502020204030204" pitchFamily="34" charset="0"/>
+              </a:rPr>
+              <a:t> 'xaxis1': {'</a:t>
+            </a:r>
+            <a:r>
+              <a:rPr lang="en-US" sz="1600" dirty="0" err="1" smtClean="0">
+                <a:solidFill>
+                  <a:srgbClr val="000000"/>
+                </a:solidFill>
+                <a:effectLst/>
+                <a:latin typeface="Calibri" panose="020F0502020204030204" pitchFamily="34" charset="0"/>
+              </a:rPr>
+              <a:t>gridcolor</a:t>
+            </a:r>
+            <a:r>
+              <a:rPr lang="en-US" sz="1600" dirty="0" smtClean="0">
+                <a:solidFill>
+                  <a:srgbClr val="000000"/>
+                </a:solidFill>
+                <a:effectLst/>
+                <a:latin typeface="Calibri" panose="020F0502020204030204" pitchFamily="34" charset="0"/>
+              </a:rPr>
+              <a:t>': '#E1E5ED',</a:t>
+            </a:r>
+          </a:p>
+          <a:p>
+            <a:pPr marL="114300" indent="0">
+              <a:spcBef>
+                <a:spcPts val="0"/>
+              </a:spcBef>
+              <a:buNone/>
+            </a:pPr>
+            <a:r>
+              <a:rPr lang="en-US" sz="1600" dirty="0" smtClean="0">
+                <a:solidFill>
+                  <a:srgbClr val="000000"/>
+                </a:solidFill>
+                <a:effectLst/>
+                <a:latin typeface="Calibri" panose="020F0502020204030204" pitchFamily="34" charset="0"/>
+              </a:rPr>
+              <a:t>  '</a:t>
+            </a:r>
+            <a:r>
+              <a:rPr lang="en-US" sz="1600" dirty="0" err="1" smtClean="0">
+                <a:solidFill>
+                  <a:srgbClr val="000000"/>
+                </a:solidFill>
+                <a:effectLst/>
+                <a:latin typeface="Calibri" panose="020F0502020204030204" pitchFamily="34" charset="0"/>
+              </a:rPr>
+              <a:t>showgrid</a:t>
+            </a:r>
+            <a:r>
+              <a:rPr lang="en-US" sz="1600" dirty="0" smtClean="0">
+                <a:solidFill>
+                  <a:srgbClr val="000000"/>
+                </a:solidFill>
+                <a:effectLst/>
+                <a:latin typeface="Calibri" panose="020F0502020204030204" pitchFamily="34" charset="0"/>
+              </a:rPr>
+              <a:t>': True,</a:t>
+            </a:r>
+          </a:p>
+          <a:p>
+            <a:pPr marL="114300" indent="0">
+              <a:spcBef>
+                <a:spcPts val="0"/>
+              </a:spcBef>
+              <a:buNone/>
+            </a:pPr>
+            <a:r>
+              <a:rPr lang="en-US" sz="1600" dirty="0" smtClean="0">
+                <a:solidFill>
+                  <a:srgbClr val="000000"/>
+                </a:solidFill>
+                <a:effectLst/>
+                <a:latin typeface="Calibri" panose="020F0502020204030204" pitchFamily="34" charset="0"/>
+              </a:rPr>
+              <a:t>  '</a:t>
+            </a:r>
+            <a:r>
+              <a:rPr lang="en-US" sz="1600" dirty="0" err="1" smtClean="0">
+                <a:solidFill>
+                  <a:srgbClr val="000000"/>
+                </a:solidFill>
+                <a:effectLst/>
+                <a:latin typeface="Calibri" panose="020F0502020204030204" pitchFamily="34" charset="0"/>
+              </a:rPr>
+              <a:t>tickfont</a:t>
+            </a:r>
+            <a:r>
+              <a:rPr lang="en-US" sz="1600" dirty="0" smtClean="0">
+                <a:solidFill>
+                  <a:srgbClr val="000000"/>
+                </a:solidFill>
+                <a:effectLst/>
+                <a:latin typeface="Calibri" panose="020F0502020204030204" pitchFamily="34" charset="0"/>
+              </a:rPr>
+              <a:t>': {'color': '#4D5663'},</a:t>
+            </a:r>
+          </a:p>
+          <a:p>
+            <a:pPr marL="114300" indent="0">
+              <a:spcBef>
+                <a:spcPts val="0"/>
+              </a:spcBef>
+              <a:buNone/>
+            </a:pPr>
+            <a:r>
+              <a:rPr lang="en-US" sz="1600" dirty="0" smtClean="0">
+                <a:solidFill>
+                  <a:srgbClr val="000000"/>
+                </a:solidFill>
+                <a:effectLst/>
+                <a:latin typeface="Calibri" panose="020F0502020204030204" pitchFamily="34" charset="0"/>
+              </a:rPr>
+              <a:t>  'title': '',</a:t>
+            </a:r>
+          </a:p>
+          <a:p>
+            <a:pPr marL="114300" indent="0">
+              <a:spcBef>
+                <a:spcPts val="0"/>
+              </a:spcBef>
+              <a:buNone/>
+            </a:pPr>
+            <a:r>
+              <a:rPr lang="en-US" sz="1600" dirty="0" smtClean="0">
+                <a:solidFill>
+                  <a:srgbClr val="000000"/>
+                </a:solidFill>
+                <a:effectLst/>
+                <a:latin typeface="Calibri" panose="020F0502020204030204" pitchFamily="34" charset="0"/>
+              </a:rPr>
+              <a:t>  '</a:t>
+            </a:r>
+            <a:r>
+              <a:rPr lang="en-US" sz="1600" dirty="0" err="1" smtClean="0">
+                <a:solidFill>
+                  <a:srgbClr val="000000"/>
+                </a:solidFill>
+                <a:effectLst/>
+                <a:latin typeface="Calibri" panose="020F0502020204030204" pitchFamily="34" charset="0"/>
+              </a:rPr>
+              <a:t>titlefont</a:t>
+            </a:r>
+            <a:r>
+              <a:rPr lang="en-US" sz="1600" dirty="0" smtClean="0">
+                <a:solidFill>
+                  <a:srgbClr val="000000"/>
+                </a:solidFill>
+                <a:effectLst/>
+                <a:latin typeface="Calibri" panose="020F0502020204030204" pitchFamily="34" charset="0"/>
+              </a:rPr>
+              <a:t>': {'color': '#4D5663'},</a:t>
+            </a:r>
+          </a:p>
+          <a:p>
+            <a:pPr marL="114300" indent="0">
+              <a:spcBef>
+                <a:spcPts val="0"/>
+              </a:spcBef>
+              <a:buNone/>
+            </a:pPr>
+            <a:r>
+              <a:rPr lang="en-US" sz="1600" dirty="0" smtClean="0">
+                <a:solidFill>
+                  <a:srgbClr val="000000"/>
+                </a:solidFill>
+                <a:effectLst/>
+                <a:latin typeface="Calibri" panose="020F0502020204030204" pitchFamily="34" charset="0"/>
+              </a:rPr>
+              <a:t>  '</a:t>
+            </a:r>
+            <a:r>
+              <a:rPr lang="en-US" sz="1600" dirty="0" err="1" smtClean="0">
+                <a:solidFill>
+                  <a:srgbClr val="000000"/>
+                </a:solidFill>
+                <a:effectLst/>
+                <a:latin typeface="Calibri" panose="020F0502020204030204" pitchFamily="34" charset="0"/>
+              </a:rPr>
+              <a:t>zerolinecolor</a:t>
+            </a:r>
+            <a:r>
+              <a:rPr lang="en-US" sz="1600" dirty="0" smtClean="0">
+                <a:solidFill>
+                  <a:srgbClr val="000000"/>
+                </a:solidFill>
+                <a:effectLst/>
+                <a:latin typeface="Calibri" panose="020F0502020204030204" pitchFamily="34" charset="0"/>
+              </a:rPr>
+              <a:t>': '#E1E5ED'},</a:t>
+            </a:r>
+          </a:p>
+          <a:p>
+            <a:pPr marL="114300" indent="0">
+              <a:spcBef>
+                <a:spcPts val="0"/>
+              </a:spcBef>
+              <a:buNone/>
+            </a:pPr>
+            <a:r>
+              <a:rPr lang="en-US" sz="1600" dirty="0" smtClean="0">
+                <a:solidFill>
+                  <a:srgbClr val="000000"/>
+                </a:solidFill>
+                <a:effectLst/>
+                <a:latin typeface="Calibri" panose="020F0502020204030204" pitchFamily="34" charset="0"/>
+              </a:rPr>
+              <a:t> 'yaxis1': {'</a:t>
+            </a:r>
+            <a:r>
+              <a:rPr lang="en-US" sz="1600" dirty="0" err="1" smtClean="0">
+                <a:solidFill>
+                  <a:srgbClr val="000000"/>
+                </a:solidFill>
+                <a:effectLst/>
+                <a:latin typeface="Calibri" panose="020F0502020204030204" pitchFamily="34" charset="0"/>
+              </a:rPr>
+              <a:t>gridcolor</a:t>
+            </a:r>
+            <a:r>
+              <a:rPr lang="en-US" sz="1600" dirty="0" smtClean="0">
+                <a:solidFill>
+                  <a:srgbClr val="000000"/>
+                </a:solidFill>
+                <a:effectLst/>
+                <a:latin typeface="Calibri" panose="020F0502020204030204" pitchFamily="34" charset="0"/>
+              </a:rPr>
+              <a:t>': '#E1E5ED',</a:t>
+            </a:r>
+          </a:p>
+          <a:p>
+            <a:pPr marL="114300" indent="0">
+              <a:spcBef>
+                <a:spcPts val="0"/>
+              </a:spcBef>
+              <a:buNone/>
+            </a:pPr>
+            <a:r>
+              <a:rPr lang="en-US" sz="1600" dirty="0" smtClean="0">
+                <a:solidFill>
+                  <a:srgbClr val="000000"/>
+                </a:solidFill>
+                <a:effectLst/>
+                <a:latin typeface="Calibri" panose="020F0502020204030204" pitchFamily="34" charset="0"/>
+              </a:rPr>
+              <a:t>  '</a:t>
+            </a:r>
+            <a:r>
+              <a:rPr lang="en-US" sz="1600" dirty="0" err="1" smtClean="0">
+                <a:solidFill>
+                  <a:srgbClr val="000000"/>
+                </a:solidFill>
+                <a:effectLst/>
+                <a:latin typeface="Calibri" panose="020F0502020204030204" pitchFamily="34" charset="0"/>
+              </a:rPr>
+              <a:t>showgrid</a:t>
+            </a:r>
+            <a:r>
+              <a:rPr lang="en-US" sz="1600" dirty="0" smtClean="0">
+                <a:solidFill>
+                  <a:srgbClr val="000000"/>
+                </a:solidFill>
+                <a:effectLst/>
+                <a:latin typeface="Calibri" panose="020F0502020204030204" pitchFamily="34" charset="0"/>
+              </a:rPr>
+              <a:t>': True,</a:t>
+            </a:r>
+          </a:p>
+          <a:p>
+            <a:pPr marL="114300" indent="0">
+              <a:spcBef>
+                <a:spcPts val="0"/>
+              </a:spcBef>
+              <a:buNone/>
+            </a:pPr>
+            <a:r>
+              <a:rPr lang="en-US" sz="1600" dirty="0" smtClean="0">
+                <a:solidFill>
+                  <a:srgbClr val="000000"/>
+                </a:solidFill>
+                <a:effectLst/>
+                <a:latin typeface="Calibri" panose="020F0502020204030204" pitchFamily="34" charset="0"/>
+              </a:rPr>
+              <a:t>  '</a:t>
+            </a:r>
+            <a:r>
+              <a:rPr lang="en-US" sz="1600" dirty="0" err="1" smtClean="0">
+                <a:solidFill>
+                  <a:srgbClr val="000000"/>
+                </a:solidFill>
+                <a:effectLst/>
+                <a:latin typeface="Calibri" panose="020F0502020204030204" pitchFamily="34" charset="0"/>
+              </a:rPr>
+              <a:t>tickfont</a:t>
+            </a:r>
+            <a:r>
+              <a:rPr lang="en-US" sz="1600" dirty="0" smtClean="0">
+                <a:solidFill>
+                  <a:srgbClr val="000000"/>
+                </a:solidFill>
+                <a:effectLst/>
+                <a:latin typeface="Calibri" panose="020F0502020204030204" pitchFamily="34" charset="0"/>
+              </a:rPr>
+              <a:t>': {'color': '#4D5663'},</a:t>
+            </a:r>
+          </a:p>
+          <a:p>
+            <a:pPr marL="114300" indent="0">
+              <a:spcBef>
+                <a:spcPts val="0"/>
+              </a:spcBef>
+              <a:buNone/>
+            </a:pPr>
+            <a:r>
+              <a:rPr lang="en-US" sz="1600" dirty="0" smtClean="0">
+                <a:solidFill>
+                  <a:srgbClr val="000000"/>
+                </a:solidFill>
+                <a:effectLst/>
+                <a:latin typeface="Calibri" panose="020F0502020204030204" pitchFamily="34" charset="0"/>
+              </a:rPr>
+              <a:t>  'title': '',</a:t>
+            </a:r>
+          </a:p>
+          <a:p>
+            <a:pPr marL="114300" indent="0">
+              <a:spcBef>
+                <a:spcPts val="0"/>
+              </a:spcBef>
+              <a:buNone/>
+            </a:pPr>
+            <a:r>
+              <a:rPr lang="en-US" sz="1600" dirty="0" smtClean="0">
+                <a:solidFill>
+                  <a:srgbClr val="000000"/>
+                </a:solidFill>
+                <a:effectLst/>
+                <a:latin typeface="Calibri" panose="020F0502020204030204" pitchFamily="34" charset="0"/>
+              </a:rPr>
+              <a:t> </a:t>
+            </a:r>
+          </a:p>
+          <a:p>
+            <a:pPr marL="0" indent="0">
+              <a:buNone/>
+            </a:pPr>
+            <a:endParaRPr lang="en-US" sz="1600" dirty="0"/>
+          </a:p>
+        </p:txBody>
+      </p:sp>
+    </p:spTree>
+    <p:extLst>
+      <p:ext uri="{BB962C8B-B14F-4D97-AF65-F5344CB8AC3E}">
+        <p14:creationId xmlns:p14="http://schemas.microsoft.com/office/powerpoint/2010/main" val="4259510154"/>
+      </p:ext>
+    </p:extLst>
+  </p:cSld>
+  <p:clrMapOvr>
+    <a:masterClrMapping/>
+  </p:clrMapOvr>
+  <p:timing>
+    <p:tnLst>
+      <p:par>
+        <p:cTn id="1" dur="indefinite" restart="never" nodeType="tmRoot"/>
+      </p:par>
+    </p:tnLst>
+  </p:timing>
+</p:sld>
+</file>
+
+<file path=ppt/slides/slide15.xml><?xml version="1.0" encoding="utf-8"?>
+<p:sld xmlns:a="http://schemas.openxmlformats.org/drawingml/2006/main" xmlns:r="http://schemas.openxmlformats.org/officeDocument/2006/relationships" xmlns:p="http://schemas.openxmlformats.org/presentationml/2006/main">
+  <p:cSld>
+    <p:spTree>
+      <p:nvGrpSpPr>
+        <p:cNvPr id="1" name=""/>
+        <p:cNvGrpSpPr/>
+        <p:nvPr/>
+      </p:nvGrpSpPr>
+      <p:grpSpPr>
+        <a:xfrm>
+          <a:off x="0" y="0"/>
+          <a:ext cx="0" cy="0"/>
+          <a:chOff x="0" y="0"/>
+          <a:chExt cx="0" cy="0"/>
+        </a:xfrm>
+      </p:grpSpPr>
+      <p:sp>
+        <p:nvSpPr>
+          <p:cNvPr id="2" name="Title 1"/>
+          <p:cNvSpPr>
+            <a:spLocks noGrp="1"/>
+          </p:cNvSpPr>
+          <p:nvPr>
+            <p:ph type="title"/>
+          </p:nvPr>
+        </p:nvSpPr>
+        <p:spPr/>
+        <p:txBody>
+          <a:bodyPr/>
+          <a:lstStyle/>
+          <a:p>
+            <a:r>
+              <a:rPr lang="en-US" dirty="0" smtClean="0"/>
               <a:t>lines spaces and annotations</a:t>
             </a:r>
             <a:endParaRPr lang="en-US" dirty="0"/>
@@ -9004,10 +11900,17 @@
   <p:clrMapOvr>
     <a:masterClrMapping/>
   </p:clrMapOvr>
+  <p:timing>
+    <p:tnLst>
+      <p:par>
+        <p:cTn id="1" dur="indefinite" restart="never" nodeType="tmRoot"/>
+      </p:par>
+    </p:tnLst>
+  </p:timing>
 </p:sld>
 </file>
 
-<file path=ppt/slides/slide15.xml><?xml version="1.0" encoding="utf-8"?>
+<file path=ppt/slides/slide16.xml><?xml version="1.0" encoding="utf-8"?>
 <p:sld xmlns:a="http://schemas.openxmlformats.org/drawingml/2006/main" xmlns:r="http://schemas.openxmlformats.org/officeDocument/2006/relationships" xmlns:p="http://schemas.openxmlformats.org/presentationml/2006/main">
   <p:cSld>
     <p:spTree>
@@ -9141,10 +12044,17 @@
   <p:clrMapOvr>
     <a:masterClrMapping/>
   </p:clrMapOvr>
+  <p:timing>
+    <p:tnLst>
+      <p:par>
+        <p:cTn id="1" dur="indefinite" restart="never" nodeType="tmRoot"/>
+      </p:par>
+    </p:tnLst>
+  </p:timing>
 </p:sld>
 </file>
 
-<file path=ppt/slides/slide16.xml><?xml version="1.0" encoding="utf-8"?>
+<file path=ppt/slides/slide17.xml><?xml version="1.0" encoding="utf-8"?>
 <p:sld xmlns:a="http://schemas.openxmlformats.org/drawingml/2006/main" xmlns:r="http://schemas.openxmlformats.org/officeDocument/2006/relationships" xmlns:p="http://schemas.openxmlformats.org/presentationml/2006/main">
   <p:cSld>
     <p:spTree>
@@ -9220,10 +12130,17 @@
   <p:clrMapOvr>
     <a:masterClrMapping/>
   </p:clrMapOvr>
+  <p:timing>
+    <p:tnLst>
+      <p:par>
+        <p:cTn id="1" dur="indefinite" restart="never" nodeType="tmRoot"/>
+      </p:par>
+    </p:tnLst>
+  </p:timing>
 </p:sld>
 </file>
 
-<file path=ppt/slides/slide17.xml><?xml version="1.0" encoding="utf-8"?>
+<file path=ppt/slides/slide18.xml><?xml version="1.0" encoding="utf-8"?>
 <p:sld xmlns:a="http://schemas.openxmlformats.org/drawingml/2006/main" xmlns:r="http://schemas.openxmlformats.org/officeDocument/2006/relationships" xmlns:p="http://schemas.openxmlformats.org/presentationml/2006/main">
   <p:cSld>
     <p:spTree>
@@ -9620,7 +12537,11 @@
             </a:r>
             <a:r>
               <a:rPr lang="en-US" dirty="0" smtClean="0"/>
-              <a:t> and cufflinks</a:t>
+              <a:t> and </a:t>
+            </a:r>
+            <a:r>
+              <a:rPr lang="en-US" dirty="0" smtClean="0"/>
+              <a:t>cufflinks</a:t>
             </a:r>
             <a:endParaRPr lang="en-US" dirty="0"/>
           </a:p>
@@ -9653,6 +12574,258 @@
               <a:buNone/>
             </a:pPr>
             <a:endParaRPr lang="en-US" sz="2000" dirty="0"/>
+          </a:p>
+        </p:txBody>
+      </p:sp>
+      <p:sp>
+        <p:nvSpPr>
+          <p:cNvPr id="4" name="Content Placeholder 2"/>
+          <p:cNvSpPr txBox="1">
+            <a:spLocks/>
+          </p:cNvSpPr>
+          <p:nvPr/>
+        </p:nvSpPr>
+        <p:spPr>
+          <a:xfrm>
+            <a:off x="2741612" y="2286000"/>
+            <a:ext cx="8915400" cy="3777622"/>
+          </a:xfrm>
+          <a:prstGeom prst="rect">
+            <a:avLst/>
+          </a:prstGeom>
+        </p:spPr>
+        <p:txBody>
+          <a:bodyPr vert="horz" lIns="91440" tIns="45720" rIns="91440" bIns="45720" rtlCol="0">
+            <a:normAutofit/>
+          </a:bodyPr>
+          <a:lstStyle>
+            <a:lvl1pPr marL="342900" indent="-342900" algn="l" defTabSz="457200" rtl="0" eaLnBrk="1" latinLnBrk="0" hangingPunct="1">
+              <a:spcBef>
+                <a:spcPts val="1000"/>
+              </a:spcBef>
+              <a:spcAft>
+                <a:spcPts val="0"/>
+              </a:spcAft>
+              <a:buClr>
+                <a:schemeClr val="accent1"/>
+              </a:buClr>
+              <a:buFont typeface="Wingdings 3" charset="2"/>
+              <a:buChar char=""/>
+              <a:defRPr sz="1800" kern="1200">
+                <a:solidFill>
+                  <a:schemeClr val="tx1">
+                    <a:lumMod val="75000"/>
+                    <a:lumOff val="25000"/>
+                  </a:schemeClr>
+                </a:solidFill>
+                <a:latin typeface="+mn-lt"/>
+                <a:ea typeface="+mn-ea"/>
+                <a:cs typeface="+mn-cs"/>
+              </a:defRPr>
+            </a:lvl1pPr>
+            <a:lvl2pPr marL="742950" indent="-285750" algn="l" defTabSz="457200" rtl="0" eaLnBrk="1" latinLnBrk="0" hangingPunct="1">
+              <a:spcBef>
+                <a:spcPts val="1000"/>
+              </a:spcBef>
+              <a:spcAft>
+                <a:spcPts val="0"/>
+              </a:spcAft>
+              <a:buClr>
+                <a:schemeClr val="accent1"/>
+              </a:buClr>
+              <a:buFont typeface="Wingdings 3" charset="2"/>
+              <a:buChar char=""/>
+              <a:defRPr sz="1600" kern="1200">
+                <a:solidFill>
+                  <a:schemeClr val="tx1">
+                    <a:lumMod val="75000"/>
+                    <a:lumOff val="25000"/>
+                  </a:schemeClr>
+                </a:solidFill>
+                <a:latin typeface="+mn-lt"/>
+                <a:ea typeface="+mn-ea"/>
+                <a:cs typeface="+mn-cs"/>
+              </a:defRPr>
+            </a:lvl2pPr>
+            <a:lvl3pPr marL="1143000" indent="-228600" algn="l" defTabSz="457200" rtl="0" eaLnBrk="1" latinLnBrk="0" hangingPunct="1">
+              <a:spcBef>
+                <a:spcPts val="1000"/>
+              </a:spcBef>
+              <a:spcAft>
+                <a:spcPts val="0"/>
+              </a:spcAft>
+              <a:buClr>
+                <a:schemeClr val="accent1"/>
+              </a:buClr>
+              <a:buFont typeface="Wingdings 3" charset="2"/>
+              <a:buChar char=""/>
+              <a:defRPr sz="1400" kern="1200">
+                <a:solidFill>
+                  <a:schemeClr val="tx1">
+                    <a:lumMod val="75000"/>
+                    <a:lumOff val="25000"/>
+                  </a:schemeClr>
+                </a:solidFill>
+                <a:latin typeface="+mn-lt"/>
+                <a:ea typeface="+mn-ea"/>
+                <a:cs typeface="+mn-cs"/>
+              </a:defRPr>
+            </a:lvl3pPr>
+            <a:lvl4pPr marL="1600200" indent="-228600" algn="l" defTabSz="457200" rtl="0" eaLnBrk="1" latinLnBrk="0" hangingPunct="1">
+              <a:spcBef>
+                <a:spcPts val="1000"/>
+              </a:spcBef>
+              <a:spcAft>
+                <a:spcPts val="0"/>
+              </a:spcAft>
+              <a:buClr>
+                <a:schemeClr val="accent1"/>
+              </a:buClr>
+              <a:buFont typeface="Wingdings 3" charset="2"/>
+              <a:buChar char=""/>
+              <a:defRPr sz="1200" kern="1200">
+                <a:solidFill>
+                  <a:schemeClr val="tx1">
+                    <a:lumMod val="75000"/>
+                    <a:lumOff val="25000"/>
+                  </a:schemeClr>
+                </a:solidFill>
+                <a:latin typeface="+mn-lt"/>
+                <a:ea typeface="+mn-ea"/>
+                <a:cs typeface="+mn-cs"/>
+              </a:defRPr>
+            </a:lvl4pPr>
+            <a:lvl5pPr marL="2057400" indent="-228600" algn="l" defTabSz="457200" rtl="0" eaLnBrk="1" latinLnBrk="0" hangingPunct="1">
+              <a:spcBef>
+                <a:spcPts val="1000"/>
+              </a:spcBef>
+              <a:spcAft>
+                <a:spcPts val="0"/>
+              </a:spcAft>
+              <a:buClr>
+                <a:schemeClr val="accent1"/>
+              </a:buClr>
+              <a:buFont typeface="Wingdings 3" charset="2"/>
+              <a:buChar char=""/>
+              <a:defRPr sz="1200" kern="1200">
+                <a:solidFill>
+                  <a:schemeClr val="tx1">
+                    <a:lumMod val="75000"/>
+                    <a:lumOff val="25000"/>
+                  </a:schemeClr>
+                </a:solidFill>
+                <a:latin typeface="+mn-lt"/>
+                <a:ea typeface="+mn-ea"/>
+                <a:cs typeface="+mn-cs"/>
+              </a:defRPr>
+            </a:lvl5pPr>
+            <a:lvl6pPr marL="2514600" indent="-228600" algn="l" defTabSz="457200" rtl="0" eaLnBrk="1" latinLnBrk="0" hangingPunct="1">
+              <a:spcBef>
+                <a:spcPts val="1000"/>
+              </a:spcBef>
+              <a:spcAft>
+                <a:spcPts val="0"/>
+              </a:spcAft>
+              <a:buClr>
+                <a:schemeClr val="accent1"/>
+              </a:buClr>
+              <a:buFont typeface="Wingdings 3" charset="2"/>
+              <a:buChar char=""/>
+              <a:defRPr sz="1200" kern="1200">
+                <a:solidFill>
+                  <a:schemeClr val="tx1">
+                    <a:lumMod val="75000"/>
+                    <a:lumOff val="25000"/>
+                  </a:schemeClr>
+                </a:solidFill>
+                <a:latin typeface="+mn-lt"/>
+                <a:ea typeface="+mn-ea"/>
+                <a:cs typeface="+mn-cs"/>
+              </a:defRPr>
+            </a:lvl6pPr>
+            <a:lvl7pPr marL="2971800" indent="-228600" algn="l" defTabSz="457200" rtl="0" eaLnBrk="1" latinLnBrk="0" hangingPunct="1">
+              <a:spcBef>
+                <a:spcPts val="1000"/>
+              </a:spcBef>
+              <a:spcAft>
+                <a:spcPts val="0"/>
+              </a:spcAft>
+              <a:buClr>
+                <a:schemeClr val="accent1"/>
+              </a:buClr>
+              <a:buFont typeface="Wingdings 3" charset="2"/>
+              <a:buChar char=""/>
+              <a:defRPr sz="1200" kern="1200">
+                <a:solidFill>
+                  <a:schemeClr val="tx1">
+                    <a:lumMod val="75000"/>
+                    <a:lumOff val="25000"/>
+                  </a:schemeClr>
+                </a:solidFill>
+                <a:latin typeface="+mn-lt"/>
+                <a:ea typeface="+mn-ea"/>
+                <a:cs typeface="+mn-cs"/>
+              </a:defRPr>
+            </a:lvl7pPr>
+            <a:lvl8pPr marL="3429000" indent="-228600" algn="l" defTabSz="457200" rtl="0" eaLnBrk="1" latinLnBrk="0" hangingPunct="1">
+              <a:spcBef>
+                <a:spcPts val="1000"/>
+              </a:spcBef>
+              <a:spcAft>
+                <a:spcPts val="0"/>
+              </a:spcAft>
+              <a:buClr>
+                <a:schemeClr val="accent1"/>
+              </a:buClr>
+              <a:buFont typeface="Wingdings 3" charset="2"/>
+              <a:buChar char=""/>
+              <a:defRPr sz="1200" kern="1200">
+                <a:solidFill>
+                  <a:schemeClr val="tx1">
+                    <a:lumMod val="75000"/>
+                    <a:lumOff val="25000"/>
+                  </a:schemeClr>
+                </a:solidFill>
+                <a:latin typeface="+mn-lt"/>
+                <a:ea typeface="+mn-ea"/>
+                <a:cs typeface="+mn-cs"/>
+              </a:defRPr>
+            </a:lvl8pPr>
+            <a:lvl9pPr marL="3886200" indent="-228600" algn="l" defTabSz="457200" rtl="0" eaLnBrk="1" latinLnBrk="0" hangingPunct="1">
+              <a:spcBef>
+                <a:spcPts val="1000"/>
+              </a:spcBef>
+              <a:spcAft>
+                <a:spcPts val="0"/>
+              </a:spcAft>
+              <a:buClr>
+                <a:schemeClr val="accent1"/>
+              </a:buClr>
+              <a:buFont typeface="Wingdings 3" charset="2"/>
+              <a:buChar char=""/>
+              <a:defRPr sz="1200" kern="1200">
+                <a:solidFill>
+                  <a:schemeClr val="tx1">
+                    <a:lumMod val="75000"/>
+                    <a:lumOff val="25000"/>
+                  </a:schemeClr>
+                </a:solidFill>
+                <a:latin typeface="+mn-lt"/>
+                <a:ea typeface="+mn-ea"/>
+                <a:cs typeface="+mn-cs"/>
+              </a:defRPr>
+            </a:lvl9pPr>
+          </a:lstStyle>
+          <a:p>
+            <a:r>
+              <a:rPr lang="en-US" dirty="0" smtClean="0"/>
+              <a:t>please install before meeting and run the </a:t>
+            </a:r>
+            <a:r>
+              <a:rPr lang="en-US" smtClean="0"/>
+              <a:t>next slide code!!!</a:t>
+            </a:r>
+            <a:endParaRPr lang="en-US" dirty="0"/>
           </a:p>
         </p:txBody>
       </p:sp>
